--- a/Building An Custom.pptx
+++ b/Building An Custom.pptx
@@ -5,18 +5,19 @@
     <p:sldMasterId id="2147483648" r:id="rId1"/>
   </p:sldMasterIdLst>
   <p:sldIdLst>
-    <p:sldId id="256" r:id="rId2"/>
-    <p:sldId id="257" r:id="rId3"/>
-    <p:sldId id="259" r:id="rId4"/>
-    <p:sldId id="258" r:id="rId5"/>
-    <p:sldId id="260" r:id="rId6"/>
-    <p:sldId id="261" r:id="rId7"/>
-    <p:sldId id="262" r:id="rId8"/>
-    <p:sldId id="264" r:id="rId9"/>
-    <p:sldId id="263" r:id="rId10"/>
-    <p:sldId id="265" r:id="rId11"/>
-    <p:sldId id="266" r:id="rId12"/>
-    <p:sldId id="267" r:id="rId13"/>
+    <p:sldId id="268" r:id="rId2"/>
+    <p:sldId id="269" r:id="rId3"/>
+    <p:sldId id="257" r:id="rId4"/>
+    <p:sldId id="259" r:id="rId5"/>
+    <p:sldId id="258" r:id="rId6"/>
+    <p:sldId id="260" r:id="rId7"/>
+    <p:sldId id="261" r:id="rId8"/>
+    <p:sldId id="262" r:id="rId9"/>
+    <p:sldId id="264" r:id="rId10"/>
+    <p:sldId id="263" r:id="rId11"/>
+    <p:sldId id="265" r:id="rId12"/>
+    <p:sldId id="266" r:id="rId13"/>
+    <p:sldId id="267" r:id="rId14"/>
   </p:sldIdLst>
   <p:sldSz cx="12192000" cy="6858000"/>
   <p:notesSz cx="6858000" cy="9144000"/>
@@ -115,6 +116,11 @@
       </a:defRPr>
     </a:lvl9pPr>
   </p:defaultTextStyle>
+  <p:extLst>
+    <p:ext uri="{EFAFB233-063F-42B5-8137-9DF3F51BA10A}">
+      <p15:sldGuideLst xmlns:p15="http://schemas.microsoft.com/office/powerpoint/2012/main"/>
+    </p:ext>
+  </p:extLst>
 </p:presentation>
 </file>
 
@@ -265,7 +271,7 @@
           <a:p>
             <a:fld id="{D41921DE-9A10-457F-BA6E-89142AAEB166}" type="datetimeFigureOut">
               <a:rPr lang="en-US" smtClean="0"/>
-              <a:t>10/21/2018</a:t>
+              <a:t>10/29/2018</a:t>
             </a:fld>
             <a:endParaRPr lang="en-US"/>
           </a:p>
@@ -463,7 +469,7 @@
           <a:p>
             <a:fld id="{D41921DE-9A10-457F-BA6E-89142AAEB166}" type="datetimeFigureOut">
               <a:rPr lang="en-US" smtClean="0"/>
-              <a:t>10/21/2018</a:t>
+              <a:t>10/29/2018</a:t>
             </a:fld>
             <a:endParaRPr lang="en-US"/>
           </a:p>
@@ -671,7 +677,7 @@
           <a:p>
             <a:fld id="{D41921DE-9A10-457F-BA6E-89142AAEB166}" type="datetimeFigureOut">
               <a:rPr lang="en-US" smtClean="0"/>
-              <a:t>10/21/2018</a:t>
+              <a:t>10/29/2018</a:t>
             </a:fld>
             <a:endParaRPr lang="en-US"/>
           </a:p>
@@ -869,7 +875,7 @@
           <a:p>
             <a:fld id="{D41921DE-9A10-457F-BA6E-89142AAEB166}" type="datetimeFigureOut">
               <a:rPr lang="en-US" smtClean="0"/>
-              <a:t>10/21/2018</a:t>
+              <a:t>10/29/2018</a:t>
             </a:fld>
             <a:endParaRPr lang="en-US"/>
           </a:p>
@@ -1144,7 +1150,7 @@
           <a:p>
             <a:fld id="{D41921DE-9A10-457F-BA6E-89142AAEB166}" type="datetimeFigureOut">
               <a:rPr lang="en-US" smtClean="0"/>
-              <a:t>10/21/2018</a:t>
+              <a:t>10/29/2018</a:t>
             </a:fld>
             <a:endParaRPr lang="en-US"/>
           </a:p>
@@ -1409,7 +1415,7 @@
           <a:p>
             <a:fld id="{D41921DE-9A10-457F-BA6E-89142AAEB166}" type="datetimeFigureOut">
               <a:rPr lang="en-US" smtClean="0"/>
-              <a:t>10/21/2018</a:t>
+              <a:t>10/29/2018</a:t>
             </a:fld>
             <a:endParaRPr lang="en-US"/>
           </a:p>
@@ -1821,7 +1827,7 @@
           <a:p>
             <a:fld id="{D41921DE-9A10-457F-BA6E-89142AAEB166}" type="datetimeFigureOut">
               <a:rPr lang="en-US" smtClean="0"/>
-              <a:t>10/21/2018</a:t>
+              <a:t>10/29/2018</a:t>
             </a:fld>
             <a:endParaRPr lang="en-US"/>
           </a:p>
@@ -1962,7 +1968,7 @@
           <a:p>
             <a:fld id="{D41921DE-9A10-457F-BA6E-89142AAEB166}" type="datetimeFigureOut">
               <a:rPr lang="en-US" smtClean="0"/>
-              <a:t>10/21/2018</a:t>
+              <a:t>10/29/2018</a:t>
             </a:fld>
             <a:endParaRPr lang="en-US"/>
           </a:p>
@@ -2075,7 +2081,7 @@
           <a:p>
             <a:fld id="{D41921DE-9A10-457F-BA6E-89142AAEB166}" type="datetimeFigureOut">
               <a:rPr lang="en-US" smtClean="0"/>
-              <a:t>10/21/2018</a:t>
+              <a:t>10/29/2018</a:t>
             </a:fld>
             <a:endParaRPr lang="en-US"/>
           </a:p>
@@ -2386,7 +2392,7 @@
           <a:p>
             <a:fld id="{D41921DE-9A10-457F-BA6E-89142AAEB166}" type="datetimeFigureOut">
               <a:rPr lang="en-US" smtClean="0"/>
-              <a:t>10/21/2018</a:t>
+              <a:t>10/29/2018</a:t>
             </a:fld>
             <a:endParaRPr lang="en-US"/>
           </a:p>
@@ -2674,7 +2680,7 @@
           <a:p>
             <a:fld id="{D41921DE-9A10-457F-BA6E-89142AAEB166}" type="datetimeFigureOut">
               <a:rPr lang="en-US" smtClean="0"/>
-              <a:t>10/21/2018</a:t>
+              <a:t>10/29/2018</a:t>
             </a:fld>
             <a:endParaRPr lang="en-US"/>
           </a:p>
@@ -2915,7 +2921,7 @@
           <a:p>
             <a:fld id="{D41921DE-9A10-457F-BA6E-89142AAEB166}" type="datetimeFigureOut">
               <a:rPr lang="en-US" smtClean="0"/>
-              <a:t>10/21/2018</a:t>
+              <a:t>10/29/2018</a:t>
             </a:fld>
             <a:endParaRPr lang="en-US"/>
           </a:p>
@@ -3398,7 +3404,7 @@
     </p:spTree>
     <p:extLst>
       <p:ext uri="{BB962C8B-B14F-4D97-AF65-F5344CB8AC3E}">
-        <p14:creationId xmlns:p14="http://schemas.microsoft.com/office/powerpoint/2010/main" val="4294948883"/>
+        <p14:creationId xmlns:p14="http://schemas.microsoft.com/office/powerpoint/2010/main" val="3149596169"/>
       </p:ext>
     </p:extLst>
   </p:cSld>
@@ -3430,7 +3436,7 @@
           <p:cNvPr id="2" name="Title 1">
             <a:extLst>
               <a:ext uri="{FF2B5EF4-FFF2-40B4-BE49-F238E27FC236}">
-                <a16:creationId xmlns:a16="http://schemas.microsoft.com/office/drawing/2014/main" id="{F4E9973C-D474-42E9-AFBF-F9FEF0565B55}"/>
+                <a16:creationId xmlns:a16="http://schemas.microsoft.com/office/drawing/2014/main" id="{FA295848-902A-40FE-8F5B-47BADBA889DA}"/>
               </a:ext>
             </a:extLst>
           </p:cNvPr>
@@ -3448,7 +3454,7 @@
           <a:p>
             <a:r>
               <a:rPr lang="en-US" dirty="0"/>
-              <a:t>Let’s Build One!</a:t>
+              <a:t>Interaction Types</a:t>
             </a:r>
           </a:p>
         </p:txBody>
@@ -3458,7 +3464,7 @@
           <p:cNvPr id="3" name="Content Placeholder 2">
             <a:extLst>
               <a:ext uri="{FF2B5EF4-FFF2-40B4-BE49-F238E27FC236}">
-                <a16:creationId xmlns:a16="http://schemas.microsoft.com/office/drawing/2014/main" id="{7A4ECB46-429B-4553-B530-02602B503A56}"/>
+                <a16:creationId xmlns:a16="http://schemas.microsoft.com/office/drawing/2014/main" id="{02DA7A9E-989D-4538-95D0-453B931B048D}"/>
               </a:ext>
             </a:extLst>
           </p:cNvPr>
@@ -3476,20 +3482,69 @@
           <a:p>
             <a:r>
               <a:rPr lang="en-US" dirty="0"/>
-              <a:t>[Insert topic here]</a:t>
-            </a:r>
-          </a:p>
-          <a:p>
-            <a:r>
-              <a:rPr lang="en-US" dirty="0"/>
-              <a:t>Sample Intents:</a:t>
+              <a:t>Single Command</a:t>
             </a:r>
           </a:p>
           <a:p>
             <a:pPr lvl="1"/>
             <a:r>
               <a:rPr lang="en-US" dirty="0"/>
-              <a:t>“[insert intents here]”</a:t>
+              <a:t>User: “Alexa ask ESPN for the score of the Viking game.”</a:t>
+            </a:r>
+          </a:p>
+          <a:p>
+            <a:pPr lvl="2"/>
+            <a:r>
+              <a:rPr lang="en-US" dirty="0"/>
+              <a:t>Alexa: “The score of the Viking Packer game is 21-13, Vikings in the lead.”</a:t>
+            </a:r>
+          </a:p>
+          <a:p>
+            <a:r>
+              <a:rPr lang="en-US" dirty="0"/>
+              <a:t>Sessions</a:t>
+            </a:r>
+          </a:p>
+          <a:p>
+            <a:pPr lvl="1"/>
+            <a:r>
+              <a:rPr lang="en-US" dirty="0"/>
+              <a:t>Do not require user to say invocation name every command</a:t>
+            </a:r>
+          </a:p>
+          <a:p>
+            <a:pPr lvl="1"/>
+            <a:r>
+              <a:rPr lang="en-US" dirty="0"/>
+              <a:t>User: “Alexa open ESPN”</a:t>
+            </a:r>
+          </a:p>
+          <a:p>
+            <a:pPr lvl="2"/>
+            <a:r>
+              <a:rPr lang="en-US" dirty="0"/>
+              <a:t>Alexa ESPN skill: “Welcome to ESPN, how can I help you?”</a:t>
+            </a:r>
+          </a:p>
+          <a:p>
+            <a:pPr lvl="2"/>
+            <a:r>
+              <a:rPr lang="en-US" dirty="0"/>
+              <a:t>User: “How are Minnesota sports doing?”</a:t>
+            </a:r>
+          </a:p>
+          <a:p>
+            <a:pPr lvl="2"/>
+            <a:r>
+              <a:rPr lang="en-US" dirty="0"/>
+              <a:t>Alexa ESPN skill: “Minnesota Wild are have a record of 3-1-1 and the Twins have a record of 23-33.”</a:t>
+            </a:r>
+          </a:p>
+          <a:p>
+            <a:pPr lvl="2"/>
+            <a:r>
+              <a:rPr lang="en-US" dirty="0"/>
+              <a:t>…</a:t>
             </a:r>
           </a:p>
         </p:txBody>
@@ -3497,7 +3552,7 @@
     </p:spTree>
     <p:extLst>
       <p:ext uri="{BB962C8B-B14F-4D97-AF65-F5344CB8AC3E}">
-        <p14:creationId xmlns:p14="http://schemas.microsoft.com/office/powerpoint/2010/main" val="4221358634"/>
+        <p14:creationId xmlns:p14="http://schemas.microsoft.com/office/powerpoint/2010/main" val="1769388970"/>
       </p:ext>
     </p:extLst>
   </p:cSld>
@@ -3529,6 +3584,132 @@
           <p:cNvPr id="2" name="Title 1">
             <a:extLst>
               <a:ext uri="{FF2B5EF4-FFF2-40B4-BE49-F238E27FC236}">
+                <a16:creationId xmlns:a16="http://schemas.microsoft.com/office/drawing/2014/main" id="{F4E9973C-D474-42E9-AFBF-F9FEF0565B55}"/>
+              </a:ext>
+            </a:extLst>
+          </p:cNvPr>
+          <p:cNvSpPr>
+            <a:spLocks noGrp="1"/>
+          </p:cNvSpPr>
+          <p:nvPr>
+            <p:ph type="title"/>
+          </p:nvPr>
+        </p:nvSpPr>
+        <p:spPr/>
+        <p:txBody>
+          <a:bodyPr/>
+          <a:lstStyle/>
+          <a:p>
+            <a:r>
+              <a:rPr lang="en-US" dirty="0"/>
+              <a:t>Let’s Build One!</a:t>
+            </a:r>
+          </a:p>
+        </p:txBody>
+      </p:sp>
+      <p:sp>
+        <p:nvSpPr>
+          <p:cNvPr id="3" name="Content Placeholder 2">
+            <a:extLst>
+              <a:ext uri="{FF2B5EF4-FFF2-40B4-BE49-F238E27FC236}">
+                <a16:creationId xmlns:a16="http://schemas.microsoft.com/office/drawing/2014/main" id="{7A4ECB46-429B-4553-B530-02602B503A56}"/>
+              </a:ext>
+            </a:extLst>
+          </p:cNvPr>
+          <p:cNvSpPr>
+            <a:spLocks noGrp="1"/>
+          </p:cNvSpPr>
+          <p:nvPr>
+            <p:ph idx="1"/>
+          </p:nvPr>
+        </p:nvSpPr>
+        <p:spPr/>
+        <p:txBody>
+          <a:bodyPr/>
+          <a:lstStyle/>
+          <a:p>
+            <a:r>
+              <a:rPr lang="en-US" dirty="0"/>
+              <a:t>Stocks</a:t>
+            </a:r>
+          </a:p>
+          <a:p>
+            <a:r>
+              <a:rPr lang="en-US" dirty="0"/>
+              <a:t>Sample Intents:</a:t>
+            </a:r>
+          </a:p>
+          <a:p>
+            <a:pPr lvl="1"/>
+            <a:r>
+              <a:rPr lang="en-US" dirty="0"/>
+              <a:t>“What is the price of Apple’s stock?”</a:t>
+            </a:r>
+          </a:p>
+          <a:p>
+            <a:pPr lvl="1"/>
+            <a:r>
+              <a:rPr lang="en-US" dirty="0"/>
+              <a:t>“Who is the CEO of Tesla?”</a:t>
+            </a:r>
+          </a:p>
+          <a:p>
+            <a:pPr lvl="1"/>
+            <a:r>
+              <a:rPr lang="en-US" dirty="0"/>
+              <a:t>“What industry is Tesla in?”</a:t>
+            </a:r>
+          </a:p>
+          <a:p>
+            <a:r>
+              <a:rPr lang="en-US" dirty="0"/>
+              <a:t>Give Alexa a memory</a:t>
+            </a:r>
+          </a:p>
+          <a:p>
+            <a:pPr lvl="1"/>
+            <a:r>
+              <a:rPr lang="en-US" dirty="0"/>
+              <a:t>User will not need to say company name each time</a:t>
+            </a:r>
+          </a:p>
+        </p:txBody>
+      </p:sp>
+    </p:spTree>
+    <p:extLst>
+      <p:ext uri="{BB962C8B-B14F-4D97-AF65-F5344CB8AC3E}">
+        <p14:creationId xmlns:p14="http://schemas.microsoft.com/office/powerpoint/2010/main" val="4221358634"/>
+      </p:ext>
+    </p:extLst>
+  </p:cSld>
+  <p:clrMapOvr>
+    <a:masterClrMapping/>
+  </p:clrMapOvr>
+</p:sld>
+</file>
+
+<file path=ppt/slides/slide12.xml><?xml version="1.0" encoding="utf-8"?>
+<p:sld xmlns:a="http://schemas.openxmlformats.org/drawingml/2006/main" xmlns:r="http://schemas.openxmlformats.org/officeDocument/2006/relationships" xmlns:p="http://schemas.openxmlformats.org/presentationml/2006/main">
+  <p:cSld>
+    <p:spTree>
+      <p:nvGrpSpPr>
+        <p:cNvPr id="1" name=""/>
+        <p:cNvGrpSpPr/>
+        <p:nvPr/>
+      </p:nvGrpSpPr>
+      <p:grpSpPr>
+        <a:xfrm>
+          <a:off x="0" y="0"/>
+          <a:ext cx="0" cy="0"/>
+          <a:chOff x="0" y="0"/>
+          <a:chExt cx="0" cy="0"/>
+        </a:xfrm>
+      </p:grpSpPr>
+      <p:sp>
+        <p:nvSpPr>
+          <p:cNvPr id="2" name="Title 1">
+            <a:extLst>
+              <a:ext uri="{FF2B5EF4-FFF2-40B4-BE49-F238E27FC236}">
                 <a16:creationId xmlns:a16="http://schemas.microsoft.com/office/drawing/2014/main" id="{7BE69B2F-4DE4-4FBD-BB64-CEDCB6DB66E7}"/>
               </a:ext>
             </a:extLst>
@@ -3648,7 +3829,7 @@
 </p:sld>
 </file>
 
-<file path=ppt/slides/slide12.xml><?xml version="1.0" encoding="utf-8"?>
+<file path=ppt/slides/slide13.xml><?xml version="1.0" encoding="utf-8"?>
 <p:sld xmlns:a="http://schemas.openxmlformats.org/drawingml/2006/main" xmlns:r="http://schemas.openxmlformats.org/officeDocument/2006/relationships" xmlns:p="http://schemas.openxmlformats.org/presentationml/2006/main">
   <p:cSld>
     <p:spTree>
@@ -3794,7 +3975,7 @@
           <p:cNvPr id="2" name="Title 1">
             <a:extLst>
               <a:ext uri="{FF2B5EF4-FFF2-40B4-BE49-F238E27FC236}">
-                <a16:creationId xmlns:a16="http://schemas.microsoft.com/office/drawing/2014/main" id="{D8CFACD9-252B-464F-8ECC-0FBD04808441}"/>
+                <a16:creationId xmlns:a16="http://schemas.microsoft.com/office/drawing/2014/main" id="{613835D5-69E2-4D87-97C5-6A185B0E0850}"/>
               </a:ext>
             </a:extLst>
           </p:cNvPr>
@@ -3812,7 +3993,7 @@
           <a:p>
             <a:r>
               <a:rPr lang="en-US" dirty="0"/>
-              <a:t>Overview for Today</a:t>
+              <a:t>Who Am I?</a:t>
             </a:r>
           </a:p>
         </p:txBody>
@@ -3822,7 +4003,7 @@
           <p:cNvPr id="3" name="Content Placeholder 2">
             <a:extLst>
               <a:ext uri="{FF2B5EF4-FFF2-40B4-BE49-F238E27FC236}">
-                <a16:creationId xmlns:a16="http://schemas.microsoft.com/office/drawing/2014/main" id="{6F116386-D81D-4B46-B7E5-741EC6D29952}"/>
+                <a16:creationId xmlns:a16="http://schemas.microsoft.com/office/drawing/2014/main" id="{00AF2883-D1F8-4BB4-837C-9EEB588A9BAA}"/>
               </a:ext>
             </a:extLst>
           </p:cNvPr>
@@ -3840,49 +4021,30 @@
           <a:p>
             <a:r>
               <a:rPr lang="en-US" dirty="0"/>
-              <a:t>Implementing, Deploying Custom Alexa Skill</a:t>
-            </a:r>
-          </a:p>
-          <a:p>
-            <a:pPr lvl="1"/>
-            <a:r>
-              <a:rPr lang="en-US" dirty="0"/>
-              <a:t>Alexa Skills Kit Command Line Interface (ASK CLI)</a:t>
-            </a:r>
-          </a:p>
-          <a:p>
-            <a:pPr lvl="1"/>
-            <a:r>
-              <a:rPr lang="en-US" dirty="0"/>
-              <a:t>AWS Lambda</a:t>
-            </a:r>
-          </a:p>
-          <a:p>
-            <a:pPr lvl="1"/>
-            <a:r>
-              <a:rPr lang="en-US" dirty="0"/>
-              <a:t>Node.js</a:t>
-            </a:r>
-          </a:p>
-          <a:p>
-            <a:r>
-              <a:rPr lang="en-US" dirty="0"/>
-              <a:t>How to consume a public API</a:t>
-            </a:r>
-          </a:p>
-          <a:p>
-            <a:pPr lvl="1"/>
-            <a:r>
-              <a:rPr lang="en-US" dirty="0"/>
-              <a:t>[insert site for data here]</a:t>
-            </a:r>
+              <a:t>Software Engineer </a:t>
+            </a:r>
+          </a:p>
+          <a:p>
+            <a:r>
+              <a:rPr lang="en-US" dirty="0"/>
+              <a:t>Currently working at C.H. Robinson from 9-5</a:t>
+            </a:r>
+          </a:p>
+          <a:p>
+            <a:r>
+              <a:rPr lang="en-US" dirty="0"/>
+              <a:t>I build cool software on the side</a:t>
+            </a:r>
+          </a:p>
+          <a:p>
+            <a:endParaRPr lang="en-US" dirty="0"/>
           </a:p>
         </p:txBody>
       </p:sp>
     </p:spTree>
     <p:extLst>
       <p:ext uri="{BB962C8B-B14F-4D97-AF65-F5344CB8AC3E}">
-        <p14:creationId xmlns:p14="http://schemas.microsoft.com/office/powerpoint/2010/main" val="3985130253"/>
+        <p14:creationId xmlns:p14="http://schemas.microsoft.com/office/powerpoint/2010/main" val="504703730"/>
       </p:ext>
     </p:extLst>
   </p:cSld>
@@ -3914,7 +4076,7 @@
           <p:cNvPr id="2" name="Title 1">
             <a:extLst>
               <a:ext uri="{FF2B5EF4-FFF2-40B4-BE49-F238E27FC236}">
-                <a16:creationId xmlns:a16="http://schemas.microsoft.com/office/drawing/2014/main" id="{AAF68D47-6D31-43EF-A9AA-C275631E2842}"/>
+                <a16:creationId xmlns:a16="http://schemas.microsoft.com/office/drawing/2014/main" id="{D8CFACD9-252B-464F-8ECC-0FBD04808441}"/>
               </a:ext>
             </a:extLst>
           </p:cNvPr>
@@ -3932,7 +4094,7 @@
           <a:p>
             <a:r>
               <a:rPr lang="en-US" dirty="0"/>
-              <a:t>What Makes a Skill?</a:t>
+              <a:t>Overview for Today</a:t>
             </a:r>
           </a:p>
         </p:txBody>
@@ -3942,7 +4104,7 @@
           <p:cNvPr id="3" name="Content Placeholder 2">
             <a:extLst>
               <a:ext uri="{FF2B5EF4-FFF2-40B4-BE49-F238E27FC236}">
-                <a16:creationId xmlns:a16="http://schemas.microsoft.com/office/drawing/2014/main" id="{CE4643B2-1E5E-43B1-AB0F-0C754F3AD670}"/>
+                <a16:creationId xmlns:a16="http://schemas.microsoft.com/office/drawing/2014/main" id="{6F116386-D81D-4B46-B7E5-741EC6D29952}"/>
               </a:ext>
             </a:extLst>
           </p:cNvPr>
@@ -3960,16 +4122,51 @@
           <a:p>
             <a:r>
               <a:rPr lang="en-US" dirty="0"/>
-              <a:t>JSON File</a:t>
-            </a:r>
-          </a:p>
-          <a:p>
-            <a:r>
-              <a:rPr lang="en-US" dirty="0"/>
-              <a:t>JavaScript File</a:t>
-            </a:r>
-          </a:p>
-          <a:p>
+              <a:t>Implementing, Deploying Custom Alexa Skill</a:t>
+            </a:r>
+          </a:p>
+          <a:p>
+            <a:pPr lvl="1"/>
+            <a:r>
+              <a:rPr lang="en-US" dirty="0"/>
+              <a:t>Alexa Skills Kit Command Line Interface (ASK CLI)</a:t>
+            </a:r>
+          </a:p>
+          <a:p>
+            <a:pPr lvl="1"/>
+            <a:r>
+              <a:rPr lang="en-US" dirty="0"/>
+              <a:t>AWS Lambda</a:t>
+            </a:r>
+          </a:p>
+          <a:p>
+            <a:pPr lvl="1"/>
+            <a:r>
+              <a:rPr lang="en-US" dirty="0"/>
+              <a:t>Node.js</a:t>
+            </a:r>
+          </a:p>
+          <a:p>
+            <a:r>
+              <a:rPr lang="en-US" dirty="0"/>
+              <a:t>How to consume a public API</a:t>
+            </a:r>
+          </a:p>
+          <a:p>
+            <a:pPr lvl="1"/>
+            <a:r>
+              <a:rPr lang="en-US" dirty="0"/>
+              <a:t>IEX Trading API</a:t>
+            </a:r>
+          </a:p>
+          <a:p>
+            <a:pPr lvl="2"/>
+            <a:r>
+              <a:rPr lang="en-US" dirty="0">
+                <a:hlinkClick r:id="rId2"/>
+              </a:rPr>
+              <a:t>https://iextrading.com/developer/docs/#getting-started</a:t>
+            </a:r>
             <a:endParaRPr lang="en-US" dirty="0"/>
           </a:p>
         </p:txBody>
@@ -3977,7 +4174,7 @@
     </p:spTree>
     <p:extLst>
       <p:ext uri="{BB962C8B-B14F-4D97-AF65-F5344CB8AC3E}">
-        <p14:creationId xmlns:p14="http://schemas.microsoft.com/office/powerpoint/2010/main" val="1035418609"/>
+        <p14:creationId xmlns:p14="http://schemas.microsoft.com/office/powerpoint/2010/main" val="3985130253"/>
       </p:ext>
     </p:extLst>
   </p:cSld>
@@ -4009,7 +4206,7 @@
           <p:cNvPr id="2" name="Title 1">
             <a:extLst>
               <a:ext uri="{FF2B5EF4-FFF2-40B4-BE49-F238E27FC236}">
-                <a16:creationId xmlns:a16="http://schemas.microsoft.com/office/drawing/2014/main" id="{EFC4A874-CCC4-4998-BDAB-E0A6E1783627}"/>
+                <a16:creationId xmlns:a16="http://schemas.microsoft.com/office/drawing/2014/main" id="{AAF68D47-6D31-43EF-A9AA-C275631E2842}"/>
               </a:ext>
             </a:extLst>
           </p:cNvPr>
@@ -4027,7 +4224,7 @@
           <a:p>
             <a:r>
               <a:rPr lang="en-US" dirty="0"/>
-              <a:t>No, its that simple but there is a bit more…</a:t>
+              <a:t>What Makes a Skill?</a:t>
             </a:r>
           </a:p>
         </p:txBody>
@@ -4037,7 +4234,7 @@
           <p:cNvPr id="3" name="Content Placeholder 2">
             <a:extLst>
               <a:ext uri="{FF2B5EF4-FFF2-40B4-BE49-F238E27FC236}">
-                <a16:creationId xmlns:a16="http://schemas.microsoft.com/office/drawing/2014/main" id="{F0A553D2-B111-42C0-9A6A-010365C72DD6}"/>
+                <a16:creationId xmlns:a16="http://schemas.microsoft.com/office/drawing/2014/main" id="{CE4643B2-1E5E-43B1-AB0F-0C754F3AD670}"/>
               </a:ext>
             </a:extLst>
           </p:cNvPr>
@@ -4055,62 +4252,13 @@
           <a:p>
             <a:r>
               <a:rPr lang="en-US" dirty="0"/>
-              <a:t>Interaction Model (JSON File)</a:t>
-            </a:r>
-          </a:p>
-          <a:p>
-            <a:pPr lvl="1"/>
-            <a:r>
-              <a:rPr lang="en-US" dirty="0"/>
-              <a:t>Invocation Name</a:t>
-            </a:r>
-          </a:p>
-          <a:p>
-            <a:pPr lvl="1"/>
-            <a:r>
-              <a:rPr lang="en-US" dirty="0"/>
-              <a:t>Intents</a:t>
-            </a:r>
-          </a:p>
-          <a:p>
-            <a:pPr lvl="2"/>
-            <a:r>
-              <a:rPr lang="en-US" dirty="0"/>
-              <a:t>Built-In Intents</a:t>
-            </a:r>
-          </a:p>
-          <a:p>
-            <a:pPr lvl="2"/>
-            <a:r>
-              <a:rPr lang="en-US" dirty="0"/>
-              <a:t>User-defined Intents</a:t>
-            </a:r>
-          </a:p>
-          <a:p>
-            <a:pPr lvl="1"/>
-            <a:r>
-              <a:rPr lang="en-US" dirty="0"/>
-              <a:t>Slot Types</a:t>
-            </a:r>
-          </a:p>
-          <a:p>
-            <a:r>
-              <a:rPr lang="en-US" dirty="0"/>
-              <a:t>Logic (JavaScript File)</a:t>
-            </a:r>
-          </a:p>
-          <a:p>
-            <a:pPr lvl="1"/>
-            <a:r>
-              <a:rPr lang="en-US" dirty="0"/>
-              <a:t>AWS Lambda</a:t>
-            </a:r>
-          </a:p>
-          <a:p>
-            <a:pPr lvl="1"/>
-            <a:r>
-              <a:rPr lang="en-US" dirty="0"/>
-              <a:t>API</a:t>
+              <a:t>JSON File</a:t>
+            </a:r>
+          </a:p>
+          <a:p>
+            <a:r>
+              <a:rPr lang="en-US" dirty="0"/>
+              <a:t>JavaScript File</a:t>
             </a:r>
           </a:p>
           <a:p>
@@ -4121,7 +4269,7 @@
     </p:spTree>
     <p:extLst>
       <p:ext uri="{BB962C8B-B14F-4D97-AF65-F5344CB8AC3E}">
-        <p14:creationId xmlns:p14="http://schemas.microsoft.com/office/powerpoint/2010/main" val="3693376404"/>
+        <p14:creationId xmlns:p14="http://schemas.microsoft.com/office/powerpoint/2010/main" val="1035418609"/>
       </p:ext>
     </p:extLst>
   </p:cSld>
@@ -4153,7 +4301,7 @@
           <p:cNvPr id="2" name="Title 1">
             <a:extLst>
               <a:ext uri="{FF2B5EF4-FFF2-40B4-BE49-F238E27FC236}">
-                <a16:creationId xmlns:a16="http://schemas.microsoft.com/office/drawing/2014/main" id="{69D563AD-3ACB-4C04-A21D-A27B271EA43A}"/>
+                <a16:creationId xmlns:a16="http://schemas.microsoft.com/office/drawing/2014/main" id="{EFC4A874-CCC4-4998-BDAB-E0A6E1783627}"/>
               </a:ext>
             </a:extLst>
           </p:cNvPr>
@@ -4171,56 +4319,101 @@
           <a:p>
             <a:r>
               <a:rPr lang="en-US" dirty="0"/>
+              <a:t>No, its that simple but there is a bit more…</a:t>
+            </a:r>
+          </a:p>
+        </p:txBody>
+      </p:sp>
+      <p:sp>
+        <p:nvSpPr>
+          <p:cNvPr id="3" name="Content Placeholder 2">
+            <a:extLst>
+              <a:ext uri="{FF2B5EF4-FFF2-40B4-BE49-F238E27FC236}">
+                <a16:creationId xmlns:a16="http://schemas.microsoft.com/office/drawing/2014/main" id="{F0A553D2-B111-42C0-9A6A-010365C72DD6}"/>
+              </a:ext>
+            </a:extLst>
+          </p:cNvPr>
+          <p:cNvSpPr>
+            <a:spLocks noGrp="1"/>
+          </p:cNvSpPr>
+          <p:nvPr>
+            <p:ph idx="1"/>
+          </p:nvPr>
+        </p:nvSpPr>
+        <p:spPr/>
+        <p:txBody>
+          <a:bodyPr/>
+          <a:lstStyle/>
+          <a:p>
+            <a:r>
+              <a:rPr lang="en-US" dirty="0"/>
+              <a:t>Interaction Model (JSON File)</a:t>
+            </a:r>
+          </a:p>
+          <a:p>
+            <a:pPr lvl="1"/>
+            <a:r>
+              <a:rPr lang="en-US" dirty="0"/>
               <a:t>Invocation Name</a:t>
             </a:r>
           </a:p>
-        </p:txBody>
-      </p:sp>
-      <p:sp>
-        <p:nvSpPr>
-          <p:cNvPr id="3" name="Content Placeholder 2">
-            <a:extLst>
-              <a:ext uri="{FF2B5EF4-FFF2-40B4-BE49-F238E27FC236}">
-                <a16:creationId xmlns:a16="http://schemas.microsoft.com/office/drawing/2014/main" id="{1D6D181A-2A0D-400E-9329-7797534DE5CB}"/>
-              </a:ext>
-            </a:extLst>
-          </p:cNvPr>
-          <p:cNvSpPr>
-            <a:spLocks noGrp="1"/>
-          </p:cNvSpPr>
-          <p:nvPr>
-            <p:ph idx="1"/>
-          </p:nvPr>
-        </p:nvSpPr>
-        <p:spPr/>
-        <p:txBody>
-          <a:bodyPr/>
-          <a:lstStyle/>
-          <a:p>
-            <a:r>
-              <a:rPr lang="en-US" dirty="0"/>
-              <a:t>The name that the user will use to start the interaction with your custom skill</a:t>
-            </a:r>
-          </a:p>
-          <a:p>
-            <a:r>
-              <a:rPr lang="en-US" dirty="0"/>
-              <a:t>For example, if the invocation name is “ESPN”, users can say:</a:t>
-            </a:r>
-          </a:p>
           <a:p>
             <a:pPr lvl="1"/>
             <a:r>
               <a:rPr lang="en-US" dirty="0"/>
-              <a:t>“Alexa, ask ESPN for the score of the Viking game.”</a:t>
-            </a:r>
+              <a:t>Intents</a:t>
+            </a:r>
+          </a:p>
+          <a:p>
+            <a:pPr lvl="2"/>
+            <a:r>
+              <a:rPr lang="en-US" dirty="0"/>
+              <a:t>Built-In Intents</a:t>
+            </a:r>
+          </a:p>
+          <a:p>
+            <a:pPr lvl="2"/>
+            <a:r>
+              <a:rPr lang="en-US" dirty="0"/>
+              <a:t>User-defined Intents</a:t>
+            </a:r>
+          </a:p>
+          <a:p>
+            <a:pPr lvl="1"/>
+            <a:r>
+              <a:rPr lang="en-US" dirty="0"/>
+              <a:t>Slot Types</a:t>
+            </a:r>
+          </a:p>
+          <a:p>
+            <a:r>
+              <a:rPr lang="en-US" dirty="0"/>
+              <a:t>Logic (JavaScript File)</a:t>
+            </a:r>
+          </a:p>
+          <a:p>
+            <a:pPr lvl="1"/>
+            <a:r>
+              <a:rPr lang="en-US" dirty="0"/>
+              <a:t>AWS Lambda</a:t>
+            </a:r>
+          </a:p>
+          <a:p>
+            <a:pPr lvl="1"/>
+            <a:r>
+              <a:rPr lang="en-US" dirty="0"/>
+              <a:t>API</a:t>
+            </a:r>
+          </a:p>
+          <a:p>
+            <a:endParaRPr lang="en-US" dirty="0"/>
           </a:p>
         </p:txBody>
       </p:sp>
     </p:spTree>
     <p:extLst>
       <p:ext uri="{BB962C8B-B14F-4D97-AF65-F5344CB8AC3E}">
-        <p14:creationId xmlns:p14="http://schemas.microsoft.com/office/powerpoint/2010/main" val="1225673664"/>
+        <p14:creationId xmlns:p14="http://schemas.microsoft.com/office/powerpoint/2010/main" val="3693376404"/>
       </p:ext>
     </p:extLst>
   </p:cSld>
@@ -4252,7 +4445,7 @@
           <p:cNvPr id="2" name="Title 1">
             <a:extLst>
               <a:ext uri="{FF2B5EF4-FFF2-40B4-BE49-F238E27FC236}">
-                <a16:creationId xmlns:a16="http://schemas.microsoft.com/office/drawing/2014/main" id="{A1BD2057-6022-4829-87F9-368062B452E3}"/>
+                <a16:creationId xmlns:a16="http://schemas.microsoft.com/office/drawing/2014/main" id="{69D563AD-3ACB-4C04-A21D-A27B271EA43A}"/>
               </a:ext>
             </a:extLst>
           </p:cNvPr>
@@ -4270,7 +4463,7 @@
           <a:p>
             <a:r>
               <a:rPr lang="en-US" dirty="0"/>
-              <a:t>Intents</a:t>
+              <a:t>Invocation Name</a:t>
             </a:r>
           </a:p>
         </p:txBody>
@@ -4280,7 +4473,7 @@
           <p:cNvPr id="3" name="Content Placeholder 2">
             <a:extLst>
               <a:ext uri="{FF2B5EF4-FFF2-40B4-BE49-F238E27FC236}">
-                <a16:creationId xmlns:a16="http://schemas.microsoft.com/office/drawing/2014/main" id="{8A626891-DEE4-4575-B99B-D230647CBC80}"/>
+                <a16:creationId xmlns:a16="http://schemas.microsoft.com/office/drawing/2014/main" id="{1D6D181A-2A0D-400E-9329-7797534DE5CB}"/>
               </a:ext>
             </a:extLst>
           </p:cNvPr>
@@ -4298,93 +4491,28 @@
           <a:p>
             <a:r>
               <a:rPr lang="en-US" dirty="0"/>
-              <a:t>Built-In Intents</a:t>
+              <a:t>The name that the user will use to start the interaction with your custom skill</a:t>
+            </a:r>
+          </a:p>
+          <a:p>
+            <a:r>
+              <a:rPr lang="en-US" dirty="0"/>
+              <a:t>For example, if the invocation name is “ESPN”, users can say:</a:t>
             </a:r>
           </a:p>
           <a:p>
             <a:pPr lvl="1"/>
             <a:r>
-              <a:rPr lang="en-US" dirty="0" err="1"/>
-              <a:t>AMAZON.CancelIntent</a:t>
-            </a:r>
-            <a:endParaRPr lang="en-US" dirty="0"/>
-          </a:p>
-          <a:p>
-            <a:pPr lvl="2"/>
-            <a:r>
-              <a:rPr lang="en-US" dirty="0"/>
-              <a:t>Invoked when user interrupts current intent by saying “Alexa Cancel”</a:t>
-            </a:r>
-          </a:p>
-          <a:p>
-            <a:pPr lvl="1"/>
-            <a:r>
-              <a:rPr lang="en-US" dirty="0" err="1"/>
-              <a:t>AMAZON.HelpIntent</a:t>
-            </a:r>
-            <a:endParaRPr lang="en-US" dirty="0"/>
-          </a:p>
-          <a:p>
-            <a:pPr lvl="2"/>
-            <a:r>
-              <a:rPr lang="en-US" dirty="0"/>
-              <a:t>Invoked when user needs help with what to do within a custom skill</a:t>
-            </a:r>
-          </a:p>
-          <a:p>
-            <a:pPr lvl="2"/>
-            <a:r>
-              <a:rPr lang="en-US" dirty="0"/>
-              <a:t>Provides sample commands</a:t>
-            </a:r>
-          </a:p>
-          <a:p>
-            <a:pPr lvl="1"/>
-            <a:r>
-              <a:rPr lang="en-US" dirty="0" err="1"/>
-              <a:t>AMAZON.FallbackIntent</a:t>
-            </a:r>
-            <a:endParaRPr lang="en-US" dirty="0"/>
-          </a:p>
-          <a:p>
-            <a:pPr lvl="2"/>
-            <a:r>
-              <a:rPr lang="en-US" dirty="0"/>
-              <a:t>Invoked when user’s command does not match any of the other defined intents</a:t>
-            </a:r>
-          </a:p>
-          <a:p>
-            <a:pPr lvl="2"/>
-            <a:r>
-              <a:rPr lang="en-US" dirty="0"/>
-              <a:t>“Sorry I don’t know that one”</a:t>
-            </a:r>
-          </a:p>
-          <a:p>
-            <a:pPr lvl="1"/>
-            <a:r>
-              <a:rPr lang="en-US" dirty="0" err="1"/>
-              <a:t>AMAZON.StopIntent</a:t>
-            </a:r>
-            <a:endParaRPr lang="en-US" dirty="0"/>
-          </a:p>
-          <a:p>
-            <a:pPr lvl="2"/>
-            <a:r>
-              <a:rPr lang="en-US" dirty="0"/>
-              <a:t>Invoked when user wants to stop an open session</a:t>
-            </a:r>
-          </a:p>
-          <a:p>
-            <a:pPr lvl="1"/>
-            <a:endParaRPr lang="en-US" dirty="0"/>
+              <a:rPr lang="en-US" dirty="0"/>
+              <a:t>“Alexa, ask ESPN for the score of the Viking game.”</a:t>
+            </a:r>
           </a:p>
         </p:txBody>
       </p:sp>
     </p:spTree>
     <p:extLst>
       <p:ext uri="{BB962C8B-B14F-4D97-AF65-F5344CB8AC3E}">
-        <p14:creationId xmlns:p14="http://schemas.microsoft.com/office/powerpoint/2010/main" val="2912906413"/>
+        <p14:creationId xmlns:p14="http://schemas.microsoft.com/office/powerpoint/2010/main" val="1225673664"/>
       </p:ext>
     </p:extLst>
   </p:cSld>
@@ -4416,7 +4544,7 @@
           <p:cNvPr id="2" name="Title 1">
             <a:extLst>
               <a:ext uri="{FF2B5EF4-FFF2-40B4-BE49-F238E27FC236}">
-                <a16:creationId xmlns:a16="http://schemas.microsoft.com/office/drawing/2014/main" id="{B6F7ED87-B603-4555-AFBC-8609F81C5D59}"/>
+                <a16:creationId xmlns:a16="http://schemas.microsoft.com/office/drawing/2014/main" id="{A1BD2057-6022-4829-87F9-368062B452E3}"/>
               </a:ext>
             </a:extLst>
           </p:cNvPr>
@@ -4444,7 +4572,7 @@
           <p:cNvPr id="3" name="Content Placeholder 2">
             <a:extLst>
               <a:ext uri="{FF2B5EF4-FFF2-40B4-BE49-F238E27FC236}">
-                <a16:creationId xmlns:a16="http://schemas.microsoft.com/office/drawing/2014/main" id="{0E8108C6-4BA9-47EC-8022-66621475A00D}"/>
+                <a16:creationId xmlns:a16="http://schemas.microsoft.com/office/drawing/2014/main" id="{8A626891-DEE4-4575-B99B-D230647CBC80}"/>
               </a:ext>
             </a:extLst>
           </p:cNvPr>
@@ -4462,53 +4590,93 @@
           <a:p>
             <a:r>
               <a:rPr lang="en-US" dirty="0"/>
-              <a:t>User-defined intents</a:t>
+              <a:t>Built-In Intents</a:t>
             </a:r>
           </a:p>
           <a:p>
             <a:pPr lvl="1"/>
             <a:r>
-              <a:rPr lang="en-US" dirty="0"/>
-              <a:t>Makes your custom skill unique</a:t>
+              <a:rPr lang="en-US" dirty="0" err="1"/>
+              <a:t>AMAZON.CancelIntent</a:t>
+            </a:r>
+            <a:endParaRPr lang="en-US" dirty="0"/>
+          </a:p>
+          <a:p>
+            <a:pPr lvl="2"/>
+            <a:r>
+              <a:rPr lang="en-US" dirty="0"/>
+              <a:t>Invoked when user interrupts current intent by saying “Alexa Cancel”</a:t>
             </a:r>
           </a:p>
           <a:p>
             <a:pPr lvl="1"/>
             <a:r>
-              <a:rPr lang="en-US" dirty="0"/>
-              <a:t>“Alexa ask ESPN for the score of the Viking game”</a:t>
+              <a:rPr lang="en-US" dirty="0" err="1"/>
+              <a:t>AMAZON.HelpIntent</a:t>
+            </a:r>
+            <a:endParaRPr lang="en-US" dirty="0"/>
+          </a:p>
+          <a:p>
+            <a:pPr lvl="2"/>
+            <a:r>
+              <a:rPr lang="en-US" dirty="0"/>
+              <a:t>Invoked when user needs help with what to do within a custom skill</a:t>
+            </a:r>
+          </a:p>
+          <a:p>
+            <a:pPr lvl="2"/>
+            <a:r>
+              <a:rPr lang="en-US" dirty="0"/>
+              <a:t>Provides sample commands</a:t>
             </a:r>
           </a:p>
           <a:p>
             <a:pPr lvl="1"/>
             <a:r>
-              <a:rPr lang="en-US" dirty="0"/>
-              <a:t>“Alexa ask Google for the top trends”</a:t>
-            </a:r>
-          </a:p>
-          <a:p>
-            <a:r>
-              <a:rPr lang="en-US" dirty="0"/>
-              <a:t>Made up of </a:t>
-            </a:r>
-            <a:r>
-              <a:rPr lang="en-US" b="1" dirty="0"/>
-              <a:t>Utterances</a:t>
+              <a:rPr lang="en-US" dirty="0" err="1"/>
+              <a:t>AMAZON.FallbackIntent</a:t>
+            </a:r>
+            <a:endParaRPr lang="en-US" dirty="0"/>
+          </a:p>
+          <a:p>
+            <a:pPr lvl="2"/>
+            <a:r>
+              <a:rPr lang="en-US" dirty="0"/>
+              <a:t>Invoked when user’s command does not match any of the other defined intents</a:t>
+            </a:r>
+          </a:p>
+          <a:p>
+            <a:pPr lvl="2"/>
+            <a:r>
+              <a:rPr lang="en-US" dirty="0"/>
+              <a:t>“Sorry I don’t know that one”</a:t>
             </a:r>
           </a:p>
           <a:p>
             <a:pPr lvl="1"/>
             <a:r>
-              <a:rPr lang="en-US" dirty="0"/>
-              <a:t>Utterances – phases the user might say</a:t>
-            </a:r>
+              <a:rPr lang="en-US" dirty="0" err="1"/>
+              <a:t>AMAZON.StopIntent</a:t>
+            </a:r>
+            <a:endParaRPr lang="en-US" dirty="0"/>
+          </a:p>
+          <a:p>
+            <a:pPr lvl="2"/>
+            <a:r>
+              <a:rPr lang="en-US" dirty="0"/>
+              <a:t>Invoked when user wants to stop an open session</a:t>
+            </a:r>
+          </a:p>
+          <a:p>
+            <a:pPr lvl="1"/>
+            <a:endParaRPr lang="en-US" dirty="0"/>
           </a:p>
         </p:txBody>
       </p:sp>
     </p:spTree>
     <p:extLst>
       <p:ext uri="{BB962C8B-B14F-4D97-AF65-F5344CB8AC3E}">
-        <p14:creationId xmlns:p14="http://schemas.microsoft.com/office/powerpoint/2010/main" val="2608405855"/>
+        <p14:creationId xmlns:p14="http://schemas.microsoft.com/office/powerpoint/2010/main" val="2912906413"/>
       </p:ext>
     </p:extLst>
   </p:cSld>
@@ -4540,7 +4708,7 @@
           <p:cNvPr id="2" name="Title 1">
             <a:extLst>
               <a:ext uri="{FF2B5EF4-FFF2-40B4-BE49-F238E27FC236}">
-                <a16:creationId xmlns:a16="http://schemas.microsoft.com/office/drawing/2014/main" id="{D23C619C-88CC-4D75-8EEA-13B6B4E0AB85}"/>
+                <a16:creationId xmlns:a16="http://schemas.microsoft.com/office/drawing/2014/main" id="{B6F7ED87-B603-4555-AFBC-8609F81C5D59}"/>
               </a:ext>
             </a:extLst>
           </p:cNvPr>
@@ -4558,7 +4726,7 @@
           <a:p>
             <a:r>
               <a:rPr lang="en-US" dirty="0"/>
-              <a:t>Slot Types</a:t>
+              <a:t>Intents</a:t>
             </a:r>
           </a:p>
         </p:txBody>
@@ -4568,7 +4736,7 @@
           <p:cNvPr id="3" name="Content Placeholder 2">
             <a:extLst>
               <a:ext uri="{FF2B5EF4-FFF2-40B4-BE49-F238E27FC236}">
-                <a16:creationId xmlns:a16="http://schemas.microsoft.com/office/drawing/2014/main" id="{7F5E6E1A-1276-4DCA-800F-1A049EADC4D7}"/>
+                <a16:creationId xmlns:a16="http://schemas.microsoft.com/office/drawing/2014/main" id="{0E8108C6-4BA9-47EC-8022-66621475A00D}"/>
               </a:ext>
             </a:extLst>
           </p:cNvPr>
@@ -4581,60 +4749,50 @@
         </p:nvSpPr>
         <p:spPr/>
         <p:txBody>
-          <a:bodyPr>
-            <a:normAutofit/>
-          </a:bodyPr>
-          <a:lstStyle/>
-          <a:p>
-            <a:r>
-              <a:rPr lang="en-US" dirty="0"/>
-              <a:t>Variables within a utterance</a:t>
-            </a:r>
-          </a:p>
-          <a:p>
-            <a:r>
-              <a:rPr lang="en-US" dirty="0"/>
-              <a:t>Utterances can have multiple slots</a:t>
-            </a:r>
-          </a:p>
-          <a:p>
-            <a:r>
-              <a:rPr lang="en-US" dirty="0"/>
-              <a:t>User: “Alexa ask ESPN what the score of the Minnesota Viking football game.”</a:t>
-            </a:r>
-          </a:p>
-          <a:p>
-            <a:r>
-              <a:rPr lang="en-US" dirty="0"/>
-              <a:t>User: “Alexa ask ESPN what the score of the {team name} {sport name} game.”</a:t>
+          <a:bodyPr/>
+          <a:lstStyle/>
+          <a:p>
+            <a:r>
+              <a:rPr lang="en-US" dirty="0"/>
+              <a:t>User-defined intents</a:t>
             </a:r>
           </a:p>
           <a:p>
             <a:pPr lvl="1"/>
             <a:r>
               <a:rPr lang="en-US" dirty="0"/>
-              <a:t>{team name}</a:t>
-            </a:r>
-          </a:p>
-          <a:p>
-            <a:pPr lvl="2"/>
-            <a:r>
-              <a:rPr lang="en-US" dirty="0"/>
-              <a:t>Minnesota Vikings, Green Bay Packers</a:t>
+              <a:t>Makes your custom skill unique</a:t>
             </a:r>
           </a:p>
           <a:p>
             <a:pPr lvl="1"/>
             <a:r>
               <a:rPr lang="en-US" dirty="0"/>
-              <a:t>{sport}</a:t>
-            </a:r>
-          </a:p>
-          <a:p>
-            <a:pPr lvl="2"/>
-            <a:r>
-              <a:rPr lang="en-US" dirty="0"/>
-              <a:t>Football, hockey, baseball</a:t>
+              <a:t>“Alexa ask ESPN for the score of the Viking game”</a:t>
+            </a:r>
+          </a:p>
+          <a:p>
+            <a:pPr lvl="1"/>
+            <a:r>
+              <a:rPr lang="en-US" dirty="0"/>
+              <a:t>“Alexa ask Google for the top trends”</a:t>
+            </a:r>
+          </a:p>
+          <a:p>
+            <a:r>
+              <a:rPr lang="en-US" dirty="0"/>
+              <a:t>Made up of </a:t>
+            </a:r>
+            <a:r>
+              <a:rPr lang="en-US" b="1" dirty="0"/>
+              <a:t>Utterances</a:t>
+            </a:r>
+          </a:p>
+          <a:p>
+            <a:pPr lvl="1"/>
+            <a:r>
+              <a:rPr lang="en-US" dirty="0"/>
+              <a:t>Utterances – phases the user might say</a:t>
             </a:r>
           </a:p>
         </p:txBody>
@@ -4642,7 +4800,7 @@
     </p:spTree>
     <p:extLst>
       <p:ext uri="{BB962C8B-B14F-4D97-AF65-F5344CB8AC3E}">
-        <p14:creationId xmlns:p14="http://schemas.microsoft.com/office/powerpoint/2010/main" val="4124802825"/>
+        <p14:creationId xmlns:p14="http://schemas.microsoft.com/office/powerpoint/2010/main" val="2608405855"/>
       </p:ext>
     </p:extLst>
   </p:cSld>
@@ -4674,7 +4832,7 @@
           <p:cNvPr id="2" name="Title 1">
             <a:extLst>
               <a:ext uri="{FF2B5EF4-FFF2-40B4-BE49-F238E27FC236}">
-                <a16:creationId xmlns:a16="http://schemas.microsoft.com/office/drawing/2014/main" id="{FA295848-902A-40FE-8F5B-47BADBA889DA}"/>
+                <a16:creationId xmlns:a16="http://schemas.microsoft.com/office/drawing/2014/main" id="{D23C619C-88CC-4D75-8EEA-13B6B4E0AB85}"/>
               </a:ext>
             </a:extLst>
           </p:cNvPr>
@@ -4692,7 +4850,7 @@
           <a:p>
             <a:r>
               <a:rPr lang="en-US" dirty="0"/>
-              <a:t>Interaction Types</a:t>
+              <a:t>Slot Types</a:t>
             </a:r>
           </a:p>
         </p:txBody>
@@ -4702,7 +4860,7 @@
           <p:cNvPr id="3" name="Content Placeholder 2">
             <a:extLst>
               <a:ext uri="{FF2B5EF4-FFF2-40B4-BE49-F238E27FC236}">
-                <a16:creationId xmlns:a16="http://schemas.microsoft.com/office/drawing/2014/main" id="{02DA7A9E-989D-4538-95D0-453B931B048D}"/>
+                <a16:creationId xmlns:a16="http://schemas.microsoft.com/office/drawing/2014/main" id="{7F5E6E1A-1276-4DCA-800F-1A049EADC4D7}"/>
               </a:ext>
             </a:extLst>
           </p:cNvPr>
@@ -4715,74 +4873,60 @@
         </p:nvSpPr>
         <p:spPr/>
         <p:txBody>
-          <a:bodyPr/>
-          <a:lstStyle/>
-          <a:p>
-            <a:r>
-              <a:rPr lang="en-US" dirty="0"/>
-              <a:t>Single Command</a:t>
+          <a:bodyPr>
+            <a:normAutofit/>
+          </a:bodyPr>
+          <a:lstStyle/>
+          <a:p>
+            <a:r>
+              <a:rPr lang="en-US" dirty="0"/>
+              <a:t>Variables within a utterance</a:t>
+            </a:r>
+          </a:p>
+          <a:p>
+            <a:r>
+              <a:rPr lang="en-US" dirty="0"/>
+              <a:t>Utterances can have multiple slots</a:t>
+            </a:r>
+          </a:p>
+          <a:p>
+            <a:r>
+              <a:rPr lang="en-US" dirty="0"/>
+              <a:t>User: “Alexa ask ESPN what the score of the Minnesota Viking football game.”</a:t>
+            </a:r>
+          </a:p>
+          <a:p>
+            <a:r>
+              <a:rPr lang="en-US" dirty="0"/>
+              <a:t>User: “Alexa ask ESPN what the score of the {team name} {sport name} game.”</a:t>
             </a:r>
           </a:p>
           <a:p>
             <a:pPr lvl="1"/>
             <a:r>
               <a:rPr lang="en-US" dirty="0"/>
-              <a:t>User: “Alexa ask ESPN for the score of the Viking game.”</a:t>
+              <a:t>{team name}</a:t>
             </a:r>
           </a:p>
           <a:p>
             <a:pPr lvl="2"/>
             <a:r>
               <a:rPr lang="en-US" dirty="0"/>
-              <a:t>Alexa: “The score of the Viking Packer game is 21-13, Vikings in the lead.”</a:t>
-            </a:r>
-          </a:p>
-          <a:p>
-            <a:r>
-              <a:rPr lang="en-US" dirty="0"/>
-              <a:t>Sessions</a:t>
+              <a:t>Minnesota Vikings, Green Bay Packers</a:t>
             </a:r>
           </a:p>
           <a:p>
             <a:pPr lvl="1"/>
             <a:r>
               <a:rPr lang="en-US" dirty="0"/>
-              <a:t>Do not require user to say invocation name every command</a:t>
-            </a:r>
-          </a:p>
-          <a:p>
-            <a:pPr lvl="1"/>
-            <a:r>
-              <a:rPr lang="en-US" dirty="0"/>
-              <a:t>User: “Alexa open ESPN”</a:t>
+              <a:t>{sport}</a:t>
             </a:r>
           </a:p>
           <a:p>
             <a:pPr lvl="2"/>
             <a:r>
               <a:rPr lang="en-US" dirty="0"/>
-              <a:t>Alexa ESPN skill: “Welcome to ESPN, how can I help you?”</a:t>
-            </a:r>
-          </a:p>
-          <a:p>
-            <a:pPr lvl="2"/>
-            <a:r>
-              <a:rPr lang="en-US" dirty="0"/>
-              <a:t>User: “How are Minnesota sports doing?”</a:t>
-            </a:r>
-          </a:p>
-          <a:p>
-            <a:pPr lvl="2"/>
-            <a:r>
-              <a:rPr lang="en-US" dirty="0"/>
-              <a:t>Alexa ESPN skill: “Minnesota Wild are have a record of 3-1-1 and the Twins have a record of 23-33.”</a:t>
-            </a:r>
-          </a:p>
-          <a:p>
-            <a:pPr lvl="2"/>
-            <a:r>
-              <a:rPr lang="en-US" dirty="0"/>
-              <a:t>…</a:t>
+              <a:t>Football, hockey, baseball</a:t>
             </a:r>
           </a:p>
         </p:txBody>
@@ -4790,7 +4934,7 @@
     </p:spTree>
     <p:extLst>
       <p:ext uri="{BB962C8B-B14F-4D97-AF65-F5344CB8AC3E}">
-        <p14:creationId xmlns:p14="http://schemas.microsoft.com/office/powerpoint/2010/main" val="1769388970"/>
+        <p14:creationId xmlns:p14="http://schemas.microsoft.com/office/powerpoint/2010/main" val="4124802825"/>
       </p:ext>
     </p:extLst>
   </p:cSld>

--- a/Building An Custom.pptx
+++ b/Building An Custom.pptx
@@ -6,18 +6,19 @@
   </p:sldMasterIdLst>
   <p:sldIdLst>
     <p:sldId id="268" r:id="rId2"/>
-    <p:sldId id="269" r:id="rId3"/>
-    <p:sldId id="257" r:id="rId4"/>
-    <p:sldId id="259" r:id="rId5"/>
-    <p:sldId id="258" r:id="rId6"/>
-    <p:sldId id="260" r:id="rId7"/>
-    <p:sldId id="261" r:id="rId8"/>
-    <p:sldId id="262" r:id="rId9"/>
-    <p:sldId id="264" r:id="rId10"/>
-    <p:sldId id="263" r:id="rId11"/>
-    <p:sldId id="265" r:id="rId12"/>
-    <p:sldId id="266" r:id="rId13"/>
-    <p:sldId id="267" r:id="rId14"/>
+    <p:sldId id="270" r:id="rId3"/>
+    <p:sldId id="269" r:id="rId4"/>
+    <p:sldId id="257" r:id="rId5"/>
+    <p:sldId id="259" r:id="rId6"/>
+    <p:sldId id="258" r:id="rId7"/>
+    <p:sldId id="260" r:id="rId8"/>
+    <p:sldId id="261" r:id="rId9"/>
+    <p:sldId id="262" r:id="rId10"/>
+    <p:sldId id="264" r:id="rId11"/>
+    <p:sldId id="263" r:id="rId12"/>
+    <p:sldId id="265" r:id="rId13"/>
+    <p:sldId id="266" r:id="rId14"/>
+    <p:sldId id="267" r:id="rId15"/>
   </p:sldIdLst>
   <p:sldSz cx="12192000" cy="6858000"/>
   <p:notesSz cx="6858000" cy="9144000"/>
@@ -271,7 +272,7 @@
           <a:p>
             <a:fld id="{D41921DE-9A10-457F-BA6E-89142AAEB166}" type="datetimeFigureOut">
               <a:rPr lang="en-US" smtClean="0"/>
-              <a:t>10/29/2018</a:t>
+              <a:t>10/30/2018</a:t>
             </a:fld>
             <a:endParaRPr lang="en-US"/>
           </a:p>
@@ -469,7 +470,7 @@
           <a:p>
             <a:fld id="{D41921DE-9A10-457F-BA6E-89142AAEB166}" type="datetimeFigureOut">
               <a:rPr lang="en-US" smtClean="0"/>
-              <a:t>10/29/2018</a:t>
+              <a:t>10/30/2018</a:t>
             </a:fld>
             <a:endParaRPr lang="en-US"/>
           </a:p>
@@ -677,7 +678,7 @@
           <a:p>
             <a:fld id="{D41921DE-9A10-457F-BA6E-89142AAEB166}" type="datetimeFigureOut">
               <a:rPr lang="en-US" smtClean="0"/>
-              <a:t>10/29/2018</a:t>
+              <a:t>10/30/2018</a:t>
             </a:fld>
             <a:endParaRPr lang="en-US"/>
           </a:p>
@@ -875,7 +876,7 @@
           <a:p>
             <a:fld id="{D41921DE-9A10-457F-BA6E-89142AAEB166}" type="datetimeFigureOut">
               <a:rPr lang="en-US" smtClean="0"/>
-              <a:t>10/29/2018</a:t>
+              <a:t>10/30/2018</a:t>
             </a:fld>
             <a:endParaRPr lang="en-US"/>
           </a:p>
@@ -1150,7 +1151,7 @@
           <a:p>
             <a:fld id="{D41921DE-9A10-457F-BA6E-89142AAEB166}" type="datetimeFigureOut">
               <a:rPr lang="en-US" smtClean="0"/>
-              <a:t>10/29/2018</a:t>
+              <a:t>10/30/2018</a:t>
             </a:fld>
             <a:endParaRPr lang="en-US"/>
           </a:p>
@@ -1415,7 +1416,7 @@
           <a:p>
             <a:fld id="{D41921DE-9A10-457F-BA6E-89142AAEB166}" type="datetimeFigureOut">
               <a:rPr lang="en-US" smtClean="0"/>
-              <a:t>10/29/2018</a:t>
+              <a:t>10/30/2018</a:t>
             </a:fld>
             <a:endParaRPr lang="en-US"/>
           </a:p>
@@ -1827,7 +1828,7 @@
           <a:p>
             <a:fld id="{D41921DE-9A10-457F-BA6E-89142AAEB166}" type="datetimeFigureOut">
               <a:rPr lang="en-US" smtClean="0"/>
-              <a:t>10/29/2018</a:t>
+              <a:t>10/30/2018</a:t>
             </a:fld>
             <a:endParaRPr lang="en-US"/>
           </a:p>
@@ -1968,7 +1969,7 @@
           <a:p>
             <a:fld id="{D41921DE-9A10-457F-BA6E-89142AAEB166}" type="datetimeFigureOut">
               <a:rPr lang="en-US" smtClean="0"/>
-              <a:t>10/29/2018</a:t>
+              <a:t>10/30/2018</a:t>
             </a:fld>
             <a:endParaRPr lang="en-US"/>
           </a:p>
@@ -2081,7 +2082,7 @@
           <a:p>
             <a:fld id="{D41921DE-9A10-457F-BA6E-89142AAEB166}" type="datetimeFigureOut">
               <a:rPr lang="en-US" smtClean="0"/>
-              <a:t>10/29/2018</a:t>
+              <a:t>10/30/2018</a:t>
             </a:fld>
             <a:endParaRPr lang="en-US"/>
           </a:p>
@@ -2392,7 +2393,7 @@
           <a:p>
             <a:fld id="{D41921DE-9A10-457F-BA6E-89142AAEB166}" type="datetimeFigureOut">
               <a:rPr lang="en-US" smtClean="0"/>
-              <a:t>10/29/2018</a:t>
+              <a:t>10/30/2018</a:t>
             </a:fld>
             <a:endParaRPr lang="en-US"/>
           </a:p>
@@ -2680,7 +2681,7 @@
           <a:p>
             <a:fld id="{D41921DE-9A10-457F-BA6E-89142AAEB166}" type="datetimeFigureOut">
               <a:rPr lang="en-US" smtClean="0"/>
-              <a:t>10/29/2018</a:t>
+              <a:t>10/30/2018</a:t>
             </a:fld>
             <a:endParaRPr lang="en-US"/>
           </a:p>
@@ -2921,7 +2922,7 @@
           <a:p>
             <a:fld id="{D41921DE-9A10-457F-BA6E-89142AAEB166}" type="datetimeFigureOut">
               <a:rPr lang="en-US" smtClean="0"/>
-              <a:t>10/29/2018</a:t>
+              <a:t>10/30/2018</a:t>
             </a:fld>
             <a:endParaRPr lang="en-US"/>
           </a:p>
@@ -3436,7 +3437,7 @@
           <p:cNvPr id="2" name="Title 1">
             <a:extLst>
               <a:ext uri="{FF2B5EF4-FFF2-40B4-BE49-F238E27FC236}">
-                <a16:creationId xmlns:a16="http://schemas.microsoft.com/office/drawing/2014/main" id="{FA295848-902A-40FE-8F5B-47BADBA889DA}"/>
+                <a16:creationId xmlns:a16="http://schemas.microsoft.com/office/drawing/2014/main" id="{D23C619C-88CC-4D75-8EEA-13B6B4E0AB85}"/>
               </a:ext>
             </a:extLst>
           </p:cNvPr>
@@ -3454,7 +3455,7 @@
           <a:p>
             <a:r>
               <a:rPr lang="en-US" dirty="0"/>
-              <a:t>Interaction Types</a:t>
+              <a:t>Slot Types</a:t>
             </a:r>
           </a:p>
         </p:txBody>
@@ -3464,7 +3465,7 @@
           <p:cNvPr id="3" name="Content Placeholder 2">
             <a:extLst>
               <a:ext uri="{FF2B5EF4-FFF2-40B4-BE49-F238E27FC236}">
-                <a16:creationId xmlns:a16="http://schemas.microsoft.com/office/drawing/2014/main" id="{02DA7A9E-989D-4538-95D0-453B931B048D}"/>
+                <a16:creationId xmlns:a16="http://schemas.microsoft.com/office/drawing/2014/main" id="{7F5E6E1A-1276-4DCA-800F-1A049EADC4D7}"/>
               </a:ext>
             </a:extLst>
           </p:cNvPr>
@@ -3477,74 +3478,76 @@
         </p:nvSpPr>
         <p:spPr/>
         <p:txBody>
-          <a:bodyPr/>
-          <a:lstStyle/>
-          <a:p>
-            <a:r>
-              <a:rPr lang="en-US" dirty="0"/>
-              <a:t>Single Command</a:t>
+          <a:bodyPr>
+            <a:normAutofit/>
+          </a:bodyPr>
+          <a:lstStyle/>
+          <a:p>
+            <a:r>
+              <a:rPr lang="en-US" dirty="0"/>
+              <a:t>Variables within a utterance</a:t>
+            </a:r>
+          </a:p>
+          <a:p>
+            <a:r>
+              <a:rPr lang="en-US" dirty="0"/>
+              <a:t>Utterances can have multiple slots</a:t>
+            </a:r>
+          </a:p>
+          <a:p>
+            <a:r>
+              <a:rPr lang="en-US" dirty="0"/>
+              <a:t>User: “Alexa ask ESPN what the score of the </a:t>
+            </a:r>
+            <a:r>
+              <a:rPr lang="en-US" b="1" dirty="0"/>
+              <a:t>Minnesota Viking</a:t>
+            </a:r>
+            <a:r>
+              <a:rPr lang="en-US" dirty="0"/>
+              <a:t> </a:t>
+            </a:r>
+            <a:r>
+              <a:rPr lang="en-US" b="1" dirty="0"/>
+              <a:t>football </a:t>
+            </a:r>
+            <a:r>
+              <a:rPr lang="en-US" dirty="0"/>
+              <a:t>game.”</a:t>
+            </a:r>
+          </a:p>
+          <a:p>
+            <a:r>
+              <a:rPr lang="en-US" dirty="0"/>
+              <a:t>User: “Alexa ask ESPN what the score of the {team name} {sport name} game.”</a:t>
             </a:r>
           </a:p>
           <a:p>
             <a:pPr lvl="1"/>
             <a:r>
               <a:rPr lang="en-US" dirty="0"/>
-              <a:t>User: “Alexa ask ESPN for the score of the Viking game.”</a:t>
+              <a:t>{team name}</a:t>
             </a:r>
           </a:p>
           <a:p>
             <a:pPr lvl="2"/>
             <a:r>
               <a:rPr lang="en-US" dirty="0"/>
-              <a:t>Alexa: “The score of the Viking Packer game is 21-13, Vikings in the lead.”</a:t>
-            </a:r>
-          </a:p>
-          <a:p>
-            <a:r>
-              <a:rPr lang="en-US" dirty="0"/>
-              <a:t>Sessions</a:t>
+              <a:t>Minnesota Vikings, Green Bay Packers, Minnesota Wild</a:t>
             </a:r>
           </a:p>
           <a:p>
             <a:pPr lvl="1"/>
             <a:r>
               <a:rPr lang="en-US" dirty="0"/>
-              <a:t>Do not require user to say invocation name every command</a:t>
-            </a:r>
-          </a:p>
-          <a:p>
-            <a:pPr lvl="1"/>
-            <a:r>
-              <a:rPr lang="en-US" dirty="0"/>
-              <a:t>User: “Alexa open ESPN”</a:t>
+              <a:t>{sport}</a:t>
             </a:r>
           </a:p>
           <a:p>
             <a:pPr lvl="2"/>
             <a:r>
               <a:rPr lang="en-US" dirty="0"/>
-              <a:t>Alexa ESPN skill: “Welcome to ESPN, how can I help you?”</a:t>
-            </a:r>
-          </a:p>
-          <a:p>
-            <a:pPr lvl="2"/>
-            <a:r>
-              <a:rPr lang="en-US" dirty="0"/>
-              <a:t>User: “How are Minnesota sports doing?”</a:t>
-            </a:r>
-          </a:p>
-          <a:p>
-            <a:pPr lvl="2"/>
-            <a:r>
-              <a:rPr lang="en-US" dirty="0"/>
-              <a:t>Alexa ESPN skill: “Minnesota Wild are have a record of 3-1-1 and the Twins have a record of 23-33.”</a:t>
-            </a:r>
-          </a:p>
-          <a:p>
-            <a:pPr lvl="2"/>
-            <a:r>
-              <a:rPr lang="en-US" dirty="0"/>
-              <a:t>…</a:t>
+              <a:t>Football, hockey, baseball</a:t>
             </a:r>
           </a:p>
         </p:txBody>
@@ -3552,7 +3555,7 @@
     </p:spTree>
     <p:extLst>
       <p:ext uri="{BB962C8B-B14F-4D97-AF65-F5344CB8AC3E}">
-        <p14:creationId xmlns:p14="http://schemas.microsoft.com/office/powerpoint/2010/main" val="1769388970"/>
+        <p14:creationId xmlns:p14="http://schemas.microsoft.com/office/powerpoint/2010/main" val="4124802825"/>
       </p:ext>
     </p:extLst>
   </p:cSld>
@@ -3584,7 +3587,7 @@
           <p:cNvPr id="2" name="Title 1">
             <a:extLst>
               <a:ext uri="{FF2B5EF4-FFF2-40B4-BE49-F238E27FC236}">
-                <a16:creationId xmlns:a16="http://schemas.microsoft.com/office/drawing/2014/main" id="{F4E9973C-D474-42E9-AFBF-F9FEF0565B55}"/>
+                <a16:creationId xmlns:a16="http://schemas.microsoft.com/office/drawing/2014/main" id="{FA295848-902A-40FE-8F5B-47BADBA889DA}"/>
               </a:ext>
             </a:extLst>
           </p:cNvPr>
@@ -3602,7 +3605,7 @@
           <a:p>
             <a:r>
               <a:rPr lang="en-US" dirty="0"/>
-              <a:t>Let’s Build One!</a:t>
+              <a:t>Interaction Types</a:t>
             </a:r>
           </a:p>
         </p:txBody>
@@ -3612,7 +3615,7 @@
           <p:cNvPr id="3" name="Content Placeholder 2">
             <a:extLst>
               <a:ext uri="{FF2B5EF4-FFF2-40B4-BE49-F238E27FC236}">
-                <a16:creationId xmlns:a16="http://schemas.microsoft.com/office/drawing/2014/main" id="{7A4ECB46-429B-4553-B530-02602B503A56}"/>
+                <a16:creationId xmlns:a16="http://schemas.microsoft.com/office/drawing/2014/main" id="{02DA7A9E-989D-4538-95D0-453B931B048D}"/>
               </a:ext>
             </a:extLst>
           </p:cNvPr>
@@ -3630,47 +3633,69 @@
           <a:p>
             <a:r>
               <a:rPr lang="en-US" dirty="0"/>
-              <a:t>Stocks</a:t>
-            </a:r>
-          </a:p>
-          <a:p>
-            <a:r>
-              <a:rPr lang="en-US" dirty="0"/>
-              <a:t>Sample Intents:</a:t>
+              <a:t>Single Command</a:t>
             </a:r>
           </a:p>
           <a:p>
             <a:pPr lvl="1"/>
             <a:r>
               <a:rPr lang="en-US" dirty="0"/>
-              <a:t>“What is the price of Apple’s stock?”</a:t>
+              <a:t>User: “Alexa ask ESPN for the score of the Viking game.”</a:t>
+            </a:r>
+          </a:p>
+          <a:p>
+            <a:pPr lvl="2"/>
+            <a:r>
+              <a:rPr lang="en-US" dirty="0"/>
+              <a:t>Alexa: “The score of the Viking Packer game is 21-13, Vikings in the lead.”</a:t>
+            </a:r>
+          </a:p>
+          <a:p>
+            <a:r>
+              <a:rPr lang="en-US" dirty="0"/>
+              <a:t>Sessions</a:t>
             </a:r>
           </a:p>
           <a:p>
             <a:pPr lvl="1"/>
             <a:r>
               <a:rPr lang="en-US" dirty="0"/>
-              <a:t>“Who is the CEO of Tesla?”</a:t>
+              <a:t>Do not require user to say invocation name for every command</a:t>
             </a:r>
           </a:p>
           <a:p>
             <a:pPr lvl="1"/>
             <a:r>
               <a:rPr lang="en-US" dirty="0"/>
-              <a:t>“What industry is Tesla in?”</a:t>
-            </a:r>
-          </a:p>
-          <a:p>
-            <a:r>
-              <a:rPr lang="en-US" dirty="0"/>
-              <a:t>Give Alexa a memory</a:t>
-            </a:r>
-          </a:p>
-          <a:p>
-            <a:pPr lvl="1"/>
-            <a:r>
-              <a:rPr lang="en-US" dirty="0"/>
-              <a:t>User will not need to say company name each time</a:t>
+              <a:t>User: “Alexa open ESPN”</a:t>
+            </a:r>
+          </a:p>
+          <a:p>
+            <a:pPr lvl="2"/>
+            <a:r>
+              <a:rPr lang="en-US" dirty="0"/>
+              <a:t>Alexa ESPN skill: “Welcome to ESPN, how can I help you?”</a:t>
+            </a:r>
+          </a:p>
+          <a:p>
+            <a:pPr lvl="2"/>
+            <a:r>
+              <a:rPr lang="en-US" dirty="0"/>
+              <a:t>User: “How are Minnesota sports doing?”</a:t>
+            </a:r>
+          </a:p>
+          <a:p>
+            <a:pPr lvl="2"/>
+            <a:r>
+              <a:rPr lang="en-US" dirty="0"/>
+              <a:t>Alexa ESPN skill: “Minnesota Wild are have a record of 3-1-1 and the Twins have a record of 23-33.”</a:t>
+            </a:r>
+          </a:p>
+          <a:p>
+            <a:pPr lvl="2"/>
+            <a:r>
+              <a:rPr lang="en-US" dirty="0"/>
+              <a:t>…</a:t>
             </a:r>
           </a:p>
         </p:txBody>
@@ -3678,7 +3703,7 @@
     </p:spTree>
     <p:extLst>
       <p:ext uri="{BB962C8B-B14F-4D97-AF65-F5344CB8AC3E}">
-        <p14:creationId xmlns:p14="http://schemas.microsoft.com/office/powerpoint/2010/main" val="4221358634"/>
+        <p14:creationId xmlns:p14="http://schemas.microsoft.com/office/powerpoint/2010/main" val="1769388970"/>
       </p:ext>
     </p:extLst>
   </p:cSld>
@@ -3710,6 +3735,139 @@
           <p:cNvPr id="2" name="Title 1">
             <a:extLst>
               <a:ext uri="{FF2B5EF4-FFF2-40B4-BE49-F238E27FC236}">
+                <a16:creationId xmlns:a16="http://schemas.microsoft.com/office/drawing/2014/main" id="{F4E9973C-D474-42E9-AFBF-F9FEF0565B55}"/>
+              </a:ext>
+            </a:extLst>
+          </p:cNvPr>
+          <p:cNvSpPr>
+            <a:spLocks noGrp="1"/>
+          </p:cNvSpPr>
+          <p:nvPr>
+            <p:ph type="title"/>
+          </p:nvPr>
+        </p:nvSpPr>
+        <p:spPr/>
+        <p:txBody>
+          <a:bodyPr/>
+          <a:lstStyle/>
+          <a:p>
+            <a:r>
+              <a:rPr lang="en-US" dirty="0"/>
+              <a:t>Let’s Build One!</a:t>
+            </a:r>
+          </a:p>
+        </p:txBody>
+      </p:sp>
+      <p:sp>
+        <p:nvSpPr>
+          <p:cNvPr id="3" name="Content Placeholder 2">
+            <a:extLst>
+              <a:ext uri="{FF2B5EF4-FFF2-40B4-BE49-F238E27FC236}">
+                <a16:creationId xmlns:a16="http://schemas.microsoft.com/office/drawing/2014/main" id="{7A4ECB46-429B-4553-B530-02602B503A56}"/>
+              </a:ext>
+            </a:extLst>
+          </p:cNvPr>
+          <p:cNvSpPr>
+            <a:spLocks noGrp="1"/>
+          </p:cNvSpPr>
+          <p:nvPr>
+            <p:ph idx="1"/>
+          </p:nvPr>
+        </p:nvSpPr>
+        <p:spPr/>
+        <p:txBody>
+          <a:bodyPr/>
+          <a:lstStyle/>
+          <a:p>
+            <a:r>
+              <a:rPr lang="en-US" dirty="0"/>
+              <a:t>Stocks</a:t>
+            </a:r>
+          </a:p>
+          <a:p>
+            <a:r>
+              <a:rPr lang="en-US" dirty="0"/>
+              <a:t>Sample Intents:</a:t>
+            </a:r>
+          </a:p>
+          <a:p>
+            <a:pPr lvl="1"/>
+            <a:r>
+              <a:rPr lang="en-US" dirty="0"/>
+              <a:t>“What is the price of Apple’s stock?”</a:t>
+            </a:r>
+          </a:p>
+          <a:p>
+            <a:pPr lvl="1"/>
+            <a:r>
+              <a:rPr lang="en-US" dirty="0"/>
+              <a:t>“Who is the CEO of Tesla?”</a:t>
+            </a:r>
+          </a:p>
+          <a:p>
+            <a:pPr lvl="1"/>
+            <a:r>
+              <a:rPr lang="en-US" dirty="0"/>
+              <a:t>“What industry is Tesla in?”</a:t>
+            </a:r>
+          </a:p>
+          <a:p>
+            <a:r>
+              <a:rPr lang="en-US" dirty="0"/>
+              <a:t>Give Alexa a memory</a:t>
+            </a:r>
+          </a:p>
+          <a:p>
+            <a:pPr lvl="1"/>
+            <a:r>
+              <a:rPr lang="en-US" dirty="0"/>
+              <a:t>User will not need to say company name each time</a:t>
+            </a:r>
+          </a:p>
+          <a:p>
+            <a:pPr lvl="2"/>
+            <a:r>
+              <a:rPr lang="en-US" dirty="0"/>
+              <a:t>“Who is the CEO?”</a:t>
+            </a:r>
+          </a:p>
+        </p:txBody>
+      </p:sp>
+    </p:spTree>
+    <p:extLst>
+      <p:ext uri="{BB962C8B-B14F-4D97-AF65-F5344CB8AC3E}">
+        <p14:creationId xmlns:p14="http://schemas.microsoft.com/office/powerpoint/2010/main" val="4221358634"/>
+      </p:ext>
+    </p:extLst>
+  </p:cSld>
+  <p:clrMapOvr>
+    <a:masterClrMapping/>
+  </p:clrMapOvr>
+</p:sld>
+</file>
+
+<file path=ppt/slides/slide13.xml><?xml version="1.0" encoding="utf-8"?>
+<p:sld xmlns:a="http://schemas.openxmlformats.org/drawingml/2006/main" xmlns:r="http://schemas.openxmlformats.org/officeDocument/2006/relationships" xmlns:p="http://schemas.openxmlformats.org/presentationml/2006/main">
+  <p:cSld>
+    <p:spTree>
+      <p:nvGrpSpPr>
+        <p:cNvPr id="1" name=""/>
+        <p:cNvGrpSpPr/>
+        <p:nvPr/>
+      </p:nvGrpSpPr>
+      <p:grpSpPr>
+        <a:xfrm>
+          <a:off x="0" y="0"/>
+          <a:ext cx="0" cy="0"/>
+          <a:chOff x="0" y="0"/>
+          <a:chExt cx="0" cy="0"/>
+        </a:xfrm>
+      </p:grpSpPr>
+      <p:sp>
+        <p:nvSpPr>
+          <p:cNvPr id="2" name="Title 1">
+            <a:extLst>
+              <a:ext uri="{FF2B5EF4-FFF2-40B4-BE49-F238E27FC236}">
                 <a16:creationId xmlns:a16="http://schemas.microsoft.com/office/drawing/2014/main" id="{7BE69B2F-4DE4-4FBD-BB64-CEDCB6DB66E7}"/>
               </a:ext>
             </a:extLst>
@@ -3804,7 +3962,7 @@
             <a:pPr lvl="1"/>
             <a:r>
               <a:rPr lang="en-US" dirty="0"/>
-              <a:t>Giving your skill memory</a:t>
+              <a:t>Giving your skill persistent memory</a:t>
             </a:r>
           </a:p>
           <a:p>
@@ -3829,7 +3987,7 @@
 </p:sld>
 </file>
 
-<file path=ppt/slides/slide13.xml><?xml version="1.0" encoding="utf-8"?>
+<file path=ppt/slides/slide14.xml><?xml version="1.0" encoding="utf-8"?>
 <p:sld xmlns:a="http://schemas.openxmlformats.org/drawingml/2006/main" xmlns:r="http://schemas.openxmlformats.org/officeDocument/2006/relationships" xmlns:p="http://schemas.openxmlformats.org/presentationml/2006/main">
   <p:cSld>
     <p:spTree>
@@ -3975,7 +4133,7 @@
           <p:cNvPr id="2" name="Title 1">
             <a:extLst>
               <a:ext uri="{FF2B5EF4-FFF2-40B4-BE49-F238E27FC236}">
-                <a16:creationId xmlns:a16="http://schemas.microsoft.com/office/drawing/2014/main" id="{613835D5-69E2-4D87-97C5-6A185B0E0850}"/>
+                <a16:creationId xmlns:a16="http://schemas.microsoft.com/office/drawing/2014/main" id="{882CAE58-046B-45C8-9646-CF5841C4BF8D}"/>
               </a:ext>
             </a:extLst>
           </p:cNvPr>
@@ -4003,7 +4161,7 @@
           <p:cNvPr id="3" name="Content Placeholder 2">
             <a:extLst>
               <a:ext uri="{FF2B5EF4-FFF2-40B4-BE49-F238E27FC236}">
-                <a16:creationId xmlns:a16="http://schemas.microsoft.com/office/drawing/2014/main" id="{00AF2883-D1F8-4BB4-837C-9EEB588A9BAA}"/>
+                <a16:creationId xmlns:a16="http://schemas.microsoft.com/office/drawing/2014/main" id="{F99AC049-9C85-4169-8D06-F165BF498F19}"/>
               </a:ext>
             </a:extLst>
           </p:cNvPr>
@@ -4019,32 +4177,14 @@
           <a:bodyPr/>
           <a:lstStyle/>
           <a:p>
-            <a:r>
-              <a:rPr lang="en-US" dirty="0"/>
-              <a:t>Software Engineer </a:t>
-            </a:r>
-          </a:p>
-          <a:p>
-            <a:r>
-              <a:rPr lang="en-US" dirty="0"/>
-              <a:t>Currently working at C.H. Robinson from 9-5</a:t>
-            </a:r>
-          </a:p>
-          <a:p>
-            <a:r>
-              <a:rPr lang="en-US" dirty="0"/>
-              <a:t>I build cool software on the side</a:t>
-            </a:r>
-          </a:p>
-          <a:p>
-            <a:endParaRPr lang="en-US" dirty="0"/>
+            <a:endParaRPr lang="en-US"/>
           </a:p>
         </p:txBody>
       </p:sp>
     </p:spTree>
     <p:extLst>
       <p:ext uri="{BB962C8B-B14F-4D97-AF65-F5344CB8AC3E}">
-        <p14:creationId xmlns:p14="http://schemas.microsoft.com/office/powerpoint/2010/main" val="504703730"/>
+        <p14:creationId xmlns:p14="http://schemas.microsoft.com/office/powerpoint/2010/main" val="3012193843"/>
       </p:ext>
     </p:extLst>
   </p:cSld>
@@ -4076,7 +4216,7 @@
           <p:cNvPr id="2" name="Title 1">
             <a:extLst>
               <a:ext uri="{FF2B5EF4-FFF2-40B4-BE49-F238E27FC236}">
-                <a16:creationId xmlns:a16="http://schemas.microsoft.com/office/drawing/2014/main" id="{D8CFACD9-252B-464F-8ECC-0FBD04808441}"/>
+                <a16:creationId xmlns:a16="http://schemas.microsoft.com/office/drawing/2014/main" id="{613835D5-69E2-4D87-97C5-6A185B0E0850}"/>
               </a:ext>
             </a:extLst>
           </p:cNvPr>
@@ -4094,7 +4234,7 @@
           <a:p>
             <a:r>
               <a:rPr lang="en-US" dirty="0"/>
-              <a:t>Overview for Today</a:t>
+              <a:t>Who Am I?</a:t>
             </a:r>
           </a:p>
         </p:txBody>
@@ -4104,7 +4244,7 @@
           <p:cNvPr id="3" name="Content Placeholder 2">
             <a:extLst>
               <a:ext uri="{FF2B5EF4-FFF2-40B4-BE49-F238E27FC236}">
-                <a16:creationId xmlns:a16="http://schemas.microsoft.com/office/drawing/2014/main" id="{6F116386-D81D-4B46-B7E5-741EC6D29952}"/>
+                <a16:creationId xmlns:a16="http://schemas.microsoft.com/office/drawing/2014/main" id="{00AF2883-D1F8-4BB4-837C-9EEB588A9BAA}"/>
               </a:ext>
             </a:extLst>
           </p:cNvPr>
@@ -4122,51 +4262,22 @@
           <a:p>
             <a:r>
               <a:rPr lang="en-US" dirty="0"/>
-              <a:t>Implementing, Deploying Custom Alexa Skill</a:t>
-            </a:r>
-          </a:p>
-          <a:p>
-            <a:pPr lvl="1"/>
-            <a:r>
-              <a:rPr lang="en-US" dirty="0"/>
-              <a:t>Alexa Skills Kit Command Line Interface (ASK CLI)</a:t>
-            </a:r>
-          </a:p>
-          <a:p>
-            <a:pPr lvl="1"/>
-            <a:r>
-              <a:rPr lang="en-US" dirty="0"/>
-              <a:t>AWS Lambda</a:t>
-            </a:r>
-          </a:p>
-          <a:p>
-            <a:pPr lvl="1"/>
-            <a:r>
-              <a:rPr lang="en-US" dirty="0"/>
-              <a:t>Node.js</a:t>
-            </a:r>
-          </a:p>
-          <a:p>
-            <a:r>
-              <a:rPr lang="en-US" dirty="0"/>
-              <a:t>How to consume a public API</a:t>
-            </a:r>
-          </a:p>
-          <a:p>
-            <a:pPr lvl="1"/>
-            <a:r>
-              <a:rPr lang="en-US" dirty="0"/>
-              <a:t>IEX Trading API</a:t>
-            </a:r>
-          </a:p>
-          <a:p>
-            <a:pPr lvl="2"/>
-            <a:r>
-              <a:rPr lang="en-US" dirty="0">
-                <a:hlinkClick r:id="rId2"/>
-              </a:rPr>
-              <a:t>https://iextrading.com/developer/docs/#getting-started</a:t>
-            </a:r>
+              <a:t>Software Engineer </a:t>
+            </a:r>
+          </a:p>
+          <a:p>
+            <a:r>
+              <a:rPr lang="en-US" dirty="0"/>
+              <a:t>Currently working at C.H. Robinson from 9-5</a:t>
+            </a:r>
+          </a:p>
+          <a:p>
+            <a:r>
+              <a:rPr lang="en-US" dirty="0"/>
+              <a:t>I build cool software on the side and mentor aspiring software engineers</a:t>
+            </a:r>
+          </a:p>
+          <a:p>
             <a:endParaRPr lang="en-US" dirty="0"/>
           </a:p>
         </p:txBody>
@@ -4174,7 +4285,7 @@
     </p:spTree>
     <p:extLst>
       <p:ext uri="{BB962C8B-B14F-4D97-AF65-F5344CB8AC3E}">
-        <p14:creationId xmlns:p14="http://schemas.microsoft.com/office/powerpoint/2010/main" val="3985130253"/>
+        <p14:creationId xmlns:p14="http://schemas.microsoft.com/office/powerpoint/2010/main" val="504703730"/>
       </p:ext>
     </p:extLst>
   </p:cSld>
@@ -4206,7 +4317,7 @@
           <p:cNvPr id="2" name="Title 1">
             <a:extLst>
               <a:ext uri="{FF2B5EF4-FFF2-40B4-BE49-F238E27FC236}">
-                <a16:creationId xmlns:a16="http://schemas.microsoft.com/office/drawing/2014/main" id="{AAF68D47-6D31-43EF-A9AA-C275631E2842}"/>
+                <a16:creationId xmlns:a16="http://schemas.microsoft.com/office/drawing/2014/main" id="{D8CFACD9-252B-464F-8ECC-0FBD04808441}"/>
               </a:ext>
             </a:extLst>
           </p:cNvPr>
@@ -4224,7 +4335,7 @@
           <a:p>
             <a:r>
               <a:rPr lang="en-US" dirty="0"/>
-              <a:t>What Makes a Skill?</a:t>
+              <a:t>Overview for Today</a:t>
             </a:r>
           </a:p>
         </p:txBody>
@@ -4234,7 +4345,7 @@
           <p:cNvPr id="3" name="Content Placeholder 2">
             <a:extLst>
               <a:ext uri="{FF2B5EF4-FFF2-40B4-BE49-F238E27FC236}">
-                <a16:creationId xmlns:a16="http://schemas.microsoft.com/office/drawing/2014/main" id="{CE4643B2-1E5E-43B1-AB0F-0C754F3AD670}"/>
+                <a16:creationId xmlns:a16="http://schemas.microsoft.com/office/drawing/2014/main" id="{6F116386-D81D-4B46-B7E5-741EC6D29952}"/>
               </a:ext>
             </a:extLst>
           </p:cNvPr>
@@ -4252,16 +4363,51 @@
           <a:p>
             <a:r>
               <a:rPr lang="en-US" dirty="0"/>
-              <a:t>JSON File</a:t>
-            </a:r>
-          </a:p>
-          <a:p>
-            <a:r>
-              <a:rPr lang="en-US" dirty="0"/>
-              <a:t>JavaScript File</a:t>
-            </a:r>
-          </a:p>
-          <a:p>
+              <a:t>Implementing, Deploying Custom Alexa Skill</a:t>
+            </a:r>
+          </a:p>
+          <a:p>
+            <a:pPr lvl="1"/>
+            <a:r>
+              <a:rPr lang="en-US" dirty="0"/>
+              <a:t>Alexa Skills Kit Command Line Interface (ASK CLI)</a:t>
+            </a:r>
+          </a:p>
+          <a:p>
+            <a:pPr lvl="1"/>
+            <a:r>
+              <a:rPr lang="en-US" dirty="0"/>
+              <a:t>AWS Lambda</a:t>
+            </a:r>
+          </a:p>
+          <a:p>
+            <a:pPr lvl="1"/>
+            <a:r>
+              <a:rPr lang="en-US" dirty="0"/>
+              <a:t>Node.js</a:t>
+            </a:r>
+          </a:p>
+          <a:p>
+            <a:r>
+              <a:rPr lang="en-US" dirty="0"/>
+              <a:t>How to consume a public API</a:t>
+            </a:r>
+          </a:p>
+          <a:p>
+            <a:pPr lvl="1"/>
+            <a:r>
+              <a:rPr lang="en-US" dirty="0"/>
+              <a:t>Stock data from IEX Trading API</a:t>
+            </a:r>
+          </a:p>
+          <a:p>
+            <a:pPr lvl="2"/>
+            <a:r>
+              <a:rPr lang="en-US" dirty="0">
+                <a:hlinkClick r:id="rId2"/>
+              </a:rPr>
+              <a:t>https://iextrading.com/developer/docs/#getting-started</a:t>
+            </a:r>
             <a:endParaRPr lang="en-US" dirty="0"/>
           </a:p>
         </p:txBody>
@@ -4269,7 +4415,7 @@
     </p:spTree>
     <p:extLst>
       <p:ext uri="{BB962C8B-B14F-4D97-AF65-F5344CB8AC3E}">
-        <p14:creationId xmlns:p14="http://schemas.microsoft.com/office/powerpoint/2010/main" val="1035418609"/>
+        <p14:creationId xmlns:p14="http://schemas.microsoft.com/office/powerpoint/2010/main" val="3985130253"/>
       </p:ext>
     </p:extLst>
   </p:cSld>
@@ -4301,7 +4447,7 @@
           <p:cNvPr id="2" name="Title 1">
             <a:extLst>
               <a:ext uri="{FF2B5EF4-FFF2-40B4-BE49-F238E27FC236}">
-                <a16:creationId xmlns:a16="http://schemas.microsoft.com/office/drawing/2014/main" id="{EFC4A874-CCC4-4998-BDAB-E0A6E1783627}"/>
+                <a16:creationId xmlns:a16="http://schemas.microsoft.com/office/drawing/2014/main" id="{AAF68D47-6D31-43EF-A9AA-C275631E2842}"/>
               </a:ext>
             </a:extLst>
           </p:cNvPr>
@@ -4319,7 +4465,7 @@
           <a:p>
             <a:r>
               <a:rPr lang="en-US" dirty="0"/>
-              <a:t>No, its that simple but there is a bit more…</a:t>
+              <a:t>What Makes a Skill?</a:t>
             </a:r>
           </a:p>
         </p:txBody>
@@ -4329,7 +4475,7 @@
           <p:cNvPr id="3" name="Content Placeholder 2">
             <a:extLst>
               <a:ext uri="{FF2B5EF4-FFF2-40B4-BE49-F238E27FC236}">
-                <a16:creationId xmlns:a16="http://schemas.microsoft.com/office/drawing/2014/main" id="{F0A553D2-B111-42C0-9A6A-010365C72DD6}"/>
+                <a16:creationId xmlns:a16="http://schemas.microsoft.com/office/drawing/2014/main" id="{CE4643B2-1E5E-43B1-AB0F-0C754F3AD670}"/>
               </a:ext>
             </a:extLst>
           </p:cNvPr>
@@ -4347,62 +4493,13 @@
           <a:p>
             <a:r>
               <a:rPr lang="en-US" dirty="0"/>
-              <a:t>Interaction Model (JSON File)</a:t>
-            </a:r>
-          </a:p>
-          <a:p>
-            <a:pPr lvl="1"/>
-            <a:r>
-              <a:rPr lang="en-US" dirty="0"/>
-              <a:t>Invocation Name</a:t>
-            </a:r>
-          </a:p>
-          <a:p>
-            <a:pPr lvl="1"/>
-            <a:r>
-              <a:rPr lang="en-US" dirty="0"/>
-              <a:t>Intents</a:t>
-            </a:r>
-          </a:p>
-          <a:p>
-            <a:pPr lvl="2"/>
-            <a:r>
-              <a:rPr lang="en-US" dirty="0"/>
-              <a:t>Built-In Intents</a:t>
-            </a:r>
-          </a:p>
-          <a:p>
-            <a:pPr lvl="2"/>
-            <a:r>
-              <a:rPr lang="en-US" dirty="0"/>
-              <a:t>User-defined Intents</a:t>
-            </a:r>
-          </a:p>
-          <a:p>
-            <a:pPr lvl="1"/>
-            <a:r>
-              <a:rPr lang="en-US" dirty="0"/>
-              <a:t>Slot Types</a:t>
-            </a:r>
-          </a:p>
-          <a:p>
-            <a:r>
-              <a:rPr lang="en-US" dirty="0"/>
-              <a:t>Logic (JavaScript File)</a:t>
-            </a:r>
-          </a:p>
-          <a:p>
-            <a:pPr lvl="1"/>
-            <a:r>
-              <a:rPr lang="en-US" dirty="0"/>
-              <a:t>AWS Lambda</a:t>
-            </a:r>
-          </a:p>
-          <a:p>
-            <a:pPr lvl="1"/>
-            <a:r>
-              <a:rPr lang="en-US" dirty="0"/>
-              <a:t>API</a:t>
+              <a:t>JSON File</a:t>
+            </a:r>
+          </a:p>
+          <a:p>
+            <a:r>
+              <a:rPr lang="en-US" dirty="0"/>
+              <a:t>JavaScript File</a:t>
             </a:r>
           </a:p>
           <a:p>
@@ -4413,7 +4510,7 @@
     </p:spTree>
     <p:extLst>
       <p:ext uri="{BB962C8B-B14F-4D97-AF65-F5344CB8AC3E}">
-        <p14:creationId xmlns:p14="http://schemas.microsoft.com/office/powerpoint/2010/main" val="3693376404"/>
+        <p14:creationId xmlns:p14="http://schemas.microsoft.com/office/powerpoint/2010/main" val="1035418609"/>
       </p:ext>
     </p:extLst>
   </p:cSld>
@@ -4445,7 +4542,7 @@
           <p:cNvPr id="2" name="Title 1">
             <a:extLst>
               <a:ext uri="{FF2B5EF4-FFF2-40B4-BE49-F238E27FC236}">
-                <a16:creationId xmlns:a16="http://schemas.microsoft.com/office/drawing/2014/main" id="{69D563AD-3ACB-4C04-A21D-A27B271EA43A}"/>
+                <a16:creationId xmlns:a16="http://schemas.microsoft.com/office/drawing/2014/main" id="{EFC4A874-CCC4-4998-BDAB-E0A6E1783627}"/>
               </a:ext>
             </a:extLst>
           </p:cNvPr>
@@ -4463,56 +4560,101 @@
           <a:p>
             <a:r>
               <a:rPr lang="en-US" dirty="0"/>
+              <a:t>No, its that simple but there is a bit more…</a:t>
+            </a:r>
+          </a:p>
+        </p:txBody>
+      </p:sp>
+      <p:sp>
+        <p:nvSpPr>
+          <p:cNvPr id="3" name="Content Placeholder 2">
+            <a:extLst>
+              <a:ext uri="{FF2B5EF4-FFF2-40B4-BE49-F238E27FC236}">
+                <a16:creationId xmlns:a16="http://schemas.microsoft.com/office/drawing/2014/main" id="{F0A553D2-B111-42C0-9A6A-010365C72DD6}"/>
+              </a:ext>
+            </a:extLst>
+          </p:cNvPr>
+          <p:cNvSpPr>
+            <a:spLocks noGrp="1"/>
+          </p:cNvSpPr>
+          <p:nvPr>
+            <p:ph idx="1"/>
+          </p:nvPr>
+        </p:nvSpPr>
+        <p:spPr/>
+        <p:txBody>
+          <a:bodyPr/>
+          <a:lstStyle/>
+          <a:p>
+            <a:r>
+              <a:rPr lang="en-US" dirty="0"/>
+              <a:t>Interaction Model (JSON File)</a:t>
+            </a:r>
+          </a:p>
+          <a:p>
+            <a:pPr lvl="1"/>
+            <a:r>
+              <a:rPr lang="en-US" dirty="0"/>
               <a:t>Invocation Name</a:t>
             </a:r>
           </a:p>
-        </p:txBody>
-      </p:sp>
-      <p:sp>
-        <p:nvSpPr>
-          <p:cNvPr id="3" name="Content Placeholder 2">
-            <a:extLst>
-              <a:ext uri="{FF2B5EF4-FFF2-40B4-BE49-F238E27FC236}">
-                <a16:creationId xmlns:a16="http://schemas.microsoft.com/office/drawing/2014/main" id="{1D6D181A-2A0D-400E-9329-7797534DE5CB}"/>
-              </a:ext>
-            </a:extLst>
-          </p:cNvPr>
-          <p:cNvSpPr>
-            <a:spLocks noGrp="1"/>
-          </p:cNvSpPr>
-          <p:nvPr>
-            <p:ph idx="1"/>
-          </p:nvPr>
-        </p:nvSpPr>
-        <p:spPr/>
-        <p:txBody>
-          <a:bodyPr/>
-          <a:lstStyle/>
-          <a:p>
-            <a:r>
-              <a:rPr lang="en-US" dirty="0"/>
-              <a:t>The name that the user will use to start the interaction with your custom skill</a:t>
-            </a:r>
-          </a:p>
-          <a:p>
-            <a:r>
-              <a:rPr lang="en-US" dirty="0"/>
-              <a:t>For example, if the invocation name is “ESPN”, users can say:</a:t>
-            </a:r>
-          </a:p>
           <a:p>
             <a:pPr lvl="1"/>
             <a:r>
               <a:rPr lang="en-US" dirty="0"/>
-              <a:t>“Alexa, ask ESPN for the score of the Viking game.”</a:t>
-            </a:r>
+              <a:t>Intents</a:t>
+            </a:r>
+          </a:p>
+          <a:p>
+            <a:pPr lvl="2"/>
+            <a:r>
+              <a:rPr lang="en-US" dirty="0"/>
+              <a:t>Built-In Intents</a:t>
+            </a:r>
+          </a:p>
+          <a:p>
+            <a:pPr lvl="2"/>
+            <a:r>
+              <a:rPr lang="en-US" dirty="0"/>
+              <a:t>User-defined Intents</a:t>
+            </a:r>
+          </a:p>
+          <a:p>
+            <a:pPr lvl="1"/>
+            <a:r>
+              <a:rPr lang="en-US" dirty="0"/>
+              <a:t>Slot Types</a:t>
+            </a:r>
+          </a:p>
+          <a:p>
+            <a:r>
+              <a:rPr lang="en-US" dirty="0"/>
+              <a:t>Logic (JavaScript File)</a:t>
+            </a:r>
+          </a:p>
+          <a:p>
+            <a:pPr lvl="1"/>
+            <a:r>
+              <a:rPr lang="en-US" dirty="0"/>
+              <a:t>AWS Lambda</a:t>
+            </a:r>
+          </a:p>
+          <a:p>
+            <a:pPr lvl="1"/>
+            <a:r>
+              <a:rPr lang="en-US" dirty="0"/>
+              <a:t>API</a:t>
+            </a:r>
+          </a:p>
+          <a:p>
+            <a:endParaRPr lang="en-US" dirty="0"/>
           </a:p>
         </p:txBody>
       </p:sp>
     </p:spTree>
     <p:extLst>
       <p:ext uri="{BB962C8B-B14F-4D97-AF65-F5344CB8AC3E}">
-        <p14:creationId xmlns:p14="http://schemas.microsoft.com/office/powerpoint/2010/main" val="1225673664"/>
+        <p14:creationId xmlns:p14="http://schemas.microsoft.com/office/powerpoint/2010/main" val="3693376404"/>
       </p:ext>
     </p:extLst>
   </p:cSld>
@@ -4544,7 +4686,7 @@
           <p:cNvPr id="2" name="Title 1">
             <a:extLst>
               <a:ext uri="{FF2B5EF4-FFF2-40B4-BE49-F238E27FC236}">
-                <a16:creationId xmlns:a16="http://schemas.microsoft.com/office/drawing/2014/main" id="{A1BD2057-6022-4829-87F9-368062B452E3}"/>
+                <a16:creationId xmlns:a16="http://schemas.microsoft.com/office/drawing/2014/main" id="{69D563AD-3ACB-4C04-A21D-A27B271EA43A}"/>
               </a:ext>
             </a:extLst>
           </p:cNvPr>
@@ -4562,7 +4704,7 @@
           <a:p>
             <a:r>
               <a:rPr lang="en-US" dirty="0"/>
-              <a:t>Intents</a:t>
+              <a:t>Invocation Name</a:t>
             </a:r>
           </a:p>
         </p:txBody>
@@ -4572,7 +4714,7 @@
           <p:cNvPr id="3" name="Content Placeholder 2">
             <a:extLst>
               <a:ext uri="{FF2B5EF4-FFF2-40B4-BE49-F238E27FC236}">
-                <a16:creationId xmlns:a16="http://schemas.microsoft.com/office/drawing/2014/main" id="{8A626891-DEE4-4575-B99B-D230647CBC80}"/>
+                <a16:creationId xmlns:a16="http://schemas.microsoft.com/office/drawing/2014/main" id="{1D6D181A-2A0D-400E-9329-7797534DE5CB}"/>
               </a:ext>
             </a:extLst>
           </p:cNvPr>
@@ -4590,93 +4732,28 @@
           <a:p>
             <a:r>
               <a:rPr lang="en-US" dirty="0"/>
-              <a:t>Built-In Intents</a:t>
+              <a:t>The name that the user will use to start the interaction with your custom skill</a:t>
+            </a:r>
+          </a:p>
+          <a:p>
+            <a:r>
+              <a:rPr lang="en-US" dirty="0"/>
+              <a:t>For example, if the invocation name is “ESPN”, users can say:</a:t>
             </a:r>
           </a:p>
           <a:p>
             <a:pPr lvl="1"/>
             <a:r>
-              <a:rPr lang="en-US" dirty="0" err="1"/>
-              <a:t>AMAZON.CancelIntent</a:t>
-            </a:r>
-            <a:endParaRPr lang="en-US" dirty="0"/>
-          </a:p>
-          <a:p>
-            <a:pPr lvl="2"/>
-            <a:r>
-              <a:rPr lang="en-US" dirty="0"/>
-              <a:t>Invoked when user interrupts current intent by saying “Alexa Cancel”</a:t>
-            </a:r>
-          </a:p>
-          <a:p>
-            <a:pPr lvl="1"/>
-            <a:r>
-              <a:rPr lang="en-US" dirty="0" err="1"/>
-              <a:t>AMAZON.HelpIntent</a:t>
-            </a:r>
-            <a:endParaRPr lang="en-US" dirty="0"/>
-          </a:p>
-          <a:p>
-            <a:pPr lvl="2"/>
-            <a:r>
-              <a:rPr lang="en-US" dirty="0"/>
-              <a:t>Invoked when user needs help with what to do within a custom skill</a:t>
-            </a:r>
-          </a:p>
-          <a:p>
-            <a:pPr lvl="2"/>
-            <a:r>
-              <a:rPr lang="en-US" dirty="0"/>
-              <a:t>Provides sample commands</a:t>
-            </a:r>
-          </a:p>
-          <a:p>
-            <a:pPr lvl="1"/>
-            <a:r>
-              <a:rPr lang="en-US" dirty="0" err="1"/>
-              <a:t>AMAZON.FallbackIntent</a:t>
-            </a:r>
-            <a:endParaRPr lang="en-US" dirty="0"/>
-          </a:p>
-          <a:p>
-            <a:pPr lvl="2"/>
-            <a:r>
-              <a:rPr lang="en-US" dirty="0"/>
-              <a:t>Invoked when user’s command does not match any of the other defined intents</a:t>
-            </a:r>
-          </a:p>
-          <a:p>
-            <a:pPr lvl="2"/>
-            <a:r>
-              <a:rPr lang="en-US" dirty="0"/>
-              <a:t>“Sorry I don’t know that one”</a:t>
-            </a:r>
-          </a:p>
-          <a:p>
-            <a:pPr lvl="1"/>
-            <a:r>
-              <a:rPr lang="en-US" dirty="0" err="1"/>
-              <a:t>AMAZON.StopIntent</a:t>
-            </a:r>
-            <a:endParaRPr lang="en-US" dirty="0"/>
-          </a:p>
-          <a:p>
-            <a:pPr lvl="2"/>
-            <a:r>
-              <a:rPr lang="en-US" dirty="0"/>
-              <a:t>Invoked when user wants to stop an open session</a:t>
-            </a:r>
-          </a:p>
-          <a:p>
-            <a:pPr lvl="1"/>
-            <a:endParaRPr lang="en-US" dirty="0"/>
+              <a:rPr lang="en-US" dirty="0"/>
+              <a:t>“Alexa, ask ESPN for the score of the Viking game.”</a:t>
+            </a:r>
           </a:p>
         </p:txBody>
       </p:sp>
     </p:spTree>
     <p:extLst>
       <p:ext uri="{BB962C8B-B14F-4D97-AF65-F5344CB8AC3E}">
-        <p14:creationId xmlns:p14="http://schemas.microsoft.com/office/powerpoint/2010/main" val="2912906413"/>
+        <p14:creationId xmlns:p14="http://schemas.microsoft.com/office/powerpoint/2010/main" val="1225673664"/>
       </p:ext>
     </p:extLst>
   </p:cSld>
@@ -4708,7 +4785,7 @@
           <p:cNvPr id="2" name="Title 1">
             <a:extLst>
               <a:ext uri="{FF2B5EF4-FFF2-40B4-BE49-F238E27FC236}">
-                <a16:creationId xmlns:a16="http://schemas.microsoft.com/office/drawing/2014/main" id="{B6F7ED87-B603-4555-AFBC-8609F81C5D59}"/>
+                <a16:creationId xmlns:a16="http://schemas.microsoft.com/office/drawing/2014/main" id="{A1BD2057-6022-4829-87F9-368062B452E3}"/>
               </a:ext>
             </a:extLst>
           </p:cNvPr>
@@ -4736,7 +4813,7 @@
           <p:cNvPr id="3" name="Content Placeholder 2">
             <a:extLst>
               <a:ext uri="{FF2B5EF4-FFF2-40B4-BE49-F238E27FC236}">
-                <a16:creationId xmlns:a16="http://schemas.microsoft.com/office/drawing/2014/main" id="{0E8108C6-4BA9-47EC-8022-66621475A00D}"/>
+                <a16:creationId xmlns:a16="http://schemas.microsoft.com/office/drawing/2014/main" id="{8A626891-DEE4-4575-B99B-D230647CBC80}"/>
               </a:ext>
             </a:extLst>
           </p:cNvPr>
@@ -4754,53 +4831,93 @@
           <a:p>
             <a:r>
               <a:rPr lang="en-US" dirty="0"/>
-              <a:t>User-defined intents</a:t>
+              <a:t>Built-In Intents</a:t>
             </a:r>
           </a:p>
           <a:p>
             <a:pPr lvl="1"/>
             <a:r>
-              <a:rPr lang="en-US" dirty="0"/>
-              <a:t>Makes your custom skill unique</a:t>
+              <a:rPr lang="en-US" dirty="0" err="1"/>
+              <a:t>AMAZON.CancelIntent</a:t>
+            </a:r>
+            <a:endParaRPr lang="en-US" dirty="0"/>
+          </a:p>
+          <a:p>
+            <a:pPr lvl="2"/>
+            <a:r>
+              <a:rPr lang="en-US" dirty="0"/>
+              <a:t>Invoked when user interrupts current intent by saying “Alexa Cancel”</a:t>
             </a:r>
           </a:p>
           <a:p>
             <a:pPr lvl="1"/>
             <a:r>
-              <a:rPr lang="en-US" dirty="0"/>
-              <a:t>“Alexa ask ESPN for the score of the Viking game”</a:t>
+              <a:rPr lang="en-US" dirty="0" err="1"/>
+              <a:t>AMAZON.HelpIntent</a:t>
+            </a:r>
+            <a:endParaRPr lang="en-US" dirty="0"/>
+          </a:p>
+          <a:p>
+            <a:pPr lvl="2"/>
+            <a:r>
+              <a:rPr lang="en-US" dirty="0"/>
+              <a:t>Invoked when user needs help with what to do within a custom skill</a:t>
+            </a:r>
+          </a:p>
+          <a:p>
+            <a:pPr lvl="2"/>
+            <a:r>
+              <a:rPr lang="en-US" dirty="0"/>
+              <a:t>Provides sample commands</a:t>
             </a:r>
           </a:p>
           <a:p>
             <a:pPr lvl="1"/>
             <a:r>
-              <a:rPr lang="en-US" dirty="0"/>
-              <a:t>“Alexa ask Google for the top trends”</a:t>
-            </a:r>
-          </a:p>
-          <a:p>
-            <a:r>
-              <a:rPr lang="en-US" dirty="0"/>
-              <a:t>Made up of </a:t>
-            </a:r>
-            <a:r>
-              <a:rPr lang="en-US" b="1" dirty="0"/>
-              <a:t>Utterances</a:t>
+              <a:rPr lang="en-US" dirty="0" err="1"/>
+              <a:t>AMAZON.FallbackIntent</a:t>
+            </a:r>
+            <a:endParaRPr lang="en-US" dirty="0"/>
+          </a:p>
+          <a:p>
+            <a:pPr lvl="2"/>
+            <a:r>
+              <a:rPr lang="en-US" dirty="0"/>
+              <a:t>Invoked when user’s command does not match any of the other defined intents</a:t>
+            </a:r>
+          </a:p>
+          <a:p>
+            <a:pPr lvl="2"/>
+            <a:r>
+              <a:rPr lang="en-US" dirty="0"/>
+              <a:t>“Sorry I don’t know that one”</a:t>
             </a:r>
           </a:p>
           <a:p>
             <a:pPr lvl="1"/>
             <a:r>
-              <a:rPr lang="en-US" dirty="0"/>
-              <a:t>Utterances – phases the user might say</a:t>
-            </a:r>
+              <a:rPr lang="en-US" dirty="0" err="1"/>
+              <a:t>AMAZON.StopIntent</a:t>
+            </a:r>
+            <a:endParaRPr lang="en-US" dirty="0"/>
+          </a:p>
+          <a:p>
+            <a:pPr lvl="2"/>
+            <a:r>
+              <a:rPr lang="en-US" dirty="0"/>
+              <a:t>Invoked when user wants to stop an open session</a:t>
+            </a:r>
+          </a:p>
+          <a:p>
+            <a:pPr lvl="1"/>
+            <a:endParaRPr lang="en-US" dirty="0"/>
           </a:p>
         </p:txBody>
       </p:sp>
     </p:spTree>
     <p:extLst>
       <p:ext uri="{BB962C8B-B14F-4D97-AF65-F5344CB8AC3E}">
-        <p14:creationId xmlns:p14="http://schemas.microsoft.com/office/powerpoint/2010/main" val="2608405855"/>
+        <p14:creationId xmlns:p14="http://schemas.microsoft.com/office/powerpoint/2010/main" val="2912906413"/>
       </p:ext>
     </p:extLst>
   </p:cSld>
@@ -4832,7 +4949,7 @@
           <p:cNvPr id="2" name="Title 1">
             <a:extLst>
               <a:ext uri="{FF2B5EF4-FFF2-40B4-BE49-F238E27FC236}">
-                <a16:creationId xmlns:a16="http://schemas.microsoft.com/office/drawing/2014/main" id="{D23C619C-88CC-4D75-8EEA-13B6B4E0AB85}"/>
+                <a16:creationId xmlns:a16="http://schemas.microsoft.com/office/drawing/2014/main" id="{B6F7ED87-B603-4555-AFBC-8609F81C5D59}"/>
               </a:ext>
             </a:extLst>
           </p:cNvPr>
@@ -4850,7 +4967,7 @@
           <a:p>
             <a:r>
               <a:rPr lang="en-US" dirty="0"/>
-              <a:t>Slot Types</a:t>
+              <a:t>Intents</a:t>
             </a:r>
           </a:p>
         </p:txBody>
@@ -4860,7 +4977,7 @@
           <p:cNvPr id="3" name="Content Placeholder 2">
             <a:extLst>
               <a:ext uri="{FF2B5EF4-FFF2-40B4-BE49-F238E27FC236}">
-                <a16:creationId xmlns:a16="http://schemas.microsoft.com/office/drawing/2014/main" id="{7F5E6E1A-1276-4DCA-800F-1A049EADC4D7}"/>
+                <a16:creationId xmlns:a16="http://schemas.microsoft.com/office/drawing/2014/main" id="{0E8108C6-4BA9-47EC-8022-66621475A00D}"/>
               </a:ext>
             </a:extLst>
           </p:cNvPr>
@@ -4873,60 +4990,66 @@
         </p:nvSpPr>
         <p:spPr/>
         <p:txBody>
-          <a:bodyPr>
-            <a:normAutofit/>
-          </a:bodyPr>
-          <a:lstStyle/>
-          <a:p>
-            <a:r>
-              <a:rPr lang="en-US" dirty="0"/>
-              <a:t>Variables within a utterance</a:t>
-            </a:r>
-          </a:p>
-          <a:p>
-            <a:r>
-              <a:rPr lang="en-US" dirty="0"/>
-              <a:t>Utterances can have multiple slots</a:t>
-            </a:r>
-          </a:p>
-          <a:p>
-            <a:r>
-              <a:rPr lang="en-US" dirty="0"/>
-              <a:t>User: “Alexa ask ESPN what the score of the Minnesota Viking football game.”</a:t>
-            </a:r>
-          </a:p>
-          <a:p>
-            <a:r>
-              <a:rPr lang="en-US" dirty="0"/>
-              <a:t>User: “Alexa ask ESPN what the score of the {team name} {sport name} game.”</a:t>
+          <a:bodyPr/>
+          <a:lstStyle/>
+          <a:p>
+            <a:r>
+              <a:rPr lang="en-US" dirty="0"/>
+              <a:t>User-defined intents</a:t>
             </a:r>
           </a:p>
           <a:p>
             <a:pPr lvl="1"/>
             <a:r>
               <a:rPr lang="en-US" dirty="0"/>
-              <a:t>{team name}</a:t>
-            </a:r>
-          </a:p>
-          <a:p>
-            <a:pPr lvl="2"/>
-            <a:r>
-              <a:rPr lang="en-US" dirty="0"/>
-              <a:t>Minnesota Vikings, Green Bay Packers</a:t>
+              <a:t>Makes your custom skill unique</a:t>
             </a:r>
           </a:p>
           <a:p>
             <a:pPr lvl="1"/>
             <a:r>
               <a:rPr lang="en-US" dirty="0"/>
-              <a:t>{sport}</a:t>
-            </a:r>
-          </a:p>
-          <a:p>
-            <a:pPr lvl="2"/>
-            <a:r>
-              <a:rPr lang="en-US" dirty="0"/>
-              <a:t>Football, hockey, baseball</a:t>
+              <a:t>Example </a:t>
+            </a:r>
+            <a:r>
+              <a:rPr lang="en-US" b="1" dirty="0"/>
+              <a:t>Score Intent</a:t>
+            </a:r>
+            <a:r>
+              <a:rPr lang="en-US" dirty="0"/>
+              <a:t>: “Alexa ask ESPN for the score of the Viking game”</a:t>
+            </a:r>
+          </a:p>
+          <a:p>
+            <a:pPr lvl="1"/>
+            <a:r>
+              <a:rPr lang="en-US" dirty="0"/>
+              <a:t>Example </a:t>
+            </a:r>
+            <a:r>
+              <a:rPr lang="en-US" b="1" dirty="0"/>
+              <a:t>Top Trend Intent</a:t>
+            </a:r>
+            <a:r>
+              <a:rPr lang="en-US" dirty="0"/>
+              <a:t>: “Alexa ask Google for the top trends”</a:t>
+            </a:r>
+          </a:p>
+          <a:p>
+            <a:r>
+              <a:rPr lang="en-US" dirty="0"/>
+              <a:t>Made up of </a:t>
+            </a:r>
+            <a:r>
+              <a:rPr lang="en-US" b="1" dirty="0"/>
+              <a:t>Utterances</a:t>
+            </a:r>
+          </a:p>
+          <a:p>
+            <a:pPr lvl="1"/>
+            <a:r>
+              <a:rPr lang="en-US" dirty="0"/>
+              <a:t>Utterances – phases the user might say</a:t>
             </a:r>
           </a:p>
         </p:txBody>
@@ -4934,7 +5057,7 @@
     </p:spTree>
     <p:extLst>
       <p:ext uri="{BB962C8B-B14F-4D97-AF65-F5344CB8AC3E}">
-        <p14:creationId xmlns:p14="http://schemas.microsoft.com/office/powerpoint/2010/main" val="4124802825"/>
+        <p14:creationId xmlns:p14="http://schemas.microsoft.com/office/powerpoint/2010/main" val="2608405855"/>
       </p:ext>
     </p:extLst>
   </p:cSld>

--- a/Building An Custom.pptx
+++ b/Building An Custom.pptx
@@ -2,23 +2,22 @@
 <file path=ppt/presentation.xml><?xml version="1.0" encoding="utf-8"?>
 <p:presentation xmlns:a="http://schemas.openxmlformats.org/drawingml/2006/main" xmlns:r="http://schemas.openxmlformats.org/officeDocument/2006/relationships" xmlns:p="http://schemas.openxmlformats.org/presentationml/2006/main" saveSubsetFonts="1">
   <p:sldMasterIdLst>
-    <p:sldMasterId id="2147483648" r:id="rId1"/>
+    <p:sldMasterId id="2147483660" r:id="rId1"/>
   </p:sldMasterIdLst>
   <p:sldIdLst>
     <p:sldId id="268" r:id="rId2"/>
-    <p:sldId id="270" r:id="rId3"/>
-    <p:sldId id="269" r:id="rId4"/>
-    <p:sldId id="257" r:id="rId5"/>
-    <p:sldId id="259" r:id="rId6"/>
-    <p:sldId id="258" r:id="rId7"/>
-    <p:sldId id="260" r:id="rId8"/>
-    <p:sldId id="261" r:id="rId9"/>
-    <p:sldId id="262" r:id="rId10"/>
-    <p:sldId id="264" r:id="rId11"/>
-    <p:sldId id="263" r:id="rId12"/>
-    <p:sldId id="265" r:id="rId13"/>
-    <p:sldId id="266" r:id="rId14"/>
-    <p:sldId id="267" r:id="rId15"/>
+    <p:sldId id="269" r:id="rId3"/>
+    <p:sldId id="257" r:id="rId4"/>
+    <p:sldId id="259" r:id="rId5"/>
+    <p:sldId id="258" r:id="rId6"/>
+    <p:sldId id="260" r:id="rId7"/>
+    <p:sldId id="261" r:id="rId8"/>
+    <p:sldId id="262" r:id="rId9"/>
+    <p:sldId id="264" r:id="rId10"/>
+    <p:sldId id="263" r:id="rId11"/>
+    <p:sldId id="265" r:id="rId12"/>
+    <p:sldId id="266" r:id="rId13"/>
+    <p:sldId id="267" r:id="rId14"/>
   </p:sldIdLst>
   <p:sldSz cx="12192000" cy="6858000"/>
   <p:notesSz cx="6858000" cy="9144000"/>
@@ -26,7 +25,7 @@
     <a:defPPr>
       <a:defRPr lang="en-US"/>
     </a:defPPr>
-    <a:lvl1pPr marL="0" algn="l" defTabSz="914400" rtl="0" eaLnBrk="1" latinLnBrk="0" hangingPunct="1">
+    <a:lvl1pPr marL="0" algn="l" defTabSz="457200" rtl="0" eaLnBrk="1" latinLnBrk="0" hangingPunct="1">
       <a:defRPr sz="1800" kern="1200">
         <a:solidFill>
           <a:schemeClr val="tx1"/>
@@ -36,7 +35,7 @@
         <a:cs typeface="+mn-cs"/>
       </a:defRPr>
     </a:lvl1pPr>
-    <a:lvl2pPr marL="457200" algn="l" defTabSz="914400" rtl="0" eaLnBrk="1" latinLnBrk="0" hangingPunct="1">
+    <a:lvl2pPr marL="457200" algn="l" defTabSz="457200" rtl="0" eaLnBrk="1" latinLnBrk="0" hangingPunct="1">
       <a:defRPr sz="1800" kern="1200">
         <a:solidFill>
           <a:schemeClr val="tx1"/>
@@ -46,7 +45,7 @@
         <a:cs typeface="+mn-cs"/>
       </a:defRPr>
     </a:lvl2pPr>
-    <a:lvl3pPr marL="914400" algn="l" defTabSz="914400" rtl="0" eaLnBrk="1" latinLnBrk="0" hangingPunct="1">
+    <a:lvl3pPr marL="914400" algn="l" defTabSz="457200" rtl="0" eaLnBrk="1" latinLnBrk="0" hangingPunct="1">
       <a:defRPr sz="1800" kern="1200">
         <a:solidFill>
           <a:schemeClr val="tx1"/>
@@ -56,7 +55,7 @@
         <a:cs typeface="+mn-cs"/>
       </a:defRPr>
     </a:lvl3pPr>
-    <a:lvl4pPr marL="1371600" algn="l" defTabSz="914400" rtl="0" eaLnBrk="1" latinLnBrk="0" hangingPunct="1">
+    <a:lvl4pPr marL="1371600" algn="l" defTabSz="457200" rtl="0" eaLnBrk="1" latinLnBrk="0" hangingPunct="1">
       <a:defRPr sz="1800" kern="1200">
         <a:solidFill>
           <a:schemeClr val="tx1"/>
@@ -66,7 +65,7 @@
         <a:cs typeface="+mn-cs"/>
       </a:defRPr>
     </a:lvl4pPr>
-    <a:lvl5pPr marL="1828800" algn="l" defTabSz="914400" rtl="0" eaLnBrk="1" latinLnBrk="0" hangingPunct="1">
+    <a:lvl5pPr marL="1828800" algn="l" defTabSz="457200" rtl="0" eaLnBrk="1" latinLnBrk="0" hangingPunct="1">
       <a:defRPr sz="1800" kern="1200">
         <a:solidFill>
           <a:schemeClr val="tx1"/>
@@ -76,7 +75,7 @@
         <a:cs typeface="+mn-cs"/>
       </a:defRPr>
     </a:lvl5pPr>
-    <a:lvl6pPr marL="2286000" algn="l" defTabSz="914400" rtl="0" eaLnBrk="1" latinLnBrk="0" hangingPunct="1">
+    <a:lvl6pPr marL="2286000" algn="l" defTabSz="457200" rtl="0" eaLnBrk="1" latinLnBrk="0" hangingPunct="1">
       <a:defRPr sz="1800" kern="1200">
         <a:solidFill>
           <a:schemeClr val="tx1"/>
@@ -86,7 +85,7 @@
         <a:cs typeface="+mn-cs"/>
       </a:defRPr>
     </a:lvl6pPr>
-    <a:lvl7pPr marL="2743200" algn="l" defTabSz="914400" rtl="0" eaLnBrk="1" latinLnBrk="0" hangingPunct="1">
+    <a:lvl7pPr marL="2743200" algn="l" defTabSz="457200" rtl="0" eaLnBrk="1" latinLnBrk="0" hangingPunct="1">
       <a:defRPr sz="1800" kern="1200">
         <a:solidFill>
           <a:schemeClr val="tx1"/>
@@ -96,7 +95,7 @@
         <a:cs typeface="+mn-cs"/>
       </a:defRPr>
     </a:lvl7pPr>
-    <a:lvl8pPr marL="3200400" algn="l" defTabSz="914400" rtl="0" eaLnBrk="1" latinLnBrk="0" hangingPunct="1">
+    <a:lvl8pPr marL="3200400" algn="l" defTabSz="457200" rtl="0" eaLnBrk="1" latinLnBrk="0" hangingPunct="1">
       <a:defRPr sz="1800" kern="1200">
         <a:solidFill>
           <a:schemeClr val="tx1"/>
@@ -106,7 +105,7 @@
         <a:cs typeface="+mn-cs"/>
       </a:defRPr>
     </a:lvl8pPr>
-    <a:lvl9pPr marL="3657600" algn="l" defTabSz="914400" rtl="0" eaLnBrk="1" latinLnBrk="0" hangingPunct="1">
+    <a:lvl9pPr marL="3657600" algn="l" defTabSz="457200" rtl="0" eaLnBrk="1" latinLnBrk="0" hangingPunct="1">
       <a:defRPr sz="1800" kern="1200">
         <a:solidFill>
           <a:schemeClr val="tx1"/>
@@ -144,13 +143,7 @@
       </p:grpSpPr>
       <p:sp>
         <p:nvSpPr>
-          <p:cNvPr id="2" name="Title 1">
-            <a:extLst>
-              <a:ext uri="{FF2B5EF4-FFF2-40B4-BE49-F238E27FC236}">
-                <a16:creationId xmlns:a16="http://schemas.microsoft.com/office/drawing/2014/main" id="{6E48FB9D-D60E-4DC0-979B-BB4DA1A9553B}"/>
-              </a:ext>
-            </a:extLst>
-          </p:cNvPr>
+          <p:cNvPr id="2" name="Title 1"/>
           <p:cNvSpPr>
             <a:spLocks noGrp="1"/>
           </p:cNvSpPr>
@@ -160,15 +153,17 @@
         </p:nvSpPr>
         <p:spPr>
           <a:xfrm>
-            <a:off x="1524000" y="1122363"/>
-            <a:ext cx="9144000" cy="2387600"/>
+            <a:off x="2417779" y="802298"/>
+            <a:ext cx="8637073" cy="2541431"/>
           </a:xfrm>
         </p:spPr>
         <p:txBody>
-          <a:bodyPr anchor="b"/>
+          <a:bodyPr bIns="0" anchor="b">
+            <a:normAutofit/>
+          </a:bodyPr>
           <a:lstStyle>
-            <a:lvl1pPr algn="ctr">
-              <a:defRPr sz="6000"/>
+            <a:lvl1pPr algn="l">
+              <a:defRPr sz="6600"/>
             </a:lvl1pPr>
           </a:lstStyle>
           <a:p>
@@ -176,18 +171,13 @@
               <a:rPr lang="en-US"/>
               <a:t>Click to edit Master title style</a:t>
             </a:r>
-          </a:p>
-        </p:txBody>
-      </p:sp>
-      <p:sp>
-        <p:nvSpPr>
-          <p:cNvPr id="3" name="Subtitle 2">
-            <a:extLst>
-              <a:ext uri="{FF2B5EF4-FFF2-40B4-BE49-F238E27FC236}">
-                <a16:creationId xmlns:a16="http://schemas.microsoft.com/office/drawing/2014/main" id="{2EF04F37-4632-4877-812C-08C1E9D2D127}"/>
-              </a:ext>
-            </a:extLst>
-          </p:cNvPr>
+            <a:endParaRPr lang="en-US" dirty="0"/>
+          </a:p>
+        </p:txBody>
+      </p:sp>
+      <p:sp>
+        <p:nvSpPr>
+          <p:cNvPr id="3" name="Subtitle 2"/>
           <p:cNvSpPr>
             <a:spLocks noGrp="1"/>
           </p:cNvSpPr>
@@ -197,20 +187,26 @@
         </p:nvSpPr>
         <p:spPr>
           <a:xfrm>
-            <a:off x="1524000" y="3602038"/>
-            <a:ext cx="9144000" cy="1655762"/>
+            <a:off x="2417780" y="3531204"/>
+            <a:ext cx="8637072" cy="977621"/>
           </a:xfrm>
         </p:spPr>
         <p:txBody>
-          <a:bodyPr/>
+          <a:bodyPr tIns="91440" bIns="91440">
+            <a:normAutofit/>
+          </a:bodyPr>
           <a:lstStyle>
-            <a:lvl1pPr marL="0" indent="0" algn="ctr">
-              <a:buNone/>
-              <a:defRPr sz="2400"/>
+            <a:lvl1pPr marL="0" indent="0" algn="l">
+              <a:buNone/>
+              <a:defRPr sz="1800" b="0" cap="all" baseline="0">
+                <a:solidFill>
+                  <a:schemeClr val="tx1"/>
+                </a:solidFill>
+              </a:defRPr>
             </a:lvl1pPr>
             <a:lvl2pPr marL="457200" indent="0" algn="ctr">
               <a:buNone/>
-              <a:defRPr sz="2000"/>
+              <a:defRPr sz="1800"/>
             </a:lvl2pPr>
             <a:lvl3pPr marL="914400" indent="0" algn="ctr">
               <a:buNone/>
@@ -246,18 +242,13 @@
               <a:rPr lang="en-US"/>
               <a:t>Click to edit Master subtitle style</a:t>
             </a:r>
-          </a:p>
-        </p:txBody>
-      </p:sp>
-      <p:sp>
-        <p:nvSpPr>
-          <p:cNvPr id="4" name="Date Placeholder 3">
-            <a:extLst>
-              <a:ext uri="{FF2B5EF4-FFF2-40B4-BE49-F238E27FC236}">
-                <a16:creationId xmlns:a16="http://schemas.microsoft.com/office/drawing/2014/main" id="{9099E956-5584-40A3-A7E0-7B74118642AD}"/>
-              </a:ext>
-            </a:extLst>
-          </p:cNvPr>
+            <a:endParaRPr lang="en-US" dirty="0"/>
+          </a:p>
+        </p:txBody>
+      </p:sp>
+      <p:sp>
+        <p:nvSpPr>
+          <p:cNvPr id="4" name="Date Placeholder 3"/>
           <p:cNvSpPr>
             <a:spLocks noGrp="1"/>
           </p:cNvSpPr>
@@ -272,7 +263,7 @@
           <a:p>
             <a:fld id="{D41921DE-9A10-457F-BA6E-89142AAEB166}" type="datetimeFigureOut">
               <a:rPr lang="en-US" smtClean="0"/>
-              <a:t>10/30/2018</a:t>
+              <a:t>11/4/2018</a:t>
             </a:fld>
             <a:endParaRPr lang="en-US"/>
           </a:p>
@@ -280,13 +271,7 @@
       </p:sp>
       <p:sp>
         <p:nvSpPr>
-          <p:cNvPr id="5" name="Footer Placeholder 4">
-            <a:extLst>
-              <a:ext uri="{FF2B5EF4-FFF2-40B4-BE49-F238E27FC236}">
-                <a16:creationId xmlns:a16="http://schemas.microsoft.com/office/drawing/2014/main" id="{64C33410-B384-4779-B5F8-7DB166DE8872}"/>
-              </a:ext>
-            </a:extLst>
-          </p:cNvPr>
+          <p:cNvPr id="5" name="Footer Placeholder 4"/>
           <p:cNvSpPr>
             <a:spLocks noGrp="1"/>
           </p:cNvSpPr>
@@ -294,7 +279,12 @@
             <p:ph type="ftr" sz="quarter" idx="11"/>
           </p:nvPr>
         </p:nvSpPr>
-        <p:spPr/>
+        <p:spPr>
+          <a:xfrm>
+            <a:off x="2416500" y="329307"/>
+            <a:ext cx="4973915" cy="309201"/>
+          </a:xfrm>
+        </p:spPr>
         <p:txBody>
           <a:bodyPr/>
           <a:lstStyle/>
@@ -305,13 +295,7 @@
       </p:sp>
       <p:sp>
         <p:nvSpPr>
-          <p:cNvPr id="6" name="Slide Number Placeholder 5">
-            <a:extLst>
-              <a:ext uri="{FF2B5EF4-FFF2-40B4-BE49-F238E27FC236}">
-                <a16:creationId xmlns:a16="http://schemas.microsoft.com/office/drawing/2014/main" id="{61C54746-B30A-4D41-A984-5AC9FFA48438}"/>
-              </a:ext>
-            </a:extLst>
-          </p:cNvPr>
+          <p:cNvPr id="6" name="Slide Number Placeholder 5"/>
           <p:cNvSpPr>
             <a:spLocks noGrp="1"/>
           </p:cNvSpPr>
@@ -319,7 +303,12 @@
             <p:ph type="sldNum" sz="quarter" idx="12"/>
           </p:nvPr>
         </p:nvSpPr>
-        <p:spPr/>
+        <p:spPr>
+          <a:xfrm>
+            <a:off x="1437664" y="798973"/>
+            <a:ext cx="811019" cy="503578"/>
+          </a:xfrm>
+        </p:spPr>
         <p:txBody>
           <a:bodyPr/>
           <a:lstStyle/>
@@ -332,10 +321,41 @@
           </a:p>
         </p:txBody>
       </p:sp>
+      <p:cxnSp>
+        <p:nvCxnSpPr>
+          <p:cNvPr id="15" name="Straight Connector 14"/>
+          <p:cNvCxnSpPr/>
+          <p:nvPr/>
+        </p:nvCxnSpPr>
+        <p:spPr>
+          <a:xfrm>
+            <a:off x="2417780" y="3528542"/>
+            <a:ext cx="8637072" cy="0"/>
+          </a:xfrm>
+          <a:prstGeom prst="line">
+            <a:avLst/>
+          </a:prstGeom>
+          <a:ln w="31750"/>
+        </p:spPr>
+        <p:style>
+          <a:lnRef idx="3">
+            <a:schemeClr val="accent1"/>
+          </a:lnRef>
+          <a:fillRef idx="0">
+            <a:schemeClr val="accent1"/>
+          </a:fillRef>
+          <a:effectRef idx="2">
+            <a:schemeClr val="accent1"/>
+          </a:effectRef>
+          <a:fontRef idx="minor">
+            <a:schemeClr val="tx1"/>
+          </a:fontRef>
+        </p:style>
+      </p:cxnSp>
     </p:spTree>
     <p:extLst>
       <p:ext uri="{BB962C8B-B14F-4D97-AF65-F5344CB8AC3E}">
-        <p14:creationId xmlns:p14="http://schemas.microsoft.com/office/powerpoint/2010/main" val="27347424"/>
+        <p14:creationId xmlns:p14="http://schemas.microsoft.com/office/powerpoint/2010/main" val="1184214883"/>
       </p:ext>
     </p:extLst>
   </p:cSld>
@@ -364,13 +384,7 @@
       </p:grpSpPr>
       <p:sp>
         <p:nvSpPr>
-          <p:cNvPr id="2" name="Title 1">
-            <a:extLst>
-              <a:ext uri="{FF2B5EF4-FFF2-40B4-BE49-F238E27FC236}">
-                <a16:creationId xmlns:a16="http://schemas.microsoft.com/office/drawing/2014/main" id="{51571457-43CA-4096-B359-269A64A86F55}"/>
-              </a:ext>
-            </a:extLst>
-          </p:cNvPr>
+          <p:cNvPr id="2" name="Title 1"/>
           <p:cNvSpPr>
             <a:spLocks noGrp="1"/>
           </p:cNvSpPr>
@@ -387,18 +401,13 @@
               <a:rPr lang="en-US"/>
               <a:t>Click to edit Master title style</a:t>
             </a:r>
-          </a:p>
-        </p:txBody>
-      </p:sp>
-      <p:sp>
-        <p:nvSpPr>
-          <p:cNvPr id="3" name="Vertical Text Placeholder 2">
-            <a:extLst>
-              <a:ext uri="{FF2B5EF4-FFF2-40B4-BE49-F238E27FC236}">
-                <a16:creationId xmlns:a16="http://schemas.microsoft.com/office/drawing/2014/main" id="{45FA14D7-38EA-4D58-A8B8-661B0C516E9F}"/>
-              </a:ext>
-            </a:extLst>
-          </p:cNvPr>
+            <a:endParaRPr lang="en-US" dirty="0"/>
+          </a:p>
+        </p:txBody>
+      </p:sp>
+      <p:sp>
+        <p:nvSpPr>
+          <p:cNvPr id="3" name="Vertical Text Placeholder 2"/>
           <p:cNvSpPr>
             <a:spLocks noGrp="1"/>
           </p:cNvSpPr>
@@ -444,18 +453,13 @@
               <a:rPr lang="en-US"/>
               <a:t>Fifth level</a:t>
             </a:r>
-          </a:p>
-        </p:txBody>
-      </p:sp>
-      <p:sp>
-        <p:nvSpPr>
-          <p:cNvPr id="4" name="Date Placeholder 3">
-            <a:extLst>
-              <a:ext uri="{FF2B5EF4-FFF2-40B4-BE49-F238E27FC236}">
-                <a16:creationId xmlns:a16="http://schemas.microsoft.com/office/drawing/2014/main" id="{E02BC266-B0D4-4983-8083-6C6D2C06A152}"/>
-              </a:ext>
-            </a:extLst>
-          </p:cNvPr>
+            <a:endParaRPr lang="en-US" dirty="0"/>
+          </a:p>
+        </p:txBody>
+      </p:sp>
+      <p:sp>
+        <p:nvSpPr>
+          <p:cNvPr id="4" name="Date Placeholder 3"/>
           <p:cNvSpPr>
             <a:spLocks noGrp="1"/>
           </p:cNvSpPr>
@@ -470,7 +474,7 @@
           <a:p>
             <a:fld id="{D41921DE-9A10-457F-BA6E-89142AAEB166}" type="datetimeFigureOut">
               <a:rPr lang="en-US" smtClean="0"/>
-              <a:t>10/30/2018</a:t>
+              <a:t>11/4/2018</a:t>
             </a:fld>
             <a:endParaRPr lang="en-US"/>
           </a:p>
@@ -478,13 +482,7 @@
       </p:sp>
       <p:sp>
         <p:nvSpPr>
-          <p:cNvPr id="5" name="Footer Placeholder 4">
-            <a:extLst>
-              <a:ext uri="{FF2B5EF4-FFF2-40B4-BE49-F238E27FC236}">
-                <a16:creationId xmlns:a16="http://schemas.microsoft.com/office/drawing/2014/main" id="{536623D6-CA59-40B1-BD14-8E3F8A472DAA}"/>
-              </a:ext>
-            </a:extLst>
-          </p:cNvPr>
+          <p:cNvPr id="5" name="Footer Placeholder 4"/>
           <p:cNvSpPr>
             <a:spLocks noGrp="1"/>
           </p:cNvSpPr>
@@ -503,13 +501,7 @@
       </p:sp>
       <p:sp>
         <p:nvSpPr>
-          <p:cNvPr id="6" name="Slide Number Placeholder 5">
-            <a:extLst>
-              <a:ext uri="{FF2B5EF4-FFF2-40B4-BE49-F238E27FC236}">
-                <a16:creationId xmlns:a16="http://schemas.microsoft.com/office/drawing/2014/main" id="{9AC41F61-5650-4511-8B02-4960552B6CEE}"/>
-              </a:ext>
-            </a:extLst>
-          </p:cNvPr>
+          <p:cNvPr id="6" name="Slide Number Placeholder 5"/>
           <p:cNvSpPr>
             <a:spLocks noGrp="1"/>
           </p:cNvSpPr>
@@ -530,10 +522,41 @@
           </a:p>
         </p:txBody>
       </p:sp>
+      <p:cxnSp>
+        <p:nvCxnSpPr>
+          <p:cNvPr id="26" name="Straight Connector 25"/>
+          <p:cNvCxnSpPr/>
+          <p:nvPr/>
+        </p:nvCxnSpPr>
+        <p:spPr>
+          <a:xfrm>
+            <a:off x="1453896" y="1847088"/>
+            <a:ext cx="9607522" cy="0"/>
+          </a:xfrm>
+          <a:prstGeom prst="line">
+            <a:avLst/>
+          </a:prstGeom>
+          <a:ln w="31750"/>
+        </p:spPr>
+        <p:style>
+          <a:lnRef idx="3">
+            <a:schemeClr val="accent1"/>
+          </a:lnRef>
+          <a:fillRef idx="0">
+            <a:schemeClr val="accent1"/>
+          </a:fillRef>
+          <a:effectRef idx="2">
+            <a:schemeClr val="accent1"/>
+          </a:effectRef>
+          <a:fontRef idx="minor">
+            <a:schemeClr val="tx1"/>
+          </a:fontRef>
+        </p:style>
+      </p:cxnSp>
     </p:spTree>
     <p:extLst>
       <p:ext uri="{BB962C8B-B14F-4D97-AF65-F5344CB8AC3E}">
-        <p14:creationId xmlns:p14="http://schemas.microsoft.com/office/powerpoint/2010/main" val="3591734464"/>
+        <p14:creationId xmlns:p14="http://schemas.microsoft.com/office/powerpoint/2010/main" val="4179125491"/>
       </p:ext>
     </p:extLst>
   </p:cSld>
@@ -562,13 +585,7 @@
       </p:grpSpPr>
       <p:sp>
         <p:nvSpPr>
-          <p:cNvPr id="2" name="Vertical Title 1">
-            <a:extLst>
-              <a:ext uri="{FF2B5EF4-FFF2-40B4-BE49-F238E27FC236}">
-                <a16:creationId xmlns:a16="http://schemas.microsoft.com/office/drawing/2014/main" id="{62080872-C1C5-492C-84C2-8A76C6C416C3}"/>
-              </a:ext>
-            </a:extLst>
-          </p:cNvPr>
+          <p:cNvPr id="2" name="Vertical Title 1"/>
           <p:cNvSpPr>
             <a:spLocks noGrp="1"/>
           </p:cNvSpPr>
@@ -578,30 +595,29 @@
         </p:nvSpPr>
         <p:spPr>
           <a:xfrm>
-            <a:off x="8724900" y="365125"/>
-            <a:ext cx="2628900" cy="5811838"/>
+            <a:off x="9439111" y="798973"/>
+            <a:ext cx="1615742" cy="4659889"/>
           </a:xfrm>
         </p:spPr>
         <p:txBody>
           <a:bodyPr vert="eaVert"/>
-          <a:lstStyle/>
+          <a:lstStyle>
+            <a:lvl1pPr algn="l">
+              <a:defRPr/>
+            </a:lvl1pPr>
+          </a:lstStyle>
           <a:p>
             <a:r>
               <a:rPr lang="en-US"/>
               <a:t>Click to edit Master title style</a:t>
             </a:r>
-          </a:p>
-        </p:txBody>
-      </p:sp>
-      <p:sp>
-        <p:nvSpPr>
-          <p:cNvPr id="3" name="Vertical Text Placeholder 2">
-            <a:extLst>
-              <a:ext uri="{FF2B5EF4-FFF2-40B4-BE49-F238E27FC236}">
-                <a16:creationId xmlns:a16="http://schemas.microsoft.com/office/drawing/2014/main" id="{BC192BDD-108F-46D7-BBB1-1324F6510F86}"/>
-              </a:ext>
-            </a:extLst>
-          </p:cNvPr>
+            <a:endParaRPr lang="en-US" dirty="0"/>
+          </a:p>
+        </p:txBody>
+      </p:sp>
+      <p:sp>
+        <p:nvSpPr>
+          <p:cNvPr id="3" name="Vertical Text Placeholder 2"/>
           <p:cNvSpPr>
             <a:spLocks noGrp="1"/>
           </p:cNvSpPr>
@@ -611,8 +627,8 @@
         </p:nvSpPr>
         <p:spPr>
           <a:xfrm>
-            <a:off x="838200" y="365125"/>
-            <a:ext cx="7734300" cy="5811838"/>
+            <a:off x="1444672" y="798973"/>
+            <a:ext cx="7828830" cy="4659889"/>
           </a:xfrm>
         </p:spPr>
         <p:txBody>
@@ -652,18 +668,13 @@
               <a:rPr lang="en-US"/>
               <a:t>Fifth level</a:t>
             </a:r>
-          </a:p>
-        </p:txBody>
-      </p:sp>
-      <p:sp>
-        <p:nvSpPr>
-          <p:cNvPr id="4" name="Date Placeholder 3">
-            <a:extLst>
-              <a:ext uri="{FF2B5EF4-FFF2-40B4-BE49-F238E27FC236}">
-                <a16:creationId xmlns:a16="http://schemas.microsoft.com/office/drawing/2014/main" id="{AACB0ADA-C6A4-4B22-B195-33853EF66C6F}"/>
-              </a:ext>
-            </a:extLst>
-          </p:cNvPr>
+            <a:endParaRPr lang="en-US" dirty="0"/>
+          </a:p>
+        </p:txBody>
+      </p:sp>
+      <p:sp>
+        <p:nvSpPr>
+          <p:cNvPr id="4" name="Date Placeholder 3"/>
           <p:cNvSpPr>
             <a:spLocks noGrp="1"/>
           </p:cNvSpPr>
@@ -678,7 +689,7 @@
           <a:p>
             <a:fld id="{D41921DE-9A10-457F-BA6E-89142AAEB166}" type="datetimeFigureOut">
               <a:rPr lang="en-US" smtClean="0"/>
-              <a:t>10/30/2018</a:t>
+              <a:t>11/4/2018</a:t>
             </a:fld>
             <a:endParaRPr lang="en-US"/>
           </a:p>
@@ -686,13 +697,7 @@
       </p:sp>
       <p:sp>
         <p:nvSpPr>
-          <p:cNvPr id="5" name="Footer Placeholder 4">
-            <a:extLst>
-              <a:ext uri="{FF2B5EF4-FFF2-40B4-BE49-F238E27FC236}">
-                <a16:creationId xmlns:a16="http://schemas.microsoft.com/office/drawing/2014/main" id="{C4825BF9-1404-4B5A-8AD8-8A642B407DE8}"/>
-              </a:ext>
-            </a:extLst>
-          </p:cNvPr>
+          <p:cNvPr id="5" name="Footer Placeholder 4"/>
           <p:cNvSpPr>
             <a:spLocks noGrp="1"/>
           </p:cNvSpPr>
@@ -711,13 +716,7 @@
       </p:sp>
       <p:sp>
         <p:nvSpPr>
-          <p:cNvPr id="6" name="Slide Number Placeholder 5">
-            <a:extLst>
-              <a:ext uri="{FF2B5EF4-FFF2-40B4-BE49-F238E27FC236}">
-                <a16:creationId xmlns:a16="http://schemas.microsoft.com/office/drawing/2014/main" id="{1ED9903E-7090-4A96-906D-50991CA443D7}"/>
-              </a:ext>
-            </a:extLst>
-          </p:cNvPr>
+          <p:cNvPr id="6" name="Slide Number Placeholder 5"/>
           <p:cNvSpPr>
             <a:spLocks noGrp="1"/>
           </p:cNvSpPr>
@@ -738,10 +737,41 @@
           </a:p>
         </p:txBody>
       </p:sp>
+      <p:cxnSp>
+        <p:nvCxnSpPr>
+          <p:cNvPr id="15" name="Straight Connector 14"/>
+          <p:cNvCxnSpPr/>
+          <p:nvPr/>
+        </p:nvCxnSpPr>
+        <p:spPr>
+          <a:xfrm>
+            <a:off x="9439111" y="798973"/>
+            <a:ext cx="0" cy="4659889"/>
+          </a:xfrm>
+          <a:prstGeom prst="line">
+            <a:avLst/>
+          </a:prstGeom>
+          <a:ln w="31750"/>
+        </p:spPr>
+        <p:style>
+          <a:lnRef idx="3">
+            <a:schemeClr val="accent1"/>
+          </a:lnRef>
+          <a:fillRef idx="0">
+            <a:schemeClr val="accent1"/>
+          </a:fillRef>
+          <a:effectRef idx="2">
+            <a:schemeClr val="accent1"/>
+          </a:effectRef>
+          <a:fontRef idx="minor">
+            <a:schemeClr val="tx1"/>
+          </a:fontRef>
+        </p:style>
+      </p:cxnSp>
     </p:spTree>
     <p:extLst>
       <p:ext uri="{BB962C8B-B14F-4D97-AF65-F5344CB8AC3E}">
-        <p14:creationId xmlns:p14="http://schemas.microsoft.com/office/powerpoint/2010/main" val="107349907"/>
+        <p14:creationId xmlns:p14="http://schemas.microsoft.com/office/powerpoint/2010/main" val="1389478089"/>
       </p:ext>
     </p:extLst>
   </p:cSld>
@@ -770,13 +800,7 @@
       </p:grpSpPr>
       <p:sp>
         <p:nvSpPr>
-          <p:cNvPr id="2" name="Title 1">
-            <a:extLst>
-              <a:ext uri="{FF2B5EF4-FFF2-40B4-BE49-F238E27FC236}">
-                <a16:creationId xmlns:a16="http://schemas.microsoft.com/office/drawing/2014/main" id="{509C29EC-9420-4646-AFCA-D99F0D1BFF1E}"/>
-              </a:ext>
-            </a:extLst>
-          </p:cNvPr>
+          <p:cNvPr id="2" name="Title 1"/>
           <p:cNvSpPr>
             <a:spLocks noGrp="1"/>
           </p:cNvSpPr>
@@ -793,18 +817,13 @@
               <a:rPr lang="en-US"/>
               <a:t>Click to edit Master title style</a:t>
             </a:r>
-          </a:p>
-        </p:txBody>
-      </p:sp>
-      <p:sp>
-        <p:nvSpPr>
-          <p:cNvPr id="3" name="Content Placeholder 2">
-            <a:extLst>
-              <a:ext uri="{FF2B5EF4-FFF2-40B4-BE49-F238E27FC236}">
-                <a16:creationId xmlns:a16="http://schemas.microsoft.com/office/drawing/2014/main" id="{22A5277F-8938-4164-B1A0-DBAD881B6F3D}"/>
-              </a:ext>
-            </a:extLst>
-          </p:cNvPr>
+            <a:endParaRPr lang="en-US" dirty="0"/>
+          </a:p>
+        </p:txBody>
+      </p:sp>
+      <p:sp>
+        <p:nvSpPr>
+          <p:cNvPr id="3" name="Content Placeholder 2"/>
           <p:cNvSpPr>
             <a:spLocks noGrp="1"/>
           </p:cNvSpPr>
@@ -814,7 +833,7 @@
         </p:nvSpPr>
         <p:spPr/>
         <p:txBody>
-          <a:bodyPr/>
+          <a:bodyPr anchor="t"/>
           <a:lstStyle/>
           <a:p>
             <a:pPr lvl="0"/>
@@ -850,18 +869,13 @@
               <a:rPr lang="en-US"/>
               <a:t>Fifth level</a:t>
             </a:r>
-          </a:p>
-        </p:txBody>
-      </p:sp>
-      <p:sp>
-        <p:nvSpPr>
-          <p:cNvPr id="4" name="Date Placeholder 3">
-            <a:extLst>
-              <a:ext uri="{FF2B5EF4-FFF2-40B4-BE49-F238E27FC236}">
-                <a16:creationId xmlns:a16="http://schemas.microsoft.com/office/drawing/2014/main" id="{C2D91391-B2CE-49AE-9A6F-3EB648EC7FD7}"/>
-              </a:ext>
-            </a:extLst>
-          </p:cNvPr>
+            <a:endParaRPr lang="en-US" dirty="0"/>
+          </a:p>
+        </p:txBody>
+      </p:sp>
+      <p:sp>
+        <p:nvSpPr>
+          <p:cNvPr id="4" name="Date Placeholder 3"/>
           <p:cNvSpPr>
             <a:spLocks noGrp="1"/>
           </p:cNvSpPr>
@@ -876,7 +890,7 @@
           <a:p>
             <a:fld id="{D41921DE-9A10-457F-BA6E-89142AAEB166}" type="datetimeFigureOut">
               <a:rPr lang="en-US" smtClean="0"/>
-              <a:t>10/30/2018</a:t>
+              <a:t>11/4/2018</a:t>
             </a:fld>
             <a:endParaRPr lang="en-US"/>
           </a:p>
@@ -884,13 +898,7 @@
       </p:sp>
       <p:sp>
         <p:nvSpPr>
-          <p:cNvPr id="5" name="Footer Placeholder 4">
-            <a:extLst>
-              <a:ext uri="{FF2B5EF4-FFF2-40B4-BE49-F238E27FC236}">
-                <a16:creationId xmlns:a16="http://schemas.microsoft.com/office/drawing/2014/main" id="{4C6F8DE9-18E0-462B-9744-3C18E09043BB}"/>
-              </a:ext>
-            </a:extLst>
-          </p:cNvPr>
+          <p:cNvPr id="5" name="Footer Placeholder 4"/>
           <p:cNvSpPr>
             <a:spLocks noGrp="1"/>
           </p:cNvSpPr>
@@ -909,13 +917,7 @@
       </p:sp>
       <p:sp>
         <p:nvSpPr>
-          <p:cNvPr id="6" name="Slide Number Placeholder 5">
-            <a:extLst>
-              <a:ext uri="{FF2B5EF4-FFF2-40B4-BE49-F238E27FC236}">
-                <a16:creationId xmlns:a16="http://schemas.microsoft.com/office/drawing/2014/main" id="{AE8B59DF-FACB-48D6-8D78-B790477EBBC4}"/>
-              </a:ext>
-            </a:extLst>
-          </p:cNvPr>
+          <p:cNvPr id="6" name="Slide Number Placeholder 5"/>
           <p:cNvSpPr>
             <a:spLocks noGrp="1"/>
           </p:cNvSpPr>
@@ -936,10 +938,41 @@
           </a:p>
         </p:txBody>
       </p:sp>
+      <p:cxnSp>
+        <p:nvCxnSpPr>
+          <p:cNvPr id="33" name="Straight Connector 32"/>
+          <p:cNvCxnSpPr/>
+          <p:nvPr/>
+        </p:nvCxnSpPr>
+        <p:spPr>
+          <a:xfrm>
+            <a:off x="1453896" y="1847088"/>
+            <a:ext cx="9607522" cy="0"/>
+          </a:xfrm>
+          <a:prstGeom prst="line">
+            <a:avLst/>
+          </a:prstGeom>
+          <a:ln w="31750"/>
+        </p:spPr>
+        <p:style>
+          <a:lnRef idx="3">
+            <a:schemeClr val="accent1"/>
+          </a:lnRef>
+          <a:fillRef idx="0">
+            <a:schemeClr val="accent1"/>
+          </a:fillRef>
+          <a:effectRef idx="2">
+            <a:schemeClr val="accent1"/>
+          </a:effectRef>
+          <a:fontRef idx="minor">
+            <a:schemeClr val="tx1"/>
+          </a:fontRef>
+        </p:style>
+      </p:cxnSp>
     </p:spTree>
     <p:extLst>
       <p:ext uri="{BB962C8B-B14F-4D97-AF65-F5344CB8AC3E}">
-        <p14:creationId xmlns:p14="http://schemas.microsoft.com/office/powerpoint/2010/main" val="1260069722"/>
+        <p14:creationId xmlns:p14="http://schemas.microsoft.com/office/powerpoint/2010/main" val="3768557207"/>
       </p:ext>
     </p:extLst>
   </p:cSld>
@@ -968,13 +1001,7 @@
       </p:grpSpPr>
       <p:sp>
         <p:nvSpPr>
-          <p:cNvPr id="2" name="Title 1">
-            <a:extLst>
-              <a:ext uri="{FF2B5EF4-FFF2-40B4-BE49-F238E27FC236}">
-                <a16:creationId xmlns:a16="http://schemas.microsoft.com/office/drawing/2014/main" id="{13EBA1CE-E9F9-4FC0-A6F4-443EE54B7CE1}"/>
-              </a:ext>
-            </a:extLst>
-          </p:cNvPr>
+          <p:cNvPr id="2" name="Title 1"/>
           <p:cNvSpPr>
             <a:spLocks noGrp="1"/>
           </p:cNvSpPr>
@@ -984,15 +1011,17 @@
         </p:nvSpPr>
         <p:spPr>
           <a:xfrm>
-            <a:off x="831850" y="1709738"/>
-            <a:ext cx="10515600" cy="2852737"/>
+            <a:off x="1454239" y="1756130"/>
+            <a:ext cx="8643154" cy="1887950"/>
           </a:xfrm>
         </p:spPr>
         <p:txBody>
-          <a:bodyPr anchor="b"/>
+          <a:bodyPr anchor="b">
+            <a:normAutofit/>
+          </a:bodyPr>
           <a:lstStyle>
-            <a:lvl1pPr>
-              <a:defRPr sz="6000"/>
+            <a:lvl1pPr algn="l">
+              <a:defRPr sz="3600"/>
             </a:lvl1pPr>
           </a:lstStyle>
           <a:p>
@@ -1000,18 +1029,13 @@
               <a:rPr lang="en-US"/>
               <a:t>Click to edit Master title style</a:t>
             </a:r>
-          </a:p>
-        </p:txBody>
-      </p:sp>
-      <p:sp>
-        <p:nvSpPr>
-          <p:cNvPr id="3" name="Text Placeholder 2">
-            <a:extLst>
-              <a:ext uri="{FF2B5EF4-FFF2-40B4-BE49-F238E27FC236}">
-                <a16:creationId xmlns:a16="http://schemas.microsoft.com/office/drawing/2014/main" id="{8E125918-6D61-41D0-AE6B-661C37D77202}"/>
-              </a:ext>
-            </a:extLst>
-          </p:cNvPr>
+            <a:endParaRPr lang="en-US" dirty="0"/>
+          </a:p>
+        </p:txBody>
+      </p:sp>
+      <p:sp>
+        <p:nvSpPr>
+          <p:cNvPr id="3" name="Text Placeholder 2"/>
           <p:cNvSpPr>
             <a:spLocks noGrp="1"/>
           </p:cNvSpPr>
@@ -1021,26 +1045,26 @@
         </p:nvSpPr>
         <p:spPr>
           <a:xfrm>
-            <a:off x="831850" y="4589463"/>
-            <a:ext cx="10515600" cy="1500187"/>
+            <a:off x="1454239" y="3806195"/>
+            <a:ext cx="8630446" cy="1012929"/>
           </a:xfrm>
         </p:spPr>
         <p:txBody>
-          <a:bodyPr/>
+          <a:bodyPr tIns="91440">
+            <a:normAutofit/>
+          </a:bodyPr>
           <a:lstStyle>
-            <a:lvl1pPr marL="0" indent="0">
-              <a:buNone/>
-              <a:defRPr sz="2400">
+            <a:lvl1pPr marL="0" indent="0" algn="l">
+              <a:buNone/>
+              <a:defRPr sz="1800">
                 <a:solidFill>
-                  <a:schemeClr val="tx1">
-                    <a:tint val="75000"/>
-                  </a:schemeClr>
+                  <a:schemeClr val="tx1"/>
                 </a:solidFill>
               </a:defRPr>
             </a:lvl1pPr>
             <a:lvl2pPr marL="457200" indent="0">
               <a:buNone/>
-              <a:defRPr sz="2000">
+              <a:defRPr sz="1800">
                 <a:solidFill>
                   <a:schemeClr val="tx1">
                     <a:tint val="75000"/>
@@ -1130,13 +1154,7 @@
       </p:sp>
       <p:sp>
         <p:nvSpPr>
-          <p:cNvPr id="4" name="Date Placeholder 3">
-            <a:extLst>
-              <a:ext uri="{FF2B5EF4-FFF2-40B4-BE49-F238E27FC236}">
-                <a16:creationId xmlns:a16="http://schemas.microsoft.com/office/drawing/2014/main" id="{BBCBE3FD-7536-42C0-BE98-00F9140FA37E}"/>
-              </a:ext>
-            </a:extLst>
-          </p:cNvPr>
+          <p:cNvPr id="4" name="Date Placeholder 3"/>
           <p:cNvSpPr>
             <a:spLocks noGrp="1"/>
           </p:cNvSpPr>
@@ -1151,7 +1169,7 @@
           <a:p>
             <a:fld id="{D41921DE-9A10-457F-BA6E-89142AAEB166}" type="datetimeFigureOut">
               <a:rPr lang="en-US" smtClean="0"/>
-              <a:t>10/30/2018</a:t>
+              <a:t>11/4/2018</a:t>
             </a:fld>
             <a:endParaRPr lang="en-US"/>
           </a:p>
@@ -1159,13 +1177,7 @@
       </p:sp>
       <p:sp>
         <p:nvSpPr>
-          <p:cNvPr id="5" name="Footer Placeholder 4">
-            <a:extLst>
-              <a:ext uri="{FF2B5EF4-FFF2-40B4-BE49-F238E27FC236}">
-                <a16:creationId xmlns:a16="http://schemas.microsoft.com/office/drawing/2014/main" id="{41C47802-4A7A-459F-AB1E-26ECDC5DAB40}"/>
-              </a:ext>
-            </a:extLst>
-          </p:cNvPr>
+          <p:cNvPr id="5" name="Footer Placeholder 4"/>
           <p:cNvSpPr>
             <a:spLocks noGrp="1"/>
           </p:cNvSpPr>
@@ -1184,13 +1196,7 @@
       </p:sp>
       <p:sp>
         <p:nvSpPr>
-          <p:cNvPr id="6" name="Slide Number Placeholder 5">
-            <a:extLst>
-              <a:ext uri="{FF2B5EF4-FFF2-40B4-BE49-F238E27FC236}">
-                <a16:creationId xmlns:a16="http://schemas.microsoft.com/office/drawing/2014/main" id="{CB4183FF-16FE-4A2B-BC0E-4C80211F809A}"/>
-              </a:ext>
-            </a:extLst>
-          </p:cNvPr>
+          <p:cNvPr id="6" name="Slide Number Placeholder 5"/>
           <p:cNvSpPr>
             <a:spLocks noGrp="1"/>
           </p:cNvSpPr>
@@ -1211,10 +1217,41 @@
           </a:p>
         </p:txBody>
       </p:sp>
+      <p:cxnSp>
+        <p:nvCxnSpPr>
+          <p:cNvPr id="15" name="Straight Connector 14"/>
+          <p:cNvCxnSpPr/>
+          <p:nvPr/>
+        </p:nvCxnSpPr>
+        <p:spPr>
+          <a:xfrm>
+            <a:off x="1454239" y="3804985"/>
+            <a:ext cx="8630446" cy="0"/>
+          </a:xfrm>
+          <a:prstGeom prst="line">
+            <a:avLst/>
+          </a:prstGeom>
+          <a:ln w="31750"/>
+        </p:spPr>
+        <p:style>
+          <a:lnRef idx="3">
+            <a:schemeClr val="accent1"/>
+          </a:lnRef>
+          <a:fillRef idx="0">
+            <a:schemeClr val="accent1"/>
+          </a:fillRef>
+          <a:effectRef idx="2">
+            <a:schemeClr val="accent1"/>
+          </a:effectRef>
+          <a:fontRef idx="minor">
+            <a:schemeClr val="tx1"/>
+          </a:fontRef>
+        </p:style>
+      </p:cxnSp>
     </p:spTree>
     <p:extLst>
       <p:ext uri="{BB962C8B-B14F-4D97-AF65-F5344CB8AC3E}">
-        <p14:creationId xmlns:p14="http://schemas.microsoft.com/office/powerpoint/2010/main" val="171871179"/>
+        <p14:creationId xmlns:p14="http://schemas.microsoft.com/office/powerpoint/2010/main" val="3269103519"/>
       </p:ext>
     </p:extLst>
   </p:cSld>
@@ -1243,114 +1280,46 @@
       </p:grpSpPr>
       <p:sp>
         <p:nvSpPr>
-          <p:cNvPr id="2" name="Title 1">
-            <a:extLst>
-              <a:ext uri="{FF2B5EF4-FFF2-40B4-BE49-F238E27FC236}">
-                <a16:creationId xmlns:a16="http://schemas.microsoft.com/office/drawing/2014/main" id="{D468AF43-2A3F-4BFD-BDDD-5CA779B7BCC5}"/>
-              </a:ext>
-            </a:extLst>
-          </p:cNvPr>
+          <p:cNvPr id="2" name="Title 1"/>
           <p:cNvSpPr>
             <a:spLocks noGrp="1"/>
           </p:cNvSpPr>
           <p:nvPr>
             <p:ph type="title"/>
-          </p:nvPr>
-        </p:nvSpPr>
-        <p:spPr/>
-        <p:txBody>
-          <a:bodyPr/>
-          <a:lstStyle/>
-          <a:p>
-            <a:r>
-              <a:rPr lang="en-US"/>
-              <a:t>Click to edit Master title style</a:t>
-            </a:r>
-          </a:p>
-        </p:txBody>
-      </p:sp>
-      <p:sp>
-        <p:nvSpPr>
-          <p:cNvPr id="3" name="Content Placeholder 2">
-            <a:extLst>
-              <a:ext uri="{FF2B5EF4-FFF2-40B4-BE49-F238E27FC236}">
-                <a16:creationId xmlns:a16="http://schemas.microsoft.com/office/drawing/2014/main" id="{C06BA3F1-A95C-49F0-9714-C0AFEA859119}"/>
-              </a:ext>
-            </a:extLst>
-          </p:cNvPr>
-          <p:cNvSpPr>
-            <a:spLocks noGrp="1"/>
-          </p:cNvSpPr>
-          <p:nvPr>
-            <p:ph sz="half" idx="1"/>
           </p:nvPr>
         </p:nvSpPr>
         <p:spPr>
           <a:xfrm>
-            <a:off x="838200" y="1825625"/>
-            <a:ext cx="5181600" cy="4351338"/>
+            <a:off x="1449217" y="804889"/>
+            <a:ext cx="9605635" cy="1059305"/>
           </a:xfrm>
         </p:spPr>
         <p:txBody>
           <a:bodyPr/>
           <a:lstStyle/>
           <a:p>
-            <a:pPr lvl="0"/>
-            <a:r>
-              <a:rPr lang="en-US"/>
-              <a:t>Edit Master text styles</a:t>
-            </a:r>
-          </a:p>
-          <a:p>
-            <a:pPr lvl="1"/>
-            <a:r>
-              <a:rPr lang="en-US"/>
-              <a:t>Second level</a:t>
-            </a:r>
-          </a:p>
-          <a:p>
-            <a:pPr lvl="2"/>
-            <a:r>
-              <a:rPr lang="en-US"/>
-              <a:t>Third level</a:t>
-            </a:r>
-          </a:p>
-          <a:p>
-            <a:pPr lvl="3"/>
-            <a:r>
-              <a:rPr lang="en-US"/>
-              <a:t>Fourth level</a:t>
-            </a:r>
-          </a:p>
-          <a:p>
-            <a:pPr lvl="4"/>
-            <a:r>
-              <a:rPr lang="en-US"/>
-              <a:t>Fifth level</a:t>
-            </a:r>
-          </a:p>
-        </p:txBody>
-      </p:sp>
-      <p:sp>
-        <p:nvSpPr>
-          <p:cNvPr id="4" name="Content Placeholder 3">
-            <a:extLst>
-              <a:ext uri="{FF2B5EF4-FFF2-40B4-BE49-F238E27FC236}">
-                <a16:creationId xmlns:a16="http://schemas.microsoft.com/office/drawing/2014/main" id="{900A3513-86C9-4E0F-9A92-DDB486D8193A}"/>
-              </a:ext>
-            </a:extLst>
-          </p:cNvPr>
-          <p:cNvSpPr>
-            <a:spLocks noGrp="1"/>
-          </p:cNvSpPr>
-          <p:nvPr>
-            <p:ph sz="half" idx="2"/>
+            <a:r>
+              <a:rPr lang="en-US"/>
+              <a:t>Click to edit Master title style</a:t>
+            </a:r>
+            <a:endParaRPr lang="en-US" dirty="0"/>
+          </a:p>
+        </p:txBody>
+      </p:sp>
+      <p:sp>
+        <p:nvSpPr>
+          <p:cNvPr id="3" name="Content Placeholder 2"/>
+          <p:cNvSpPr>
+            <a:spLocks noGrp="1"/>
+          </p:cNvSpPr>
+          <p:nvPr>
+            <p:ph sz="half" idx="1"/>
           </p:nvPr>
         </p:nvSpPr>
         <p:spPr>
           <a:xfrm>
-            <a:off x="6172200" y="1825625"/>
-            <a:ext cx="5181600" cy="4351338"/>
+            <a:off x="1447331" y="2010878"/>
+            <a:ext cx="4645152" cy="3448595"/>
           </a:xfrm>
         </p:spPr>
         <p:txBody>
@@ -1390,18 +1359,70 @@
               <a:rPr lang="en-US"/>
               <a:t>Fifth level</a:t>
             </a:r>
-          </a:p>
-        </p:txBody>
-      </p:sp>
-      <p:sp>
-        <p:nvSpPr>
-          <p:cNvPr id="5" name="Date Placeholder 4">
-            <a:extLst>
-              <a:ext uri="{FF2B5EF4-FFF2-40B4-BE49-F238E27FC236}">
-                <a16:creationId xmlns:a16="http://schemas.microsoft.com/office/drawing/2014/main" id="{6AE2E8CC-69EE-4DB8-A868-078D245C74DD}"/>
-              </a:ext>
-            </a:extLst>
-          </p:cNvPr>
+            <a:endParaRPr lang="en-US" dirty="0"/>
+          </a:p>
+        </p:txBody>
+      </p:sp>
+      <p:sp>
+        <p:nvSpPr>
+          <p:cNvPr id="4" name="Content Placeholder 3"/>
+          <p:cNvSpPr>
+            <a:spLocks noGrp="1"/>
+          </p:cNvSpPr>
+          <p:nvPr>
+            <p:ph sz="half" idx="2"/>
+          </p:nvPr>
+        </p:nvSpPr>
+        <p:spPr>
+          <a:xfrm>
+            <a:off x="6413771" y="2017343"/>
+            <a:ext cx="4645152" cy="3441520"/>
+          </a:xfrm>
+        </p:spPr>
+        <p:txBody>
+          <a:bodyPr/>
+          <a:lstStyle/>
+          <a:p>
+            <a:pPr lvl="0"/>
+            <a:r>
+              <a:rPr lang="en-US"/>
+              <a:t>Edit Master text styles</a:t>
+            </a:r>
+          </a:p>
+          <a:p>
+            <a:pPr lvl="1"/>
+            <a:r>
+              <a:rPr lang="en-US"/>
+              <a:t>Second level</a:t>
+            </a:r>
+          </a:p>
+          <a:p>
+            <a:pPr lvl="2"/>
+            <a:r>
+              <a:rPr lang="en-US"/>
+              <a:t>Third level</a:t>
+            </a:r>
+          </a:p>
+          <a:p>
+            <a:pPr lvl="3"/>
+            <a:r>
+              <a:rPr lang="en-US"/>
+              <a:t>Fourth level</a:t>
+            </a:r>
+          </a:p>
+          <a:p>
+            <a:pPr lvl="4"/>
+            <a:r>
+              <a:rPr lang="en-US"/>
+              <a:t>Fifth level</a:t>
+            </a:r>
+            <a:endParaRPr lang="en-US" dirty="0"/>
+          </a:p>
+        </p:txBody>
+      </p:sp>
+      <p:sp>
+        <p:nvSpPr>
+          <p:cNvPr id="5" name="Date Placeholder 4"/>
           <p:cNvSpPr>
             <a:spLocks noGrp="1"/>
           </p:cNvSpPr>
@@ -1416,7 +1437,7 @@
           <a:p>
             <a:fld id="{D41921DE-9A10-457F-BA6E-89142AAEB166}" type="datetimeFigureOut">
               <a:rPr lang="en-US" smtClean="0"/>
-              <a:t>10/30/2018</a:t>
+              <a:t>11/4/2018</a:t>
             </a:fld>
             <a:endParaRPr lang="en-US"/>
           </a:p>
@@ -1424,13 +1445,7 @@
       </p:sp>
       <p:sp>
         <p:nvSpPr>
-          <p:cNvPr id="6" name="Footer Placeholder 5">
-            <a:extLst>
-              <a:ext uri="{FF2B5EF4-FFF2-40B4-BE49-F238E27FC236}">
-                <a16:creationId xmlns:a16="http://schemas.microsoft.com/office/drawing/2014/main" id="{EBDF18E6-A4D1-4837-8656-BE8E7319203F}"/>
-              </a:ext>
-            </a:extLst>
-          </p:cNvPr>
+          <p:cNvPr id="6" name="Footer Placeholder 5"/>
           <p:cNvSpPr>
             <a:spLocks noGrp="1"/>
           </p:cNvSpPr>
@@ -1449,13 +1464,7 @@
       </p:sp>
       <p:sp>
         <p:nvSpPr>
-          <p:cNvPr id="7" name="Slide Number Placeholder 6">
-            <a:extLst>
-              <a:ext uri="{FF2B5EF4-FFF2-40B4-BE49-F238E27FC236}">
-                <a16:creationId xmlns:a16="http://schemas.microsoft.com/office/drawing/2014/main" id="{A30E1D02-EFE6-4383-956A-E7C68CB8394A}"/>
-              </a:ext>
-            </a:extLst>
-          </p:cNvPr>
+          <p:cNvPr id="7" name="Slide Number Placeholder 6"/>
           <p:cNvSpPr>
             <a:spLocks noGrp="1"/>
           </p:cNvSpPr>
@@ -1476,10 +1485,41 @@
           </a:p>
         </p:txBody>
       </p:sp>
+      <p:cxnSp>
+        <p:nvCxnSpPr>
+          <p:cNvPr id="35" name="Straight Connector 34"/>
+          <p:cNvCxnSpPr/>
+          <p:nvPr/>
+        </p:nvCxnSpPr>
+        <p:spPr>
+          <a:xfrm>
+            <a:off x="1453896" y="1847088"/>
+            <a:ext cx="9607522" cy="0"/>
+          </a:xfrm>
+          <a:prstGeom prst="line">
+            <a:avLst/>
+          </a:prstGeom>
+          <a:ln w="31750"/>
+        </p:spPr>
+        <p:style>
+          <a:lnRef idx="3">
+            <a:schemeClr val="accent1"/>
+          </a:lnRef>
+          <a:fillRef idx="0">
+            <a:schemeClr val="accent1"/>
+          </a:fillRef>
+          <a:effectRef idx="2">
+            <a:schemeClr val="accent1"/>
+          </a:effectRef>
+          <a:fontRef idx="minor">
+            <a:schemeClr val="tx1"/>
+          </a:fontRef>
+        </p:style>
+      </p:cxnSp>
     </p:spTree>
     <p:extLst>
       <p:ext uri="{BB962C8B-B14F-4D97-AF65-F5344CB8AC3E}">
-        <p14:creationId xmlns:p14="http://schemas.microsoft.com/office/powerpoint/2010/main" val="243679796"/>
+        <p14:creationId xmlns:p14="http://schemas.microsoft.com/office/powerpoint/2010/main" val="1413767932"/>
       </p:ext>
     </p:extLst>
   </p:cSld>
@@ -1508,13 +1548,7 @@
       </p:grpSpPr>
       <p:sp>
         <p:nvSpPr>
-          <p:cNvPr id="2" name="Title 1">
-            <a:extLst>
-              <a:ext uri="{FF2B5EF4-FFF2-40B4-BE49-F238E27FC236}">
-                <a16:creationId xmlns:a16="http://schemas.microsoft.com/office/drawing/2014/main" id="{9EDC4014-C29F-489B-94DE-883155C05D7B}"/>
-              </a:ext>
-            </a:extLst>
-          </p:cNvPr>
+          <p:cNvPr id="2" name="Title 1"/>
           <p:cNvSpPr>
             <a:spLocks noGrp="1"/>
           </p:cNvSpPr>
@@ -1524,8 +1558,8 @@
         </p:nvSpPr>
         <p:spPr>
           <a:xfrm>
-            <a:off x="839788" y="365125"/>
-            <a:ext cx="10515600" cy="1325563"/>
+            <a:off x="1447191" y="804163"/>
+            <a:ext cx="9607661" cy="1056319"/>
           </a:xfrm>
         </p:spPr>
         <p:txBody>
@@ -1536,18 +1570,13 @@
               <a:rPr lang="en-US"/>
               <a:t>Click to edit Master title style</a:t>
             </a:r>
-          </a:p>
-        </p:txBody>
-      </p:sp>
-      <p:sp>
-        <p:nvSpPr>
-          <p:cNvPr id="3" name="Text Placeholder 2">
-            <a:extLst>
-              <a:ext uri="{FF2B5EF4-FFF2-40B4-BE49-F238E27FC236}">
-                <a16:creationId xmlns:a16="http://schemas.microsoft.com/office/drawing/2014/main" id="{E7AB8841-0CC8-4010-9188-333B2DBA1170}"/>
-              </a:ext>
-            </a:extLst>
-          </p:cNvPr>
+            <a:endParaRPr lang="en-US" dirty="0"/>
+          </a:p>
+        </p:txBody>
+      </p:sp>
+      <p:sp>
+        <p:nvSpPr>
+          <p:cNvPr id="3" name="Text Placeholder 2"/>
           <p:cNvSpPr>
             <a:spLocks noGrp="1"/>
           </p:cNvSpPr>
@@ -1557,16 +1586,25 @@
         </p:nvSpPr>
         <p:spPr>
           <a:xfrm>
-            <a:off x="839788" y="1681163"/>
-            <a:ext cx="5157787" cy="823912"/>
+            <a:off x="1447191" y="2019549"/>
+            <a:ext cx="4645152" cy="801943"/>
           </a:xfrm>
         </p:spPr>
         <p:txBody>
-          <a:bodyPr anchor="b"/>
+          <a:bodyPr anchor="b">
+            <a:normAutofit/>
+          </a:bodyPr>
           <a:lstStyle>
             <a:lvl1pPr marL="0" indent="0">
-              <a:buNone/>
-              <a:defRPr sz="2400" b="1"/>
+              <a:lnSpc>
+                <a:spcPct val="100000"/>
+              </a:lnSpc>
+              <a:buNone/>
+              <a:defRPr sz="2200" b="0" cap="all" baseline="0">
+                <a:solidFill>
+                  <a:schemeClr val="accent1"/>
+                </a:solidFill>
+              </a:defRPr>
             </a:lvl1pPr>
             <a:lvl2pPr marL="457200" indent="0">
               <a:buNone/>
@@ -1612,13 +1650,7 @@
       </p:sp>
       <p:sp>
         <p:nvSpPr>
-          <p:cNvPr id="4" name="Content Placeholder 3">
-            <a:extLst>
-              <a:ext uri="{FF2B5EF4-FFF2-40B4-BE49-F238E27FC236}">
-                <a16:creationId xmlns:a16="http://schemas.microsoft.com/office/drawing/2014/main" id="{ABE60514-CE51-4620-9DDD-6FD993F46FC3}"/>
-              </a:ext>
-            </a:extLst>
-          </p:cNvPr>
+          <p:cNvPr id="4" name="Content Placeholder 3"/>
           <p:cNvSpPr>
             <a:spLocks noGrp="1"/>
           </p:cNvSpPr>
@@ -1628,8 +1660,8 @@
         </p:nvSpPr>
         <p:spPr>
           <a:xfrm>
-            <a:off x="839788" y="2505075"/>
-            <a:ext cx="5157787" cy="3684588"/>
+            <a:off x="1447191" y="2824269"/>
+            <a:ext cx="4645152" cy="2644457"/>
           </a:xfrm>
         </p:spPr>
         <p:txBody>
@@ -1669,18 +1701,13 @@
               <a:rPr lang="en-US"/>
               <a:t>Fifth level</a:t>
             </a:r>
-          </a:p>
-        </p:txBody>
-      </p:sp>
-      <p:sp>
-        <p:nvSpPr>
-          <p:cNvPr id="5" name="Text Placeholder 4">
-            <a:extLst>
-              <a:ext uri="{FF2B5EF4-FFF2-40B4-BE49-F238E27FC236}">
-                <a16:creationId xmlns:a16="http://schemas.microsoft.com/office/drawing/2014/main" id="{23C14929-62D9-4D3E-A254-655FEFF04A10}"/>
-              </a:ext>
-            </a:extLst>
-          </p:cNvPr>
+            <a:endParaRPr lang="en-US" dirty="0"/>
+          </a:p>
+        </p:txBody>
+      </p:sp>
+      <p:sp>
+        <p:nvSpPr>
+          <p:cNvPr id="5" name="Text Placeholder 4"/>
           <p:cNvSpPr>
             <a:spLocks noGrp="1"/>
           </p:cNvSpPr>
@@ -1690,16 +1717,25 @@
         </p:nvSpPr>
         <p:spPr>
           <a:xfrm>
-            <a:off x="6172200" y="1681163"/>
-            <a:ext cx="5183188" cy="823912"/>
+            <a:off x="6412362" y="2023003"/>
+            <a:ext cx="4645152" cy="802237"/>
           </a:xfrm>
         </p:spPr>
         <p:txBody>
-          <a:bodyPr anchor="b"/>
+          <a:bodyPr anchor="b">
+            <a:normAutofit/>
+          </a:bodyPr>
           <a:lstStyle>
             <a:lvl1pPr marL="0" indent="0">
-              <a:buNone/>
-              <a:defRPr sz="2400" b="1"/>
+              <a:lnSpc>
+                <a:spcPct val="100000"/>
+              </a:lnSpc>
+              <a:buNone/>
+              <a:defRPr sz="2200" b="0" cap="all" baseline="0">
+                <a:solidFill>
+                  <a:schemeClr val="accent1"/>
+                </a:solidFill>
+              </a:defRPr>
             </a:lvl1pPr>
             <a:lvl2pPr marL="457200" indent="0">
               <a:buNone/>
@@ -1745,13 +1781,7 @@
       </p:sp>
       <p:sp>
         <p:nvSpPr>
-          <p:cNvPr id="6" name="Content Placeholder 5">
-            <a:extLst>
-              <a:ext uri="{FF2B5EF4-FFF2-40B4-BE49-F238E27FC236}">
-                <a16:creationId xmlns:a16="http://schemas.microsoft.com/office/drawing/2014/main" id="{F7A9BCEE-B7EB-4AF9-8BCE-713FD68163FC}"/>
-              </a:ext>
-            </a:extLst>
-          </p:cNvPr>
+          <p:cNvPr id="6" name="Content Placeholder 5"/>
           <p:cNvSpPr>
             <a:spLocks noGrp="1"/>
           </p:cNvSpPr>
@@ -1761,8 +1791,8 @@
         </p:nvSpPr>
         <p:spPr>
           <a:xfrm>
-            <a:off x="6172200" y="2505075"/>
-            <a:ext cx="5183188" cy="3684588"/>
+            <a:off x="6412362" y="2821491"/>
+            <a:ext cx="4645152" cy="2637371"/>
           </a:xfrm>
         </p:spPr>
         <p:txBody>
@@ -1802,18 +1832,13 @@
               <a:rPr lang="en-US"/>
               <a:t>Fifth level</a:t>
             </a:r>
-          </a:p>
-        </p:txBody>
-      </p:sp>
-      <p:sp>
-        <p:nvSpPr>
-          <p:cNvPr id="7" name="Date Placeholder 6">
-            <a:extLst>
-              <a:ext uri="{FF2B5EF4-FFF2-40B4-BE49-F238E27FC236}">
-                <a16:creationId xmlns:a16="http://schemas.microsoft.com/office/drawing/2014/main" id="{3ABF7D5F-705A-483A-B503-DADA0FD85F49}"/>
-              </a:ext>
-            </a:extLst>
-          </p:cNvPr>
+            <a:endParaRPr lang="en-US" dirty="0"/>
+          </a:p>
+        </p:txBody>
+      </p:sp>
+      <p:sp>
+        <p:nvSpPr>
+          <p:cNvPr id="7" name="Date Placeholder 6"/>
           <p:cNvSpPr>
             <a:spLocks noGrp="1"/>
           </p:cNvSpPr>
@@ -1828,7 +1853,7 @@
           <a:p>
             <a:fld id="{D41921DE-9A10-457F-BA6E-89142AAEB166}" type="datetimeFigureOut">
               <a:rPr lang="en-US" smtClean="0"/>
-              <a:t>10/30/2018</a:t>
+              <a:t>11/4/2018</a:t>
             </a:fld>
             <a:endParaRPr lang="en-US"/>
           </a:p>
@@ -1836,13 +1861,7 @@
       </p:sp>
       <p:sp>
         <p:nvSpPr>
-          <p:cNvPr id="8" name="Footer Placeholder 7">
-            <a:extLst>
-              <a:ext uri="{FF2B5EF4-FFF2-40B4-BE49-F238E27FC236}">
-                <a16:creationId xmlns:a16="http://schemas.microsoft.com/office/drawing/2014/main" id="{AD6B07E1-A704-4FA8-84D8-08D4A3F4AA6F}"/>
-              </a:ext>
-            </a:extLst>
-          </p:cNvPr>
+          <p:cNvPr id="8" name="Footer Placeholder 7"/>
           <p:cNvSpPr>
             <a:spLocks noGrp="1"/>
           </p:cNvSpPr>
@@ -1861,13 +1880,7 @@
       </p:sp>
       <p:sp>
         <p:nvSpPr>
-          <p:cNvPr id="9" name="Slide Number Placeholder 8">
-            <a:extLst>
-              <a:ext uri="{FF2B5EF4-FFF2-40B4-BE49-F238E27FC236}">
-                <a16:creationId xmlns:a16="http://schemas.microsoft.com/office/drawing/2014/main" id="{B36EC74E-DCCE-4FA7-9A46-848066C537D0}"/>
-              </a:ext>
-            </a:extLst>
-          </p:cNvPr>
+          <p:cNvPr id="9" name="Slide Number Placeholder 8"/>
           <p:cNvSpPr>
             <a:spLocks noGrp="1"/>
           </p:cNvSpPr>
@@ -1888,10 +1901,41 @@
           </a:p>
         </p:txBody>
       </p:sp>
+      <p:cxnSp>
+        <p:nvCxnSpPr>
+          <p:cNvPr id="29" name="Straight Connector 28"/>
+          <p:cNvCxnSpPr/>
+          <p:nvPr/>
+        </p:nvCxnSpPr>
+        <p:spPr>
+          <a:xfrm>
+            <a:off x="1453896" y="1847088"/>
+            <a:ext cx="9607522" cy="0"/>
+          </a:xfrm>
+          <a:prstGeom prst="line">
+            <a:avLst/>
+          </a:prstGeom>
+          <a:ln w="31750"/>
+        </p:spPr>
+        <p:style>
+          <a:lnRef idx="3">
+            <a:schemeClr val="accent1"/>
+          </a:lnRef>
+          <a:fillRef idx="0">
+            <a:schemeClr val="accent1"/>
+          </a:fillRef>
+          <a:effectRef idx="2">
+            <a:schemeClr val="accent1"/>
+          </a:effectRef>
+          <a:fontRef idx="minor">
+            <a:schemeClr val="tx1"/>
+          </a:fontRef>
+        </p:style>
+      </p:cxnSp>
     </p:spTree>
     <p:extLst>
       <p:ext uri="{BB962C8B-B14F-4D97-AF65-F5344CB8AC3E}">
-        <p14:creationId xmlns:p14="http://schemas.microsoft.com/office/powerpoint/2010/main" val="521440340"/>
+        <p14:creationId xmlns:p14="http://schemas.microsoft.com/office/powerpoint/2010/main" val="2360794716"/>
       </p:ext>
     </p:extLst>
   </p:cSld>
@@ -1920,13 +1964,7 @@
       </p:grpSpPr>
       <p:sp>
         <p:nvSpPr>
-          <p:cNvPr id="2" name="Title 1">
-            <a:extLst>
-              <a:ext uri="{FF2B5EF4-FFF2-40B4-BE49-F238E27FC236}">
-                <a16:creationId xmlns:a16="http://schemas.microsoft.com/office/drawing/2014/main" id="{E4A58872-892A-46A2-B5AE-92824503C307}"/>
-              </a:ext>
-            </a:extLst>
-          </p:cNvPr>
+          <p:cNvPr id="2" name="Title 1"/>
           <p:cNvSpPr>
             <a:spLocks noGrp="1"/>
           </p:cNvSpPr>
@@ -1943,18 +1981,13 @@
               <a:rPr lang="en-US"/>
               <a:t>Click to edit Master title style</a:t>
             </a:r>
-          </a:p>
-        </p:txBody>
-      </p:sp>
-      <p:sp>
-        <p:nvSpPr>
-          <p:cNvPr id="3" name="Date Placeholder 2">
-            <a:extLst>
-              <a:ext uri="{FF2B5EF4-FFF2-40B4-BE49-F238E27FC236}">
-                <a16:creationId xmlns:a16="http://schemas.microsoft.com/office/drawing/2014/main" id="{EE324C4F-8F82-4125-948F-4106FE4838ED}"/>
-              </a:ext>
-            </a:extLst>
-          </p:cNvPr>
+            <a:endParaRPr lang="en-US" dirty="0"/>
+          </a:p>
+        </p:txBody>
+      </p:sp>
+      <p:sp>
+        <p:nvSpPr>
+          <p:cNvPr id="3" name="Date Placeholder 2"/>
           <p:cNvSpPr>
             <a:spLocks noGrp="1"/>
           </p:cNvSpPr>
@@ -1969,7 +2002,7 @@
           <a:p>
             <a:fld id="{D41921DE-9A10-457F-BA6E-89142AAEB166}" type="datetimeFigureOut">
               <a:rPr lang="en-US" smtClean="0"/>
-              <a:t>10/30/2018</a:t>
+              <a:t>11/4/2018</a:t>
             </a:fld>
             <a:endParaRPr lang="en-US"/>
           </a:p>
@@ -1977,13 +2010,7 @@
       </p:sp>
       <p:sp>
         <p:nvSpPr>
-          <p:cNvPr id="4" name="Footer Placeholder 3">
-            <a:extLst>
-              <a:ext uri="{FF2B5EF4-FFF2-40B4-BE49-F238E27FC236}">
-                <a16:creationId xmlns:a16="http://schemas.microsoft.com/office/drawing/2014/main" id="{0BB70EAD-724E-4E2B-97E6-F59135C1D78D}"/>
-              </a:ext>
-            </a:extLst>
-          </p:cNvPr>
+          <p:cNvPr id="4" name="Footer Placeholder 3"/>
           <p:cNvSpPr>
             <a:spLocks noGrp="1"/>
           </p:cNvSpPr>
@@ -2002,13 +2029,7 @@
       </p:sp>
       <p:sp>
         <p:nvSpPr>
-          <p:cNvPr id="5" name="Slide Number Placeholder 4">
-            <a:extLst>
-              <a:ext uri="{FF2B5EF4-FFF2-40B4-BE49-F238E27FC236}">
-                <a16:creationId xmlns:a16="http://schemas.microsoft.com/office/drawing/2014/main" id="{4A76D98B-3D16-4134-AD7A-90938A338D0A}"/>
-              </a:ext>
-            </a:extLst>
-          </p:cNvPr>
+          <p:cNvPr id="5" name="Slide Number Placeholder 4"/>
           <p:cNvSpPr>
             <a:spLocks noGrp="1"/>
           </p:cNvSpPr>
@@ -2029,10 +2050,41 @@
           </a:p>
         </p:txBody>
       </p:sp>
+      <p:cxnSp>
+        <p:nvCxnSpPr>
+          <p:cNvPr id="25" name="Straight Connector 24"/>
+          <p:cNvCxnSpPr/>
+          <p:nvPr/>
+        </p:nvCxnSpPr>
+        <p:spPr>
+          <a:xfrm>
+            <a:off x="1453896" y="1847088"/>
+            <a:ext cx="9607522" cy="0"/>
+          </a:xfrm>
+          <a:prstGeom prst="line">
+            <a:avLst/>
+          </a:prstGeom>
+          <a:ln w="31750"/>
+        </p:spPr>
+        <p:style>
+          <a:lnRef idx="3">
+            <a:schemeClr val="accent1"/>
+          </a:lnRef>
+          <a:fillRef idx="0">
+            <a:schemeClr val="accent1"/>
+          </a:fillRef>
+          <a:effectRef idx="2">
+            <a:schemeClr val="accent1"/>
+          </a:effectRef>
+          <a:fontRef idx="minor">
+            <a:schemeClr val="tx1"/>
+          </a:fontRef>
+        </p:style>
+      </p:cxnSp>
     </p:spTree>
     <p:extLst>
       <p:ext uri="{BB962C8B-B14F-4D97-AF65-F5344CB8AC3E}">
-        <p14:creationId xmlns:p14="http://schemas.microsoft.com/office/powerpoint/2010/main" val="2743346844"/>
+        <p14:creationId xmlns:p14="http://schemas.microsoft.com/office/powerpoint/2010/main" val="2573693664"/>
       </p:ext>
     </p:extLst>
   </p:cSld>
@@ -2061,13 +2113,7 @@
       </p:grpSpPr>
       <p:sp>
         <p:nvSpPr>
-          <p:cNvPr id="2" name="Date Placeholder 1">
-            <a:extLst>
-              <a:ext uri="{FF2B5EF4-FFF2-40B4-BE49-F238E27FC236}">
-                <a16:creationId xmlns:a16="http://schemas.microsoft.com/office/drawing/2014/main" id="{76B3DE97-B8E8-4F5E-9D65-F21EAD5F4273}"/>
-              </a:ext>
-            </a:extLst>
-          </p:cNvPr>
+          <p:cNvPr id="2" name="Date Placeholder 1"/>
           <p:cNvSpPr>
             <a:spLocks noGrp="1"/>
           </p:cNvSpPr>
@@ -2082,7 +2128,7 @@
           <a:p>
             <a:fld id="{D41921DE-9A10-457F-BA6E-89142AAEB166}" type="datetimeFigureOut">
               <a:rPr lang="en-US" smtClean="0"/>
-              <a:t>10/30/2018</a:t>
+              <a:t>11/4/2018</a:t>
             </a:fld>
             <a:endParaRPr lang="en-US"/>
           </a:p>
@@ -2090,13 +2136,7 @@
       </p:sp>
       <p:sp>
         <p:nvSpPr>
-          <p:cNvPr id="3" name="Footer Placeholder 2">
-            <a:extLst>
-              <a:ext uri="{FF2B5EF4-FFF2-40B4-BE49-F238E27FC236}">
-                <a16:creationId xmlns:a16="http://schemas.microsoft.com/office/drawing/2014/main" id="{C77B3AE6-19D3-44A3-987B-DEBA77E1B2F9}"/>
-              </a:ext>
-            </a:extLst>
-          </p:cNvPr>
+          <p:cNvPr id="3" name="Footer Placeholder 2"/>
           <p:cNvSpPr>
             <a:spLocks noGrp="1"/>
           </p:cNvSpPr>
@@ -2115,13 +2155,7 @@
       </p:sp>
       <p:sp>
         <p:nvSpPr>
-          <p:cNvPr id="4" name="Slide Number Placeholder 3">
-            <a:extLst>
-              <a:ext uri="{FF2B5EF4-FFF2-40B4-BE49-F238E27FC236}">
-                <a16:creationId xmlns:a16="http://schemas.microsoft.com/office/drawing/2014/main" id="{206D58E6-A5EF-401A-9C3F-45469EA0AA64}"/>
-              </a:ext>
-            </a:extLst>
-          </p:cNvPr>
+          <p:cNvPr id="4" name="Slide Number Placeholder 3"/>
           <p:cNvSpPr>
             <a:spLocks noGrp="1"/>
           </p:cNvSpPr>
@@ -2145,7 +2179,7 @@
     </p:spTree>
     <p:extLst>
       <p:ext uri="{BB962C8B-B14F-4D97-AF65-F5344CB8AC3E}">
-        <p14:creationId xmlns:p14="http://schemas.microsoft.com/office/powerpoint/2010/main" val="2343280571"/>
+        <p14:creationId xmlns:p14="http://schemas.microsoft.com/office/powerpoint/2010/main" val="314293381"/>
       </p:ext>
     </p:extLst>
   </p:cSld>
@@ -2174,13 +2208,7 @@
       </p:grpSpPr>
       <p:sp>
         <p:nvSpPr>
-          <p:cNvPr id="2" name="Title 1">
-            <a:extLst>
-              <a:ext uri="{FF2B5EF4-FFF2-40B4-BE49-F238E27FC236}">
-                <a16:creationId xmlns:a16="http://schemas.microsoft.com/office/drawing/2014/main" id="{0C0F5FEF-D3B9-49EC-81FE-FA09AEE53F81}"/>
-              </a:ext>
-            </a:extLst>
-          </p:cNvPr>
+          <p:cNvPr id="2" name="Title 1"/>
           <p:cNvSpPr>
             <a:spLocks noGrp="1"/>
           </p:cNvSpPr>
@@ -2190,15 +2218,17 @@
         </p:nvSpPr>
         <p:spPr>
           <a:xfrm>
-            <a:off x="839788" y="457200"/>
-            <a:ext cx="3932237" cy="1600200"/>
+            <a:off x="1444671" y="798973"/>
+            <a:ext cx="3273099" cy="2247117"/>
           </a:xfrm>
         </p:spPr>
         <p:txBody>
-          <a:bodyPr anchor="b"/>
+          <a:bodyPr anchor="b">
+            <a:normAutofit/>
+          </a:bodyPr>
           <a:lstStyle>
-            <a:lvl1pPr>
-              <a:defRPr sz="3200"/>
+            <a:lvl1pPr algn="l">
+              <a:defRPr sz="2400"/>
             </a:lvl1pPr>
           </a:lstStyle>
           <a:p>
@@ -2206,18 +2236,13 @@
               <a:rPr lang="en-US"/>
               <a:t>Click to edit Master title style</a:t>
             </a:r>
-          </a:p>
-        </p:txBody>
-      </p:sp>
-      <p:sp>
-        <p:nvSpPr>
-          <p:cNvPr id="3" name="Content Placeholder 2">
-            <a:extLst>
-              <a:ext uri="{FF2B5EF4-FFF2-40B4-BE49-F238E27FC236}">
-                <a16:creationId xmlns:a16="http://schemas.microsoft.com/office/drawing/2014/main" id="{85F47602-A4F6-43E0-A17F-DE7FC5130567}"/>
-              </a:ext>
-            </a:extLst>
-          </p:cNvPr>
+            <a:endParaRPr lang="en-US" dirty="0"/>
+          </a:p>
+        </p:txBody>
+      </p:sp>
+      <p:sp>
+        <p:nvSpPr>
+          <p:cNvPr id="3" name="Content Placeholder 2"/>
           <p:cNvSpPr>
             <a:spLocks noGrp="1"/>
           </p:cNvSpPr>
@@ -2227,41 +2252,13 @@
         </p:nvSpPr>
         <p:spPr>
           <a:xfrm>
-            <a:off x="5183188" y="987425"/>
-            <a:ext cx="6172200" cy="4873625"/>
+            <a:off x="5043714" y="798974"/>
+            <a:ext cx="6012470" cy="4658826"/>
           </a:xfrm>
         </p:spPr>
         <p:txBody>
-          <a:bodyPr/>
-          <a:lstStyle>
-            <a:lvl1pPr>
-              <a:defRPr sz="3200"/>
-            </a:lvl1pPr>
-            <a:lvl2pPr>
-              <a:defRPr sz="2800"/>
-            </a:lvl2pPr>
-            <a:lvl3pPr>
-              <a:defRPr sz="2400"/>
-            </a:lvl3pPr>
-            <a:lvl4pPr>
-              <a:defRPr sz="2000"/>
-            </a:lvl4pPr>
-            <a:lvl5pPr>
-              <a:defRPr sz="2000"/>
-            </a:lvl5pPr>
-            <a:lvl6pPr>
-              <a:defRPr sz="2000"/>
-            </a:lvl6pPr>
-            <a:lvl7pPr>
-              <a:defRPr sz="2000"/>
-            </a:lvl7pPr>
-            <a:lvl8pPr>
-              <a:defRPr sz="2000"/>
-            </a:lvl8pPr>
-            <a:lvl9pPr>
-              <a:defRPr sz="2000"/>
-            </a:lvl9pPr>
-          </a:lstStyle>
+          <a:bodyPr anchor="ctr"/>
+          <a:lstStyle/>
           <a:p>
             <a:pPr lvl="0"/>
             <a:r>
@@ -2296,18 +2293,13 @@
               <a:rPr lang="en-US"/>
               <a:t>Fifth level</a:t>
             </a:r>
-          </a:p>
-        </p:txBody>
-      </p:sp>
-      <p:sp>
-        <p:nvSpPr>
-          <p:cNvPr id="4" name="Text Placeholder 3">
-            <a:extLst>
-              <a:ext uri="{FF2B5EF4-FFF2-40B4-BE49-F238E27FC236}">
-                <a16:creationId xmlns:a16="http://schemas.microsoft.com/office/drawing/2014/main" id="{924DBA02-455A-4B79-ADDE-0C35D8B9A432}"/>
-              </a:ext>
-            </a:extLst>
-          </p:cNvPr>
+            <a:endParaRPr lang="en-US" dirty="0"/>
+          </a:p>
+        </p:txBody>
+      </p:sp>
+      <p:sp>
+        <p:nvSpPr>
+          <p:cNvPr id="4" name="Text Placeholder 3"/>
           <p:cNvSpPr>
             <a:spLocks noGrp="1"/>
           </p:cNvSpPr>
@@ -2317,14 +2309,14 @@
         </p:nvSpPr>
         <p:spPr>
           <a:xfrm>
-            <a:off x="839788" y="2057400"/>
-            <a:ext cx="3932237" cy="3811588"/>
+            <a:off x="1444671" y="3205491"/>
+            <a:ext cx="3275013" cy="2248181"/>
           </a:xfrm>
         </p:spPr>
         <p:txBody>
           <a:bodyPr/>
           <a:lstStyle>
-            <a:lvl1pPr marL="0" indent="0">
+            <a:lvl1pPr marL="0" indent="0" algn="l">
               <a:buNone/>
               <a:defRPr sz="1600"/>
             </a:lvl1pPr>
@@ -2372,13 +2364,7 @@
       </p:sp>
       <p:sp>
         <p:nvSpPr>
-          <p:cNvPr id="5" name="Date Placeholder 4">
-            <a:extLst>
-              <a:ext uri="{FF2B5EF4-FFF2-40B4-BE49-F238E27FC236}">
-                <a16:creationId xmlns:a16="http://schemas.microsoft.com/office/drawing/2014/main" id="{E233C50C-5DAF-4A1A-833A-CCC5384DDD7D}"/>
-              </a:ext>
-            </a:extLst>
-          </p:cNvPr>
+          <p:cNvPr id="5" name="Date Placeholder 4"/>
           <p:cNvSpPr>
             <a:spLocks noGrp="1"/>
           </p:cNvSpPr>
@@ -2393,7 +2379,7 @@
           <a:p>
             <a:fld id="{D41921DE-9A10-457F-BA6E-89142AAEB166}" type="datetimeFigureOut">
               <a:rPr lang="en-US" smtClean="0"/>
-              <a:t>10/30/2018</a:t>
+              <a:t>11/4/2018</a:t>
             </a:fld>
             <a:endParaRPr lang="en-US"/>
           </a:p>
@@ -2401,13 +2387,7 @@
       </p:sp>
       <p:sp>
         <p:nvSpPr>
-          <p:cNvPr id="6" name="Footer Placeholder 5">
-            <a:extLst>
-              <a:ext uri="{FF2B5EF4-FFF2-40B4-BE49-F238E27FC236}">
-                <a16:creationId xmlns:a16="http://schemas.microsoft.com/office/drawing/2014/main" id="{4742E426-64FA-4B6F-8501-FEA8B61238CB}"/>
-              </a:ext>
-            </a:extLst>
-          </p:cNvPr>
+          <p:cNvPr id="6" name="Footer Placeholder 5"/>
           <p:cNvSpPr>
             <a:spLocks noGrp="1"/>
           </p:cNvSpPr>
@@ -2426,13 +2406,7 @@
       </p:sp>
       <p:sp>
         <p:nvSpPr>
-          <p:cNvPr id="7" name="Slide Number Placeholder 6">
-            <a:extLst>
-              <a:ext uri="{FF2B5EF4-FFF2-40B4-BE49-F238E27FC236}">
-                <a16:creationId xmlns:a16="http://schemas.microsoft.com/office/drawing/2014/main" id="{C528F305-4DC2-457E-9308-EA31BA137DC1}"/>
-              </a:ext>
-            </a:extLst>
-          </p:cNvPr>
+          <p:cNvPr id="7" name="Slide Number Placeholder 6"/>
           <p:cNvSpPr>
             <a:spLocks noGrp="1"/>
           </p:cNvSpPr>
@@ -2453,10 +2427,41 @@
           </a:p>
         </p:txBody>
       </p:sp>
+      <p:cxnSp>
+        <p:nvCxnSpPr>
+          <p:cNvPr id="17" name="Straight Connector 16"/>
+          <p:cNvCxnSpPr/>
+          <p:nvPr/>
+        </p:nvCxnSpPr>
+        <p:spPr>
+          <a:xfrm>
+            <a:off x="1448280" y="3205491"/>
+            <a:ext cx="3269490" cy="0"/>
+          </a:xfrm>
+          <a:prstGeom prst="line">
+            <a:avLst/>
+          </a:prstGeom>
+          <a:ln w="31750"/>
+        </p:spPr>
+        <p:style>
+          <a:lnRef idx="3">
+            <a:schemeClr val="accent1"/>
+          </a:lnRef>
+          <a:fillRef idx="0">
+            <a:schemeClr val="accent1"/>
+          </a:fillRef>
+          <a:effectRef idx="2">
+            <a:schemeClr val="accent1"/>
+          </a:effectRef>
+          <a:fontRef idx="minor">
+            <a:schemeClr val="tx1"/>
+          </a:fontRef>
+        </p:style>
+      </p:cxnSp>
     </p:spTree>
     <p:extLst>
       <p:ext uri="{BB962C8B-B14F-4D97-AF65-F5344CB8AC3E}">
-        <p14:creationId xmlns:p14="http://schemas.microsoft.com/office/powerpoint/2010/main" val="1316270908"/>
+        <p14:creationId xmlns:p14="http://schemas.microsoft.com/office/powerpoint/2010/main" val="589511213"/>
       </p:ext>
     </p:extLst>
   </p:cSld>
@@ -2483,15 +2488,143 @@
           <a:chExt cx="0" cy="0"/>
         </a:xfrm>
       </p:grpSpPr>
-      <p:sp>
-        <p:nvSpPr>
-          <p:cNvPr id="2" name="Title 1">
-            <a:extLst>
-              <a:ext uri="{FF2B5EF4-FFF2-40B4-BE49-F238E27FC236}">
-                <a16:creationId xmlns:a16="http://schemas.microsoft.com/office/drawing/2014/main" id="{081393CE-50AD-4AE7-801B-FF3F30733B4E}"/>
-              </a:ext>
-            </a:extLst>
-          </p:cNvPr>
+      <p:grpSp>
+        <p:nvGrpSpPr>
+          <p:cNvPr id="8" name="Group 7"/>
+          <p:cNvGrpSpPr/>
+          <p:nvPr/>
+        </p:nvGrpSpPr>
+        <p:grpSpPr>
+          <a:xfrm>
+            <a:off x="7477387" y="482170"/>
+            <a:ext cx="4074533" cy="5149101"/>
+            <a:chOff x="7477387" y="482170"/>
+            <a:chExt cx="4074533" cy="5149101"/>
+          </a:xfrm>
+        </p:grpSpPr>
+        <p:sp>
+          <p:nvSpPr>
+            <p:cNvPr id="18" name="Rectangle 17"/>
+            <p:cNvSpPr/>
+            <p:nvPr/>
+          </p:nvSpPr>
+          <p:spPr bwMode="black">
+            <a:xfrm>
+              <a:off x="7477387" y="482170"/>
+              <a:ext cx="4074533" cy="5149101"/>
+            </a:xfrm>
+            <a:prstGeom prst="rect">
+              <a:avLst/>
+            </a:prstGeom>
+            <a:gradFill>
+              <a:gsLst>
+                <a:gs pos="0">
+                  <a:srgbClr val="000001"/>
+                </a:gs>
+                <a:gs pos="100000">
+                  <a:srgbClr val="191919"/>
+                </a:gs>
+              </a:gsLst>
+            </a:gradFill>
+            <a:ln w="76200" cmpd="sng">
+              <a:noFill/>
+              <a:miter lim="800000"/>
+            </a:ln>
+            <a:effectLst>
+              <a:outerShdw blurRad="127000" dist="228600" dir="4740000" sx="98000" sy="98000" algn="tl" rotWithShape="0">
+                <a:srgbClr val="000000">
+                  <a:alpha val="34000"/>
+                </a:srgbClr>
+              </a:outerShdw>
+            </a:effectLst>
+            <a:scene3d>
+              <a:camera prst="orthographicFront"/>
+              <a:lightRig rig="threePt" dir="t"/>
+            </a:scene3d>
+            <a:sp3d>
+              <a:bevelT w="152400" h="50800" prst="softRound"/>
+            </a:sp3d>
+          </p:spPr>
+          <p:style>
+            <a:lnRef idx="1">
+              <a:schemeClr val="accent1"/>
+            </a:lnRef>
+            <a:fillRef idx="3">
+              <a:schemeClr val="accent1"/>
+            </a:fillRef>
+            <a:effectRef idx="2">
+              <a:schemeClr val="accent1"/>
+            </a:effectRef>
+            <a:fontRef idx="minor">
+              <a:schemeClr val="lt1"/>
+            </a:fontRef>
+          </p:style>
+        </p:sp>
+        <p:sp>
+          <p:nvSpPr>
+            <p:cNvPr id="19" name="Rectangle 18"/>
+            <p:cNvSpPr/>
+            <p:nvPr/>
+          </p:nvSpPr>
+          <p:spPr bwMode="blackWhite">
+            <a:xfrm>
+              <a:off x="7790446" y="812506"/>
+              <a:ext cx="3450289" cy="4466452"/>
+            </a:xfrm>
+            <a:prstGeom prst="rect">
+              <a:avLst/>
+            </a:prstGeom>
+            <a:gradFill>
+              <a:gsLst>
+                <a:gs pos="0">
+                  <a:srgbClr val="DADADA"/>
+                </a:gs>
+                <a:gs pos="100000">
+                  <a:srgbClr val="FFFFFE"/>
+                </a:gs>
+              </a:gsLst>
+              <a:lin ang="16200000" scaled="0"/>
+            </a:gradFill>
+            <a:ln w="50800" cmpd="sng">
+              <a:solidFill>
+                <a:srgbClr val="191919"/>
+              </a:solidFill>
+              <a:miter lim="800000"/>
+            </a:ln>
+            <a:effectLst>
+              <a:innerShdw blurRad="63500" dist="88900" dir="14100000">
+                <a:srgbClr val="000000">
+                  <a:alpha val="30000"/>
+                </a:srgbClr>
+              </a:innerShdw>
+            </a:effectLst>
+            <a:scene3d>
+              <a:camera prst="orthographicFront"/>
+              <a:lightRig rig="threePt" dir="t"/>
+            </a:scene3d>
+            <a:sp3d>
+              <a:bevelT prst="relaxedInset"/>
+            </a:sp3d>
+          </p:spPr>
+          <p:style>
+            <a:lnRef idx="1">
+              <a:schemeClr val="accent1"/>
+            </a:lnRef>
+            <a:fillRef idx="3">
+              <a:schemeClr val="accent1"/>
+            </a:fillRef>
+            <a:effectRef idx="2">
+              <a:schemeClr val="accent1"/>
+            </a:effectRef>
+            <a:fontRef idx="minor">
+              <a:schemeClr val="lt1"/>
+            </a:fontRef>
+          </p:style>
+        </p:sp>
+      </p:grpSp>
+      <p:sp>
+        <p:nvSpPr>
+          <p:cNvPr id="2" name="Title 1"/>
           <p:cNvSpPr>
             <a:spLocks noGrp="1"/>
           </p:cNvSpPr>
@@ -2501,12 +2634,14 @@
         </p:nvSpPr>
         <p:spPr>
           <a:xfrm>
-            <a:off x="839788" y="457200"/>
-            <a:ext cx="3932237" cy="1600200"/>
+            <a:off x="1451206" y="1129513"/>
+            <a:ext cx="5532328" cy="1830584"/>
           </a:xfrm>
         </p:spPr>
         <p:txBody>
-          <a:bodyPr anchor="b"/>
+          <a:bodyPr anchor="b">
+            <a:normAutofit/>
+          </a:bodyPr>
           <a:lstStyle>
             <a:lvl1pPr>
               <a:defRPr sz="3200"/>
@@ -2517,20 +2652,15 @@
               <a:rPr lang="en-US"/>
               <a:t>Click to edit Master title style</a:t>
             </a:r>
-          </a:p>
-        </p:txBody>
-      </p:sp>
-      <p:sp>
-        <p:nvSpPr>
-          <p:cNvPr id="3" name="Picture Placeholder 2">
-            <a:extLst>
-              <a:ext uri="{FF2B5EF4-FFF2-40B4-BE49-F238E27FC236}">
-                <a16:creationId xmlns:a16="http://schemas.microsoft.com/office/drawing/2014/main" id="{B1879C19-17BE-4FE9-8F14-ECF42EA66921}"/>
-              </a:ext>
-            </a:extLst>
-          </p:cNvPr>
-          <p:cNvSpPr>
-            <a:spLocks noGrp="1"/>
+            <a:endParaRPr lang="en-US" dirty="0"/>
+          </a:p>
+        </p:txBody>
+      </p:sp>
+      <p:sp>
+        <p:nvSpPr>
+          <p:cNvPr id="3" name="Picture Placeholder 2"/>
+          <p:cNvSpPr>
+            <a:spLocks noGrp="1" noChangeAspect="1"/>
           </p:cNvSpPr>
           <p:nvPr>
             <p:ph type="pic" idx="1"/>
@@ -2538,14 +2668,24 @@
         </p:nvSpPr>
         <p:spPr>
           <a:xfrm>
-            <a:off x="5183188" y="987425"/>
-            <a:ext cx="6172200" cy="4873625"/>
+            <a:off x="8124389" y="1122542"/>
+            <a:ext cx="2791171" cy="3866327"/>
           </a:xfrm>
+          <a:solidFill>
+            <a:schemeClr val="bg1">
+              <a:lumMod val="85000"/>
+            </a:schemeClr>
+          </a:solidFill>
+          <a:ln w="9525" cap="sq">
+            <a:noFill/>
+            <a:miter lim="800000"/>
+          </a:ln>
+          <a:effectLst/>
         </p:spPr>
         <p:txBody>
-          <a:bodyPr/>
+          <a:bodyPr anchor="t"/>
           <a:lstStyle>
-            <a:lvl1pPr marL="0" indent="0">
+            <a:lvl1pPr marL="0" indent="0" algn="ctr">
               <a:buNone/>
               <a:defRPr sz="3200"/>
             </a:lvl1pPr>
@@ -2583,19 +2723,17 @@
             </a:lvl9pPr>
           </a:lstStyle>
           <a:p>
-            <a:endParaRPr lang="en-US"/>
-          </a:p>
-        </p:txBody>
-      </p:sp>
-      <p:sp>
-        <p:nvSpPr>
-          <p:cNvPr id="4" name="Text Placeholder 3">
-            <a:extLst>
-              <a:ext uri="{FF2B5EF4-FFF2-40B4-BE49-F238E27FC236}">
-                <a16:creationId xmlns:a16="http://schemas.microsoft.com/office/drawing/2014/main" id="{E9AB8BBC-BAF7-4BAB-9751-B6E6CFFC860F}"/>
-              </a:ext>
-            </a:extLst>
-          </p:cNvPr>
+            <a:r>
+              <a:rPr lang="en-US"/>
+              <a:t>Click icon to add picture</a:t>
+            </a:r>
+            <a:endParaRPr lang="en-US" dirty="0"/>
+          </a:p>
+        </p:txBody>
+      </p:sp>
+      <p:sp>
+        <p:nvSpPr>
+          <p:cNvPr id="4" name="Text Placeholder 3"/>
           <p:cNvSpPr>
             <a:spLocks noGrp="1"/>
           </p:cNvSpPr>
@@ -2605,16 +2743,18 @@
         </p:nvSpPr>
         <p:spPr>
           <a:xfrm>
-            <a:off x="839788" y="2057400"/>
-            <a:ext cx="3932237" cy="3811588"/>
+            <a:off x="1450329" y="3145992"/>
+            <a:ext cx="5524404" cy="2003742"/>
           </a:xfrm>
         </p:spPr>
         <p:txBody>
-          <a:bodyPr/>
+          <a:bodyPr>
+            <a:normAutofit/>
+          </a:bodyPr>
           <a:lstStyle>
-            <a:lvl1pPr marL="0" indent="0">
-              <a:buNone/>
-              <a:defRPr sz="1600"/>
+            <a:lvl1pPr marL="0" indent="0" algn="l">
+              <a:buNone/>
+              <a:defRPr sz="1800"/>
             </a:lvl1pPr>
             <a:lvl2pPr marL="457200" indent="0">
               <a:buNone/>
@@ -2660,13 +2800,7 @@
       </p:sp>
       <p:sp>
         <p:nvSpPr>
-          <p:cNvPr id="5" name="Date Placeholder 4">
-            <a:extLst>
-              <a:ext uri="{FF2B5EF4-FFF2-40B4-BE49-F238E27FC236}">
-                <a16:creationId xmlns:a16="http://schemas.microsoft.com/office/drawing/2014/main" id="{3B69579E-28B7-450F-A28F-374570CB8965}"/>
-              </a:ext>
-            </a:extLst>
-          </p:cNvPr>
+          <p:cNvPr id="5" name="Date Placeholder 4"/>
           <p:cNvSpPr>
             <a:spLocks noGrp="1"/>
           </p:cNvSpPr>
@@ -2674,14 +2808,23 @@
             <p:ph type="dt" sz="half" idx="10"/>
           </p:nvPr>
         </p:nvSpPr>
-        <p:spPr/>
-        <p:txBody>
-          <a:bodyPr/>
-          <a:lstStyle/>
+        <p:spPr>
+          <a:xfrm>
+            <a:off x="1447382" y="5469856"/>
+            <a:ext cx="5527351" cy="320123"/>
+          </a:xfrm>
+        </p:spPr>
+        <p:txBody>
+          <a:bodyPr/>
+          <a:lstStyle>
+            <a:lvl1pPr algn="l">
+              <a:defRPr/>
+            </a:lvl1pPr>
+          </a:lstStyle>
           <a:p>
             <a:fld id="{D41921DE-9A10-457F-BA6E-89142AAEB166}" type="datetimeFigureOut">
               <a:rPr lang="en-US" smtClean="0"/>
-              <a:t>10/30/2018</a:t>
+              <a:t>11/4/2018</a:t>
             </a:fld>
             <a:endParaRPr lang="en-US"/>
           </a:p>
@@ -2689,13 +2832,7 @@
       </p:sp>
       <p:sp>
         <p:nvSpPr>
-          <p:cNvPr id="6" name="Footer Placeholder 5">
-            <a:extLst>
-              <a:ext uri="{FF2B5EF4-FFF2-40B4-BE49-F238E27FC236}">
-                <a16:creationId xmlns:a16="http://schemas.microsoft.com/office/drawing/2014/main" id="{539C45D0-F763-486E-B9BD-17A293153ED5}"/>
-              </a:ext>
-            </a:extLst>
-          </p:cNvPr>
+          <p:cNvPr id="6" name="Footer Placeholder 5"/>
           <p:cNvSpPr>
             <a:spLocks noGrp="1"/>
           </p:cNvSpPr>
@@ -2703,7 +2840,12 @@
             <p:ph type="ftr" sz="quarter" idx="11"/>
           </p:nvPr>
         </p:nvSpPr>
-        <p:spPr/>
+        <p:spPr>
+          <a:xfrm>
+            <a:off x="1447382" y="318640"/>
+            <a:ext cx="5541004" cy="320931"/>
+          </a:xfrm>
+        </p:spPr>
         <p:txBody>
           <a:bodyPr/>
           <a:lstStyle/>
@@ -2714,13 +2856,7 @@
       </p:sp>
       <p:sp>
         <p:nvSpPr>
-          <p:cNvPr id="7" name="Slide Number Placeholder 6">
-            <a:extLst>
-              <a:ext uri="{FF2B5EF4-FFF2-40B4-BE49-F238E27FC236}">
-                <a16:creationId xmlns:a16="http://schemas.microsoft.com/office/drawing/2014/main" id="{67249870-436A-43BF-91AD-30686489FF91}"/>
-              </a:ext>
-            </a:extLst>
-          </p:cNvPr>
+          <p:cNvPr id="7" name="Slide Number Placeholder 6"/>
           <p:cNvSpPr>
             <a:spLocks noGrp="1"/>
           </p:cNvSpPr>
@@ -2741,10 +2877,41 @@
           </a:p>
         </p:txBody>
       </p:sp>
+      <p:cxnSp>
+        <p:nvCxnSpPr>
+          <p:cNvPr id="31" name="Straight Connector 30"/>
+          <p:cNvCxnSpPr/>
+          <p:nvPr/>
+        </p:nvCxnSpPr>
+        <p:spPr>
+          <a:xfrm>
+            <a:off x="1447382" y="3143605"/>
+            <a:ext cx="5527351" cy="0"/>
+          </a:xfrm>
+          <a:prstGeom prst="line">
+            <a:avLst/>
+          </a:prstGeom>
+          <a:ln w="31750"/>
+        </p:spPr>
+        <p:style>
+          <a:lnRef idx="3">
+            <a:schemeClr val="accent1"/>
+          </a:lnRef>
+          <a:fillRef idx="0">
+            <a:schemeClr val="accent1"/>
+          </a:fillRef>
+          <a:effectRef idx="2">
+            <a:schemeClr val="accent1"/>
+          </a:effectRef>
+          <a:fontRef idx="minor">
+            <a:schemeClr val="tx1"/>
+          </a:fontRef>
+        </p:style>
+      </p:cxnSp>
     </p:spTree>
     <p:extLst>
       <p:ext uri="{BB962C8B-B14F-4D97-AF65-F5344CB8AC3E}">
-        <p14:creationId xmlns:p14="http://schemas.microsoft.com/office/powerpoint/2010/main" val="3978769113"/>
+        <p14:creationId xmlns:p14="http://schemas.microsoft.com/office/powerpoint/2010/main" val="822123321"/>
       </p:ext>
     </p:extLst>
   </p:cSld>
@@ -2758,8 +2925,8 @@
 <p:sldMaster xmlns:a="http://schemas.openxmlformats.org/drawingml/2006/main" xmlns:r="http://schemas.openxmlformats.org/officeDocument/2006/relationships" xmlns:p="http://schemas.openxmlformats.org/presentationml/2006/main">
   <p:cSld>
     <p:bg>
-      <p:bgRef idx="1001">
-        <a:schemeClr val="bg1"/>
+      <p:bgRef idx="1003">
+        <a:schemeClr val="bg2"/>
       </p:bgRef>
     </p:bg>
     <p:spTree>
@@ -2778,139 +2945,200 @@
       </p:grpSpPr>
       <p:sp>
         <p:nvSpPr>
-          <p:cNvPr id="2" name="Title Placeholder 1">
+          <p:cNvPr id="8" name="Rectangle 7"/>
+          <p:cNvSpPr/>
+          <p:nvPr/>
+        </p:nvSpPr>
+        <p:spPr>
+          <a:xfrm>
+            <a:off x="0" y="2019476"/>
+            <a:ext cx="12192000" cy="4105941"/>
+          </a:xfrm>
+          <a:prstGeom prst="rect">
+            <a:avLst/>
+          </a:prstGeom>
+          <a:gradFill flip="none" rotWithShape="1">
+            <a:gsLst>
+              <a:gs pos="0">
+                <a:schemeClr val="bg2">
+                  <a:alpha val="0"/>
+                </a:schemeClr>
+              </a:gs>
+              <a:gs pos="100000">
+                <a:schemeClr val="bg2"/>
+              </a:gs>
+            </a:gsLst>
+            <a:lin ang="5400000" scaled="0"/>
+            <a:tileRect/>
+          </a:gradFill>
+          <a:ln>
+            <a:noFill/>
+          </a:ln>
+        </p:spPr>
+        <p:style>
+          <a:lnRef idx="2">
+            <a:schemeClr val="accent1">
+              <a:shade val="50000"/>
+            </a:schemeClr>
+          </a:lnRef>
+          <a:fillRef idx="1">
+            <a:schemeClr val="accent1"/>
+          </a:fillRef>
+          <a:effectRef idx="0">
+            <a:schemeClr val="accent1"/>
+          </a:effectRef>
+          <a:fontRef idx="minor">
+            <a:schemeClr val="lt1"/>
+          </a:fontRef>
+        </p:style>
+      </p:sp>
+      <p:pic>
+        <p:nvPicPr>
+          <p:cNvPr id="7" name="Picture 6"/>
+          <p:cNvPicPr>
+            <a:picLocks noChangeAspect="1"/>
+          </p:cNvPicPr>
+          <p:nvPr/>
+        </p:nvPicPr>
+        <p:blipFill rotWithShape="1">
+          <a:blip r:embed="rId13">
             <a:extLst>
-              <a:ext uri="{FF2B5EF4-FFF2-40B4-BE49-F238E27FC236}">
-                <a16:creationId xmlns:a16="http://schemas.microsoft.com/office/drawing/2014/main" id="{807F6B05-CC7A-48D9-AC69-26C25DEBA7D3}"/>
+              <a:ext uri="{28A0092B-C50C-407E-A947-70E740481C1C}">
+                <a14:useLocalDpi xmlns:a14="http://schemas.microsoft.com/office/drawing/2010/main" val="0"/>
               </a:ext>
             </a:extLst>
-          </p:cNvPr>
-          <p:cNvSpPr>
-            <a:spLocks noGrp="1"/>
-          </p:cNvSpPr>
-          <p:nvPr>
-            <p:ph type="title"/>
-          </p:nvPr>
-        </p:nvSpPr>
-        <p:spPr>
+          </a:blip>
+          <a:srcRect t="1538" b="-1538"/>
+          <a:stretch/>
+        </p:blipFill>
+        <p:spPr bwMode="black">
           <a:xfrm>
-            <a:off x="838200" y="365125"/>
-            <a:ext cx="10515600" cy="1325563"/>
+            <a:off x="0" y="6126480"/>
+            <a:ext cx="12192000" cy="742950"/>
           </a:xfrm>
           <a:prstGeom prst="rect">
             <a:avLst/>
           </a:prstGeom>
         </p:spPr>
-        <p:txBody>
-          <a:bodyPr vert="horz" lIns="91440" tIns="45720" rIns="91440" bIns="45720" rtlCol="0" anchor="ctr">
-            <a:normAutofit/>
-          </a:bodyPr>
-          <a:lstStyle/>
-          <a:p>
-            <a:r>
-              <a:rPr lang="en-US"/>
-              <a:t>Click to edit Master title style</a:t>
-            </a:r>
-          </a:p>
-        </p:txBody>
-      </p:sp>
-      <p:sp>
-        <p:nvSpPr>
-          <p:cNvPr id="3" name="Text Placeholder 2">
-            <a:extLst>
-              <a:ext uri="{FF2B5EF4-FFF2-40B4-BE49-F238E27FC236}">
-                <a16:creationId xmlns:a16="http://schemas.microsoft.com/office/drawing/2014/main" id="{65DD77A7-A639-456D-A2A5-A314B635E714}"/>
-              </a:ext>
-            </a:extLst>
-          </p:cNvPr>
-          <p:cNvSpPr>
-            <a:spLocks noGrp="1"/>
-          </p:cNvSpPr>
-          <p:nvPr>
-            <p:ph type="body" idx="1"/>
+      </p:pic>
+      <p:sp>
+        <p:nvSpPr>
+          <p:cNvPr id="2" name="Title Placeholder 1"/>
+          <p:cNvSpPr>
+            <a:spLocks noGrp="1"/>
+          </p:cNvSpPr>
+          <p:nvPr>
+            <p:ph type="title"/>
           </p:nvPr>
         </p:nvSpPr>
         <p:spPr>
           <a:xfrm>
-            <a:off x="838200" y="1825625"/>
-            <a:ext cx="10515600" cy="4351338"/>
+            <a:off x="1451579" y="804519"/>
+            <a:ext cx="9603275" cy="1049235"/>
           </a:xfrm>
           <a:prstGeom prst="rect">
             <a:avLst/>
           </a:prstGeom>
         </p:spPr>
         <p:txBody>
-          <a:bodyPr vert="horz" lIns="91440" tIns="45720" rIns="91440" bIns="45720" rtlCol="0">
+          <a:bodyPr vert="horz" lIns="91440" tIns="45720" rIns="91440" bIns="45720" rtlCol="0" anchor="t">
             <a:normAutofit/>
           </a:bodyPr>
           <a:lstStyle/>
           <a:p>
-            <a:pPr lvl="0"/>
-            <a:r>
-              <a:rPr lang="en-US"/>
-              <a:t>Edit Master text styles</a:t>
-            </a:r>
-          </a:p>
-          <a:p>
-            <a:pPr lvl="1"/>
-            <a:r>
-              <a:rPr lang="en-US"/>
-              <a:t>Second level</a:t>
-            </a:r>
-          </a:p>
-          <a:p>
-            <a:pPr lvl="2"/>
-            <a:r>
-              <a:rPr lang="en-US"/>
-              <a:t>Third level</a:t>
-            </a:r>
-          </a:p>
-          <a:p>
-            <a:pPr lvl="3"/>
-            <a:r>
-              <a:rPr lang="en-US"/>
-              <a:t>Fourth level</a:t>
-            </a:r>
-          </a:p>
-          <a:p>
-            <a:pPr lvl="4"/>
-            <a:r>
-              <a:rPr lang="en-US"/>
-              <a:t>Fifth level</a:t>
-            </a:r>
-          </a:p>
-        </p:txBody>
-      </p:sp>
-      <p:sp>
-        <p:nvSpPr>
-          <p:cNvPr id="4" name="Date Placeholder 3">
-            <a:extLst>
-              <a:ext uri="{FF2B5EF4-FFF2-40B4-BE49-F238E27FC236}">
-                <a16:creationId xmlns:a16="http://schemas.microsoft.com/office/drawing/2014/main" id="{BE5485C0-7D4F-49DA-AB0E-592D8B307B7C}"/>
-              </a:ext>
-            </a:extLst>
-          </p:cNvPr>
-          <p:cNvSpPr>
-            <a:spLocks noGrp="1"/>
-          </p:cNvSpPr>
-          <p:nvPr>
-            <p:ph type="dt" sz="half" idx="2"/>
+            <a:r>
+              <a:rPr lang="en-US"/>
+              <a:t>Click to edit Master title style</a:t>
+            </a:r>
+            <a:endParaRPr lang="en-US" dirty="0"/>
+          </a:p>
+        </p:txBody>
+      </p:sp>
+      <p:sp>
+        <p:nvSpPr>
+          <p:cNvPr id="3" name="Text Placeholder 2"/>
+          <p:cNvSpPr>
+            <a:spLocks noGrp="1"/>
+          </p:cNvSpPr>
+          <p:nvPr>
+            <p:ph type="body" idx="1"/>
           </p:nvPr>
         </p:nvSpPr>
         <p:spPr>
           <a:xfrm>
-            <a:off x="838200" y="6356350"/>
-            <a:ext cx="2743200" cy="365125"/>
+            <a:off x="1451579" y="2015732"/>
+            <a:ext cx="9603275" cy="3450613"/>
           </a:xfrm>
           <a:prstGeom prst="rect">
             <a:avLst/>
           </a:prstGeom>
         </p:spPr>
         <p:txBody>
+          <a:bodyPr vert="horz" lIns="91440" tIns="45720" rIns="91440" bIns="45720" rtlCol="0">
+            <a:normAutofit/>
+          </a:bodyPr>
+          <a:lstStyle/>
+          <a:p>
+            <a:pPr lvl="0"/>
+            <a:r>
+              <a:rPr lang="en-US" dirty="0"/>
+              <a:t>Edit Master text styles</a:t>
+            </a:r>
+          </a:p>
+          <a:p>
+            <a:pPr lvl="1"/>
+            <a:r>
+              <a:rPr lang="en-US" dirty="0"/>
+              <a:t>Second level</a:t>
+            </a:r>
+          </a:p>
+          <a:p>
+            <a:pPr lvl="2"/>
+            <a:r>
+              <a:rPr lang="en-US" dirty="0"/>
+              <a:t>Third level</a:t>
+            </a:r>
+          </a:p>
+          <a:p>
+            <a:pPr lvl="3"/>
+            <a:r>
+              <a:rPr lang="en-US" dirty="0"/>
+              <a:t>Fourth level</a:t>
+            </a:r>
+          </a:p>
+          <a:p>
+            <a:pPr lvl="4"/>
+            <a:r>
+              <a:rPr lang="en-US" dirty="0"/>
+              <a:t>Fifth level</a:t>
+            </a:r>
+          </a:p>
+        </p:txBody>
+      </p:sp>
+      <p:sp>
+        <p:nvSpPr>
+          <p:cNvPr id="4" name="Date Placeholder 3"/>
+          <p:cNvSpPr>
+            <a:spLocks noGrp="1"/>
+          </p:cNvSpPr>
+          <p:nvPr>
+            <p:ph type="dt" sz="half" idx="2"/>
+          </p:nvPr>
+        </p:nvSpPr>
+        <p:spPr>
+          <a:xfrm>
+            <a:off x="7554138" y="330370"/>
+            <a:ext cx="3500715" cy="309201"/>
+          </a:xfrm>
+          <a:prstGeom prst="rect">
+            <a:avLst/>
+          </a:prstGeom>
+        </p:spPr>
+        <p:txBody>
           <a:bodyPr vert="horz" lIns="91440" tIns="45720" rIns="91440" bIns="45720" rtlCol="0" anchor="ctr"/>
           <a:lstStyle>
-            <a:lvl1pPr algn="l">
-              <a:defRPr sz="1200">
+            <a:lvl1pPr algn="r">
+              <a:defRPr sz="1000">
                 <a:solidFill>
                   <a:schemeClr val="tx1">
                     <a:tint val="75000"/>
@@ -2922,7 +3150,7 @@
           <a:p>
             <a:fld id="{D41921DE-9A10-457F-BA6E-89142AAEB166}" type="datetimeFigureOut">
               <a:rPr lang="en-US" smtClean="0"/>
-              <a:t>10/30/2018</a:t>
+              <a:t>11/4/2018</a:t>
             </a:fld>
             <a:endParaRPr lang="en-US"/>
           </a:p>
@@ -2930,13 +3158,7 @@
       </p:sp>
       <p:sp>
         <p:nvSpPr>
-          <p:cNvPr id="5" name="Footer Placeholder 4">
-            <a:extLst>
-              <a:ext uri="{FF2B5EF4-FFF2-40B4-BE49-F238E27FC236}">
-                <a16:creationId xmlns:a16="http://schemas.microsoft.com/office/drawing/2014/main" id="{446DF935-1C9D-4C72-8825-69678597E270}"/>
-              </a:ext>
-            </a:extLst>
-          </p:cNvPr>
+          <p:cNvPr id="5" name="Footer Placeholder 4"/>
           <p:cNvSpPr>
             <a:spLocks noGrp="1"/>
           </p:cNvSpPr>
@@ -2946,8 +3168,8 @@
         </p:nvSpPr>
         <p:spPr>
           <a:xfrm>
-            <a:off x="4038600" y="6356350"/>
-            <a:ext cx="4114800" cy="365125"/>
+            <a:off x="1451579" y="329307"/>
+            <a:ext cx="5938836" cy="309201"/>
           </a:xfrm>
           <a:prstGeom prst="rect">
             <a:avLst/>
@@ -2956,8 +3178,8 @@
         <p:txBody>
           <a:bodyPr vert="horz" lIns="91440" tIns="45720" rIns="91440" bIns="45720" rtlCol="0" anchor="ctr"/>
           <a:lstStyle>
-            <a:lvl1pPr algn="ctr">
-              <a:defRPr sz="1200">
+            <a:lvl1pPr algn="l">
+              <a:defRPr sz="1000">
                 <a:solidFill>
                   <a:schemeClr val="tx1">
                     <a:tint val="75000"/>
@@ -2973,13 +3195,7 @@
       </p:sp>
       <p:sp>
         <p:nvSpPr>
-          <p:cNvPr id="6" name="Slide Number Placeholder 5">
-            <a:extLst>
-              <a:ext uri="{FF2B5EF4-FFF2-40B4-BE49-F238E27FC236}">
-                <a16:creationId xmlns:a16="http://schemas.microsoft.com/office/drawing/2014/main" id="{AC60BFBC-44A7-4719-ABF4-FBD011FDC4F0}"/>
-              </a:ext>
-            </a:extLst>
-          </p:cNvPr>
+          <p:cNvPr id="6" name="Slide Number Placeholder 5"/>
           <p:cNvSpPr>
             <a:spLocks noGrp="1"/>
           </p:cNvSpPr>
@@ -2989,22 +3205,20 @@
         </p:nvSpPr>
         <p:spPr>
           <a:xfrm>
-            <a:off x="8610600" y="6356350"/>
-            <a:ext cx="2743200" cy="365125"/>
+            <a:off x="480060" y="798973"/>
+            <a:ext cx="811019" cy="503578"/>
           </a:xfrm>
           <a:prstGeom prst="rect">
             <a:avLst/>
           </a:prstGeom>
         </p:spPr>
         <p:txBody>
-          <a:bodyPr vert="horz" lIns="91440" tIns="45720" rIns="91440" bIns="45720" rtlCol="0" anchor="ctr"/>
+          <a:bodyPr vert="horz" lIns="91440" tIns="45720" rIns="91440" bIns="45720" rtlCol="0" anchor="t"/>
           <a:lstStyle>
             <a:lvl1pPr algn="r">
-              <a:defRPr sz="1200">
+              <a:defRPr sz="2800">
                 <a:solidFill>
-                  <a:schemeClr val="tx1">
-                    <a:tint val="75000"/>
-                  </a:schemeClr>
+                  <a:schemeClr val="accent1"/>
                 </a:solidFill>
               </a:defRPr>
             </a:lvl1pPr>
@@ -3018,26 +3232,63 @@
           </a:p>
         </p:txBody>
       </p:sp>
+      <p:cxnSp>
+        <p:nvCxnSpPr>
+          <p:cNvPr id="10" name="Straight Connector 9"/>
+          <p:cNvCxnSpPr/>
+          <p:nvPr/>
+        </p:nvCxnSpPr>
+        <p:spPr>
+          <a:xfrm>
+            <a:off x="0" y="6128413"/>
+            <a:ext cx="12192000" cy="0"/>
+          </a:xfrm>
+          <a:prstGeom prst="line">
+            <a:avLst/>
+          </a:prstGeom>
+          <a:ln w="12700">
+            <a:solidFill>
+              <a:srgbClr val="000001">
+                <a:alpha val="20000"/>
+              </a:srgbClr>
+            </a:solidFill>
+          </a:ln>
+        </p:spPr>
+        <p:style>
+          <a:lnRef idx="1">
+            <a:schemeClr val="accent1"/>
+          </a:lnRef>
+          <a:fillRef idx="0">
+            <a:schemeClr val="accent1"/>
+          </a:fillRef>
+          <a:effectRef idx="0">
+            <a:schemeClr val="accent1"/>
+          </a:effectRef>
+          <a:fontRef idx="minor">
+            <a:schemeClr val="tx1"/>
+          </a:fontRef>
+        </p:style>
+      </p:cxnSp>
     </p:spTree>
     <p:extLst>
       <p:ext uri="{BB962C8B-B14F-4D97-AF65-F5344CB8AC3E}">
-        <p14:creationId xmlns:p14="http://schemas.microsoft.com/office/powerpoint/2010/main" val="2985189652"/>
+        <p14:creationId xmlns:p14="http://schemas.microsoft.com/office/powerpoint/2010/main" val="3259431793"/>
       </p:ext>
     </p:extLst>
   </p:cSld>
   <p:clrMap bg1="lt1" tx1="dk1" bg2="lt2" tx2="dk2" accent1="accent1" accent2="accent2" accent3="accent3" accent4="accent4" accent5="accent5" accent6="accent6" hlink="hlink" folHlink="folHlink"/>
   <p:sldLayoutIdLst>
-    <p:sldLayoutId id="2147483649" r:id="rId1"/>
-    <p:sldLayoutId id="2147483650" r:id="rId2"/>
-    <p:sldLayoutId id="2147483651" r:id="rId3"/>
-    <p:sldLayoutId id="2147483652" r:id="rId4"/>
-    <p:sldLayoutId id="2147483653" r:id="rId5"/>
-    <p:sldLayoutId id="2147483654" r:id="rId6"/>
-    <p:sldLayoutId id="2147483655" r:id="rId7"/>
-    <p:sldLayoutId id="2147483656" r:id="rId8"/>
-    <p:sldLayoutId id="2147483657" r:id="rId9"/>
-    <p:sldLayoutId id="2147483658" r:id="rId10"/>
-    <p:sldLayoutId id="2147483659" r:id="rId11"/>
+    <p:sldLayoutId id="2147483661" r:id="rId1"/>
+    <p:sldLayoutId id="2147483662" r:id="rId2"/>
+    <p:sldLayoutId id="2147483663" r:id="rId3"/>
+    <p:sldLayoutId id="2147483664" r:id="rId4"/>
+    <p:sldLayoutId id="2147483665" r:id="rId5"/>
+    <p:sldLayoutId id="2147483666" r:id="rId6"/>
+    <p:sldLayoutId id="2147483667" r:id="rId7"/>
+    <p:sldLayoutId id="2147483668" r:id="rId8"/>
+    <p:sldLayoutId id="2147483669" r:id="rId9"/>
+    <p:sldLayoutId id="2147483670" r:id="rId10"/>
+    <p:sldLayoutId id="2147483671" r:id="rId11"/>
   </p:sldLayoutIdLst>
   <p:txStyles>
     <p:titleStyle>
@@ -3049,10 +3300,11 @@
           <a:spcPct val="0"/>
         </a:spcBef>
         <a:buNone/>
-        <a:defRPr sz="4400" kern="1200">
+        <a:defRPr sz="3200" b="0" i="0" kern="1200" cap="all">
           <a:solidFill>
             <a:schemeClr val="tx1"/>
           </a:solidFill>
+          <a:effectLst/>
           <a:latin typeface="+mj-lt"/>
           <a:ea typeface="+mj-ea"/>
           <a:cs typeface="+mj-cs"/>
@@ -3062,17 +3314,22 @@
     <p:bodyStyle>
       <a:lvl1pPr marL="228600" indent="-228600" algn="l" defTabSz="914400" rtl="0" eaLnBrk="1" latinLnBrk="0" hangingPunct="1">
         <a:lnSpc>
-          <a:spcPct val="90000"/>
+          <a:spcPct val="120000"/>
         </a:lnSpc>
         <a:spcBef>
           <a:spcPts val="1000"/>
         </a:spcBef>
+        <a:buClr>
+          <a:schemeClr val="accent1"/>
+        </a:buClr>
+        <a:buSzPct val="100000"/>
         <a:buFont typeface="Arial" panose="020B0604020202020204" pitchFamily="34" charset="0"/>
         <a:buChar char="•"/>
-        <a:defRPr sz="2800" kern="1200">
+        <a:defRPr sz="2000" kern="1200">
           <a:solidFill>
             <a:schemeClr val="tx1"/>
           </a:solidFill>
+          <a:effectLst/>
           <a:latin typeface="+mn-lt"/>
           <a:ea typeface="+mn-ea"/>
           <a:cs typeface="+mn-cs"/>
@@ -3080,17 +3337,22 @@
       </a:lvl1pPr>
       <a:lvl2pPr marL="685800" indent="-228600" algn="l" defTabSz="914400" rtl="0" eaLnBrk="1" latinLnBrk="0" hangingPunct="1">
         <a:lnSpc>
-          <a:spcPct val="90000"/>
+          <a:spcPct val="120000"/>
         </a:lnSpc>
         <a:spcBef>
           <a:spcPts val="500"/>
         </a:spcBef>
+        <a:buClr>
+          <a:schemeClr val="accent1"/>
+        </a:buClr>
+        <a:buSzPct val="100000"/>
         <a:buFont typeface="Arial" panose="020B0604020202020204" pitchFamily="34" charset="0"/>
         <a:buChar char="•"/>
-        <a:defRPr sz="2400" kern="1200">
+        <a:defRPr sz="1800" kern="1200" cap="none" baseline="0">
           <a:solidFill>
             <a:schemeClr val="tx1"/>
           </a:solidFill>
+          <a:effectLst/>
           <a:latin typeface="+mn-lt"/>
           <a:ea typeface="+mn-ea"/>
           <a:cs typeface="+mn-cs"/>
@@ -3098,17 +3360,22 @@
       </a:lvl2pPr>
       <a:lvl3pPr marL="1143000" indent="-228600" algn="l" defTabSz="914400" rtl="0" eaLnBrk="1" latinLnBrk="0" hangingPunct="1">
         <a:lnSpc>
-          <a:spcPct val="90000"/>
+          <a:spcPct val="120000"/>
         </a:lnSpc>
         <a:spcBef>
           <a:spcPts val="500"/>
         </a:spcBef>
+        <a:buClr>
+          <a:schemeClr val="accent1"/>
+        </a:buClr>
+        <a:buSzPct val="100000"/>
         <a:buFont typeface="Arial" panose="020B0604020202020204" pitchFamily="34" charset="0"/>
         <a:buChar char="•"/>
-        <a:defRPr sz="2000" kern="1200">
+        <a:defRPr sz="1600" kern="1200">
           <a:solidFill>
             <a:schemeClr val="tx1"/>
           </a:solidFill>
+          <a:effectLst/>
           <a:latin typeface="+mn-lt"/>
           <a:ea typeface="+mn-ea"/>
           <a:cs typeface="+mn-cs"/>
@@ -3116,17 +3383,22 @@
       </a:lvl3pPr>
       <a:lvl4pPr marL="1600200" indent="-228600" algn="l" defTabSz="914400" rtl="0" eaLnBrk="1" latinLnBrk="0" hangingPunct="1">
         <a:lnSpc>
-          <a:spcPct val="90000"/>
+          <a:spcPct val="120000"/>
         </a:lnSpc>
         <a:spcBef>
           <a:spcPts val="500"/>
         </a:spcBef>
+        <a:buClr>
+          <a:schemeClr val="accent1"/>
+        </a:buClr>
+        <a:buSzPct val="100000"/>
         <a:buFont typeface="Arial" panose="020B0604020202020204" pitchFamily="34" charset="0"/>
         <a:buChar char="•"/>
-        <a:defRPr sz="1800" kern="1200">
+        <a:defRPr sz="1400" kern="1200" cap="none" baseline="0">
           <a:solidFill>
             <a:schemeClr val="tx1"/>
           </a:solidFill>
+          <a:effectLst/>
           <a:latin typeface="+mn-lt"/>
           <a:ea typeface="+mn-ea"/>
           <a:cs typeface="+mn-cs"/>
@@ -3134,17 +3406,22 @@
       </a:lvl4pPr>
       <a:lvl5pPr marL="2057400" indent="-228600" algn="l" defTabSz="914400" rtl="0" eaLnBrk="1" latinLnBrk="0" hangingPunct="1">
         <a:lnSpc>
-          <a:spcPct val="90000"/>
+          <a:spcPct val="120000"/>
         </a:lnSpc>
         <a:spcBef>
           <a:spcPts val="500"/>
         </a:spcBef>
+        <a:buClr>
+          <a:schemeClr val="accent1"/>
+        </a:buClr>
+        <a:buSzPct val="100000"/>
         <a:buFont typeface="Arial" panose="020B0604020202020204" pitchFamily="34" charset="0"/>
         <a:buChar char="•"/>
-        <a:defRPr sz="1800" kern="1200">
+        <a:defRPr sz="1200" kern="1200">
           <a:solidFill>
             <a:schemeClr val="tx1"/>
           </a:solidFill>
+          <a:effectLst/>
           <a:latin typeface="+mn-lt"/>
           <a:ea typeface="+mn-ea"/>
           <a:cs typeface="+mn-cs"/>
@@ -3152,17 +3429,22 @@
       </a:lvl5pPr>
       <a:lvl6pPr marL="2514600" indent="-228600" algn="l" defTabSz="914400" rtl="0" eaLnBrk="1" latinLnBrk="0" hangingPunct="1">
         <a:lnSpc>
-          <a:spcPct val="90000"/>
+          <a:spcPct val="120000"/>
         </a:lnSpc>
         <a:spcBef>
           <a:spcPts val="500"/>
         </a:spcBef>
+        <a:buClr>
+          <a:schemeClr val="accent1"/>
+        </a:buClr>
+        <a:buSzPct val="100000"/>
         <a:buFont typeface="Arial" panose="020B0604020202020204" pitchFamily="34" charset="0"/>
         <a:buChar char="•"/>
-        <a:defRPr sz="1800" kern="1200">
+        <a:defRPr sz="1200" kern="1200">
           <a:solidFill>
             <a:schemeClr val="tx1"/>
           </a:solidFill>
+          <a:effectLst/>
           <a:latin typeface="+mn-lt"/>
           <a:ea typeface="+mn-ea"/>
           <a:cs typeface="+mn-cs"/>
@@ -3170,17 +3452,22 @@
       </a:lvl6pPr>
       <a:lvl7pPr marL="2971800" indent="-228600" algn="l" defTabSz="914400" rtl="0" eaLnBrk="1" latinLnBrk="0" hangingPunct="1">
         <a:lnSpc>
-          <a:spcPct val="90000"/>
+          <a:spcPct val="120000"/>
         </a:lnSpc>
         <a:spcBef>
           <a:spcPts val="500"/>
         </a:spcBef>
+        <a:buClr>
+          <a:schemeClr val="accent1"/>
+        </a:buClr>
+        <a:buSzPct val="100000"/>
         <a:buFont typeface="Arial" panose="020B0604020202020204" pitchFamily="34" charset="0"/>
         <a:buChar char="•"/>
-        <a:defRPr sz="1800" kern="1200">
+        <a:defRPr sz="1200" kern="1200">
           <a:solidFill>
             <a:schemeClr val="tx1"/>
           </a:solidFill>
+          <a:effectLst/>
           <a:latin typeface="+mn-lt"/>
           <a:ea typeface="+mn-ea"/>
           <a:cs typeface="+mn-cs"/>
@@ -3188,17 +3475,22 @@
       </a:lvl7pPr>
       <a:lvl8pPr marL="3429000" indent="-228600" algn="l" defTabSz="914400" rtl="0" eaLnBrk="1" latinLnBrk="0" hangingPunct="1">
         <a:lnSpc>
-          <a:spcPct val="90000"/>
+          <a:spcPct val="120000"/>
         </a:lnSpc>
         <a:spcBef>
           <a:spcPts val="500"/>
         </a:spcBef>
+        <a:buClr>
+          <a:schemeClr val="accent1"/>
+        </a:buClr>
+        <a:buSzPct val="100000"/>
         <a:buFont typeface="Arial" panose="020B0604020202020204" pitchFamily="34" charset="0"/>
         <a:buChar char="•"/>
-        <a:defRPr sz="1800" kern="1200">
+        <a:defRPr sz="1200" kern="1200" baseline="0">
           <a:solidFill>
             <a:schemeClr val="tx1"/>
           </a:solidFill>
+          <a:effectLst/>
           <a:latin typeface="+mn-lt"/>
           <a:ea typeface="+mn-ea"/>
           <a:cs typeface="+mn-cs"/>
@@ -3206,17 +3498,22 @@
       </a:lvl8pPr>
       <a:lvl9pPr marL="3886200" indent="-228600" algn="l" defTabSz="914400" rtl="0" eaLnBrk="1" latinLnBrk="0" hangingPunct="1">
         <a:lnSpc>
-          <a:spcPct val="90000"/>
+          <a:spcPct val="120000"/>
         </a:lnSpc>
         <a:spcBef>
           <a:spcPts val="500"/>
         </a:spcBef>
+        <a:buClr>
+          <a:schemeClr val="accent1"/>
+        </a:buClr>
+        <a:buSzPct val="100000"/>
         <a:buFont typeface="Arial" panose="020B0604020202020204" pitchFamily="34" charset="0"/>
         <a:buChar char="•"/>
-        <a:defRPr sz="1800" kern="1200">
+        <a:defRPr sz="1200" kern="1200" baseline="0">
           <a:solidFill>
             <a:schemeClr val="tx1"/>
           </a:solidFill>
+          <a:effectLst/>
           <a:latin typeface="+mn-lt"/>
           <a:ea typeface="+mn-ea"/>
           <a:cs typeface="+mn-cs"/>
@@ -3357,7 +3654,9 @@
         </p:nvSpPr>
         <p:spPr/>
         <p:txBody>
-          <a:bodyPr/>
+          <a:bodyPr>
+            <a:normAutofit fontScale="90000"/>
+          </a:bodyPr>
           <a:lstStyle/>
           <a:p>
             <a:r>
@@ -3437,7 +3736,7 @@
           <p:cNvPr id="2" name="Title 1">
             <a:extLst>
               <a:ext uri="{FF2B5EF4-FFF2-40B4-BE49-F238E27FC236}">
-                <a16:creationId xmlns:a16="http://schemas.microsoft.com/office/drawing/2014/main" id="{D23C619C-88CC-4D75-8EEA-13B6B4E0AB85}"/>
+                <a16:creationId xmlns:a16="http://schemas.microsoft.com/office/drawing/2014/main" id="{FA295848-902A-40FE-8F5B-47BADBA889DA}"/>
               </a:ext>
             </a:extLst>
           </p:cNvPr>
@@ -3455,7 +3754,7 @@
           <a:p>
             <a:r>
               <a:rPr lang="en-US" dirty="0"/>
-              <a:t>Slot Types</a:t>
+              <a:t>Interaction Types</a:t>
             </a:r>
           </a:p>
         </p:txBody>
@@ -3465,7 +3764,7 @@
           <p:cNvPr id="3" name="Content Placeholder 2">
             <a:extLst>
               <a:ext uri="{FF2B5EF4-FFF2-40B4-BE49-F238E27FC236}">
-                <a16:creationId xmlns:a16="http://schemas.microsoft.com/office/drawing/2014/main" id="{7F5E6E1A-1276-4DCA-800F-1A049EADC4D7}"/>
+                <a16:creationId xmlns:a16="http://schemas.microsoft.com/office/drawing/2014/main" id="{02DA7A9E-989D-4538-95D0-453B931B048D}"/>
               </a:ext>
             </a:extLst>
           </p:cNvPr>
@@ -3479,75 +3778,75 @@
         <p:spPr/>
         <p:txBody>
           <a:bodyPr>
-            <a:normAutofit/>
+            <a:normAutofit fontScale="92500" lnSpcReduction="20000"/>
           </a:bodyPr>
           <a:lstStyle/>
           <a:p>
             <a:r>
               <a:rPr lang="en-US" dirty="0"/>
-              <a:t>Variables within a utterance</a:t>
-            </a:r>
-          </a:p>
-          <a:p>
-            <a:r>
-              <a:rPr lang="en-US" dirty="0"/>
-              <a:t>Utterances can have multiple slots</a:t>
-            </a:r>
-          </a:p>
-          <a:p>
-            <a:r>
-              <a:rPr lang="en-US" dirty="0"/>
-              <a:t>User: “Alexa ask ESPN what the score of the </a:t>
-            </a:r>
-            <a:r>
-              <a:rPr lang="en-US" b="1" dirty="0"/>
-              <a:t>Minnesota Viking</a:t>
-            </a:r>
-            <a:r>
-              <a:rPr lang="en-US" dirty="0"/>
-              <a:t> </a:t>
-            </a:r>
-            <a:r>
-              <a:rPr lang="en-US" b="1" dirty="0"/>
-              <a:t>football </a:t>
-            </a:r>
-            <a:r>
-              <a:rPr lang="en-US" dirty="0"/>
-              <a:t>game.”</a:t>
-            </a:r>
-          </a:p>
-          <a:p>
-            <a:r>
-              <a:rPr lang="en-US" dirty="0"/>
-              <a:t>User: “Alexa ask ESPN what the score of the {team name} {sport name} game.”</a:t>
+              <a:t>Single Command</a:t>
             </a:r>
           </a:p>
           <a:p>
             <a:pPr lvl="1"/>
             <a:r>
               <a:rPr lang="en-US" dirty="0"/>
-              <a:t>{team name}</a:t>
+              <a:t>User: “Alexa ask ESPN for the score of the Viking game.”</a:t>
             </a:r>
           </a:p>
           <a:p>
             <a:pPr lvl="2"/>
             <a:r>
               <a:rPr lang="en-US" dirty="0"/>
-              <a:t>Minnesota Vikings, Green Bay Packers, Minnesota Wild</a:t>
+              <a:t>Alexa: “The score of the Viking Packer game is 21-13, Vikings in the lead.”</a:t>
+            </a:r>
+          </a:p>
+          <a:p>
+            <a:r>
+              <a:rPr lang="en-US" dirty="0"/>
+              <a:t>Sessions</a:t>
             </a:r>
           </a:p>
           <a:p>
             <a:pPr lvl="1"/>
             <a:r>
               <a:rPr lang="en-US" dirty="0"/>
-              <a:t>{sport}</a:t>
+              <a:t>Do not require user to say invocation name for every command</a:t>
+            </a:r>
+          </a:p>
+          <a:p>
+            <a:pPr lvl="1"/>
+            <a:r>
+              <a:rPr lang="en-US" dirty="0"/>
+              <a:t>User: “Alexa open ESPN”</a:t>
             </a:r>
           </a:p>
           <a:p>
             <a:pPr lvl="2"/>
             <a:r>
               <a:rPr lang="en-US" dirty="0"/>
-              <a:t>Football, hockey, baseball</a:t>
+              <a:t>Alexa ESPN skill: “Welcome to ESPN, how can I help you?”</a:t>
+            </a:r>
+          </a:p>
+          <a:p>
+            <a:pPr lvl="2"/>
+            <a:r>
+              <a:rPr lang="en-US" dirty="0"/>
+              <a:t>User: “How are Minnesota sports doing?”</a:t>
+            </a:r>
+          </a:p>
+          <a:p>
+            <a:pPr lvl="2"/>
+            <a:r>
+              <a:rPr lang="en-US" dirty="0"/>
+              <a:t>Alexa ESPN skill: “Minnesota Wild are have a record of 3-1-1 and the Twins have a record of 23-33.”</a:t>
+            </a:r>
+          </a:p>
+          <a:p>
+            <a:pPr lvl="2"/>
+            <a:r>
+              <a:rPr lang="en-US" dirty="0"/>
+              <a:t>…</a:t>
             </a:r>
           </a:p>
         </p:txBody>
@@ -3555,7 +3854,7 @@
     </p:spTree>
     <p:extLst>
       <p:ext uri="{BB962C8B-B14F-4D97-AF65-F5344CB8AC3E}">
-        <p14:creationId xmlns:p14="http://schemas.microsoft.com/office/powerpoint/2010/main" val="4124802825"/>
+        <p14:creationId xmlns:p14="http://schemas.microsoft.com/office/powerpoint/2010/main" val="1769388970"/>
       </p:ext>
     </p:extLst>
   </p:cSld>
@@ -3587,7 +3886,7 @@
           <p:cNvPr id="2" name="Title 1">
             <a:extLst>
               <a:ext uri="{FF2B5EF4-FFF2-40B4-BE49-F238E27FC236}">
-                <a16:creationId xmlns:a16="http://schemas.microsoft.com/office/drawing/2014/main" id="{FA295848-902A-40FE-8F5B-47BADBA889DA}"/>
+                <a16:creationId xmlns:a16="http://schemas.microsoft.com/office/drawing/2014/main" id="{F4E9973C-D474-42E9-AFBF-F9FEF0565B55}"/>
               </a:ext>
             </a:extLst>
           </p:cNvPr>
@@ -3605,7 +3904,7 @@
           <a:p>
             <a:r>
               <a:rPr lang="en-US" dirty="0"/>
-              <a:t>Interaction Types</a:t>
+              <a:t>Let’s Build One!</a:t>
             </a:r>
           </a:p>
         </p:txBody>
@@ -3615,7 +3914,7 @@
           <p:cNvPr id="3" name="Content Placeholder 2">
             <a:extLst>
               <a:ext uri="{FF2B5EF4-FFF2-40B4-BE49-F238E27FC236}">
-                <a16:creationId xmlns:a16="http://schemas.microsoft.com/office/drawing/2014/main" id="{02DA7A9E-989D-4538-95D0-453B931B048D}"/>
+                <a16:creationId xmlns:a16="http://schemas.microsoft.com/office/drawing/2014/main" id="{7A4ECB46-429B-4553-B530-02602B503A56}"/>
               </a:ext>
             </a:extLst>
           </p:cNvPr>
@@ -3633,69 +3932,62 @@
           <a:p>
             <a:r>
               <a:rPr lang="en-US" dirty="0"/>
-              <a:t>Single Command</a:t>
+              <a:t>Stocks</a:t>
+            </a:r>
+          </a:p>
+          <a:p>
+            <a:r>
+              <a:rPr lang="en-US" dirty="0"/>
+              <a:t>Sample Intent:</a:t>
             </a:r>
           </a:p>
           <a:p>
             <a:pPr lvl="1"/>
             <a:r>
               <a:rPr lang="en-US" dirty="0"/>
-              <a:t>User: “Alexa ask ESPN for the score of the Viking game.”</a:t>
+              <a:t>Stock Price </a:t>
+            </a:r>
+            <a:r>
+              <a:rPr lang="en-US"/>
+              <a:t>Intent: </a:t>
+            </a:r>
+            <a:r>
+              <a:rPr lang="en-US" dirty="0"/>
+              <a:t>“What is the price of Apple’s stock?”</a:t>
+            </a:r>
+          </a:p>
+          <a:p>
+            <a:pPr lvl="1"/>
+            <a:r>
+              <a:rPr lang="en-US" dirty="0"/>
+              <a:t>CEO Intent: “Who is the CEO of Tesla?”</a:t>
+            </a:r>
+          </a:p>
+          <a:p>
+            <a:pPr lvl="1"/>
+            <a:r>
+              <a:rPr lang="en-US" dirty="0"/>
+              <a:t>Industry Intent: “What industry is Tesla in?”</a:t>
+            </a:r>
+          </a:p>
+          <a:p>
+            <a:r>
+              <a:rPr lang="en-US" dirty="0"/>
+              <a:t>Give Alexa a memory</a:t>
+            </a:r>
+          </a:p>
+          <a:p>
+            <a:pPr lvl="1"/>
+            <a:r>
+              <a:rPr lang="en-US" dirty="0"/>
+              <a:t>User will not need to say company name each time</a:t>
             </a:r>
           </a:p>
           <a:p>
             <a:pPr lvl="2"/>
             <a:r>
               <a:rPr lang="en-US" dirty="0"/>
-              <a:t>Alexa: “The score of the Viking Packer game is 21-13, Vikings in the lead.”</a:t>
-            </a:r>
-          </a:p>
-          <a:p>
-            <a:r>
-              <a:rPr lang="en-US" dirty="0"/>
-              <a:t>Sessions</a:t>
-            </a:r>
-          </a:p>
-          <a:p>
-            <a:pPr lvl="1"/>
-            <a:r>
-              <a:rPr lang="en-US" dirty="0"/>
-              <a:t>Do not require user to say invocation name for every command</a:t>
-            </a:r>
-          </a:p>
-          <a:p>
-            <a:pPr lvl="1"/>
-            <a:r>
-              <a:rPr lang="en-US" dirty="0"/>
-              <a:t>User: “Alexa open ESPN”</a:t>
-            </a:r>
-          </a:p>
-          <a:p>
-            <a:pPr lvl="2"/>
-            <a:r>
-              <a:rPr lang="en-US" dirty="0"/>
-              <a:t>Alexa ESPN skill: “Welcome to ESPN, how can I help you?”</a:t>
-            </a:r>
-          </a:p>
-          <a:p>
-            <a:pPr lvl="2"/>
-            <a:r>
-              <a:rPr lang="en-US" dirty="0"/>
-              <a:t>User: “How are Minnesota sports doing?”</a:t>
-            </a:r>
-          </a:p>
-          <a:p>
-            <a:pPr lvl="2"/>
-            <a:r>
-              <a:rPr lang="en-US" dirty="0"/>
-              <a:t>Alexa ESPN skill: “Minnesota Wild are have a record of 3-1-1 and the Twins have a record of 23-33.”</a:t>
-            </a:r>
-          </a:p>
-          <a:p>
-            <a:pPr lvl="2"/>
-            <a:r>
-              <a:rPr lang="en-US" dirty="0"/>
-              <a:t>…</a:t>
+              <a:t>“Who is the CEO?”</a:t>
             </a:r>
           </a:p>
         </p:txBody>
@@ -3703,7 +3995,7 @@
     </p:spTree>
     <p:extLst>
       <p:ext uri="{BB962C8B-B14F-4D97-AF65-F5344CB8AC3E}">
-        <p14:creationId xmlns:p14="http://schemas.microsoft.com/office/powerpoint/2010/main" val="1769388970"/>
+        <p14:creationId xmlns:p14="http://schemas.microsoft.com/office/powerpoint/2010/main" val="4221358634"/>
       </p:ext>
     </p:extLst>
   </p:cSld>
@@ -3735,7 +4027,7 @@
           <p:cNvPr id="2" name="Title 1">
             <a:extLst>
               <a:ext uri="{FF2B5EF4-FFF2-40B4-BE49-F238E27FC236}">
-                <a16:creationId xmlns:a16="http://schemas.microsoft.com/office/drawing/2014/main" id="{F4E9973C-D474-42E9-AFBF-F9FEF0565B55}"/>
+                <a16:creationId xmlns:a16="http://schemas.microsoft.com/office/drawing/2014/main" id="{7BE69B2F-4DE4-4FBD-BB64-CEDCB6DB66E7}"/>
               </a:ext>
             </a:extLst>
           </p:cNvPr>
@@ -3753,7 +4045,7 @@
           <a:p>
             <a:r>
               <a:rPr lang="en-US" dirty="0"/>
-              <a:t>Let’s Build One!</a:t>
+              <a:t>Possibilities Are Endless</a:t>
             </a:r>
           </a:p>
         </p:txBody>
@@ -3763,7 +4055,7 @@
           <p:cNvPr id="3" name="Content Placeholder 2">
             <a:extLst>
               <a:ext uri="{FF2B5EF4-FFF2-40B4-BE49-F238E27FC236}">
-                <a16:creationId xmlns:a16="http://schemas.microsoft.com/office/drawing/2014/main" id="{7A4ECB46-429B-4553-B530-02602B503A56}"/>
+                <a16:creationId xmlns:a16="http://schemas.microsoft.com/office/drawing/2014/main" id="{E1BF6A94-E6BE-4997-9999-3CC658EF4E58}"/>
               </a:ext>
             </a:extLst>
           </p:cNvPr>
@@ -3776,59 +4068,69 @@
         </p:nvSpPr>
         <p:spPr/>
         <p:txBody>
-          <a:bodyPr/>
-          <a:lstStyle/>
-          <a:p>
-            <a:r>
-              <a:rPr lang="en-US" dirty="0"/>
-              <a:t>Stocks</a:t>
-            </a:r>
-          </a:p>
-          <a:p>
-            <a:r>
-              <a:rPr lang="en-US" dirty="0"/>
-              <a:t>Sample Intents:</a:t>
+          <a:bodyPr>
+            <a:normAutofit lnSpcReduction="10000"/>
+          </a:bodyPr>
+          <a:lstStyle/>
+          <a:p>
+            <a:r>
+              <a:rPr lang="en-US" dirty="0"/>
+              <a:t>Alexa supports</a:t>
             </a:r>
           </a:p>
           <a:p>
             <a:pPr lvl="1"/>
             <a:r>
               <a:rPr lang="en-US" dirty="0"/>
-              <a:t>“What is the price of Apple’s stock?”</a:t>
+              <a:t>Text-speech</a:t>
             </a:r>
           </a:p>
           <a:p>
             <a:pPr lvl="1"/>
             <a:r>
               <a:rPr lang="en-US" dirty="0"/>
-              <a:t>“Who is the CEO of Tesla?”</a:t>
+              <a:t>Audio player</a:t>
             </a:r>
           </a:p>
           <a:p>
             <a:pPr lvl="1"/>
             <a:r>
               <a:rPr lang="en-US" dirty="0"/>
-              <a:t>“What industry is Tesla in?”</a:t>
-            </a:r>
-          </a:p>
-          <a:p>
-            <a:r>
-              <a:rPr lang="en-US" dirty="0"/>
-              <a:t>Give Alexa a memory</a:t>
+              <a:t>Video player</a:t>
             </a:r>
           </a:p>
           <a:p>
             <a:pPr lvl="1"/>
             <a:r>
               <a:rPr lang="en-US" dirty="0"/>
-              <a:t>User will not need to say company name each time</a:t>
-            </a:r>
-          </a:p>
-          <a:p>
-            <a:pPr lvl="2"/>
-            <a:r>
-              <a:rPr lang="en-US" dirty="0"/>
-              <a:t>“Who is the CEO?”</a:t>
+              <a:t>Display Interface</a:t>
+            </a:r>
+          </a:p>
+          <a:p>
+            <a:pPr lvl="1"/>
+            <a:r>
+              <a:rPr lang="en-US" dirty="0"/>
+              <a:t>Alexa Gadget – physical button accessory </a:t>
+            </a:r>
+          </a:p>
+          <a:p>
+            <a:r>
+              <a:rPr lang="en-US" dirty="0"/>
+              <a:t>Complexity</a:t>
+            </a:r>
+          </a:p>
+          <a:p>
+            <a:pPr lvl="1"/>
+            <a:r>
+              <a:rPr lang="en-US" dirty="0"/>
+              <a:t>Giving your skill persistent memory</a:t>
+            </a:r>
+          </a:p>
+          <a:p>
+            <a:pPr lvl="1"/>
+            <a:r>
+              <a:rPr lang="en-US" dirty="0"/>
+              <a:t>Automating tasks</a:t>
             </a:r>
           </a:p>
         </p:txBody>
@@ -3836,7 +4138,7 @@
     </p:spTree>
     <p:extLst>
       <p:ext uri="{BB962C8B-B14F-4D97-AF65-F5344CB8AC3E}">
-        <p14:creationId xmlns:p14="http://schemas.microsoft.com/office/powerpoint/2010/main" val="4221358634"/>
+        <p14:creationId xmlns:p14="http://schemas.microsoft.com/office/powerpoint/2010/main" val="2587612198"/>
       </p:ext>
     </p:extLst>
   </p:cSld>
@@ -3868,147 +4170,6 @@
           <p:cNvPr id="2" name="Title 1">
             <a:extLst>
               <a:ext uri="{FF2B5EF4-FFF2-40B4-BE49-F238E27FC236}">
-                <a16:creationId xmlns:a16="http://schemas.microsoft.com/office/drawing/2014/main" id="{7BE69B2F-4DE4-4FBD-BB64-CEDCB6DB66E7}"/>
-              </a:ext>
-            </a:extLst>
-          </p:cNvPr>
-          <p:cNvSpPr>
-            <a:spLocks noGrp="1"/>
-          </p:cNvSpPr>
-          <p:nvPr>
-            <p:ph type="title"/>
-          </p:nvPr>
-        </p:nvSpPr>
-        <p:spPr/>
-        <p:txBody>
-          <a:bodyPr/>
-          <a:lstStyle/>
-          <a:p>
-            <a:r>
-              <a:rPr lang="en-US" dirty="0"/>
-              <a:t>Possibilities Are Endless</a:t>
-            </a:r>
-          </a:p>
-        </p:txBody>
-      </p:sp>
-      <p:sp>
-        <p:nvSpPr>
-          <p:cNvPr id="3" name="Content Placeholder 2">
-            <a:extLst>
-              <a:ext uri="{FF2B5EF4-FFF2-40B4-BE49-F238E27FC236}">
-                <a16:creationId xmlns:a16="http://schemas.microsoft.com/office/drawing/2014/main" id="{E1BF6A94-E6BE-4997-9999-3CC658EF4E58}"/>
-              </a:ext>
-            </a:extLst>
-          </p:cNvPr>
-          <p:cNvSpPr>
-            <a:spLocks noGrp="1"/>
-          </p:cNvSpPr>
-          <p:nvPr>
-            <p:ph idx="1"/>
-          </p:nvPr>
-        </p:nvSpPr>
-        <p:spPr/>
-        <p:txBody>
-          <a:bodyPr/>
-          <a:lstStyle/>
-          <a:p>
-            <a:r>
-              <a:rPr lang="en-US" dirty="0"/>
-              <a:t>Alexa supports</a:t>
-            </a:r>
-          </a:p>
-          <a:p>
-            <a:pPr lvl="1"/>
-            <a:r>
-              <a:rPr lang="en-US" dirty="0"/>
-              <a:t>Text-speech</a:t>
-            </a:r>
-          </a:p>
-          <a:p>
-            <a:pPr lvl="1"/>
-            <a:r>
-              <a:rPr lang="en-US" dirty="0"/>
-              <a:t>Audio player</a:t>
-            </a:r>
-          </a:p>
-          <a:p>
-            <a:pPr lvl="1"/>
-            <a:r>
-              <a:rPr lang="en-US" dirty="0"/>
-              <a:t>Video player</a:t>
-            </a:r>
-          </a:p>
-          <a:p>
-            <a:pPr lvl="1"/>
-            <a:r>
-              <a:rPr lang="en-US" dirty="0"/>
-              <a:t>Display Interface</a:t>
-            </a:r>
-          </a:p>
-          <a:p>
-            <a:pPr lvl="1"/>
-            <a:r>
-              <a:rPr lang="en-US" dirty="0"/>
-              <a:t>Alexa Gadget – physical button accessory </a:t>
-            </a:r>
-          </a:p>
-          <a:p>
-            <a:r>
-              <a:rPr lang="en-US" dirty="0"/>
-              <a:t>Complexity</a:t>
-            </a:r>
-          </a:p>
-          <a:p>
-            <a:pPr lvl="1"/>
-            <a:r>
-              <a:rPr lang="en-US" dirty="0"/>
-              <a:t>Giving your skill persistent memory</a:t>
-            </a:r>
-          </a:p>
-          <a:p>
-            <a:pPr lvl="1"/>
-            <a:r>
-              <a:rPr lang="en-US" dirty="0"/>
-              <a:t>Automating tasks</a:t>
-            </a:r>
-          </a:p>
-        </p:txBody>
-      </p:sp>
-    </p:spTree>
-    <p:extLst>
-      <p:ext uri="{BB962C8B-B14F-4D97-AF65-F5344CB8AC3E}">
-        <p14:creationId xmlns:p14="http://schemas.microsoft.com/office/powerpoint/2010/main" val="2587612198"/>
-      </p:ext>
-    </p:extLst>
-  </p:cSld>
-  <p:clrMapOvr>
-    <a:masterClrMapping/>
-  </p:clrMapOvr>
-</p:sld>
-</file>
-
-<file path=ppt/slides/slide14.xml><?xml version="1.0" encoding="utf-8"?>
-<p:sld xmlns:a="http://schemas.openxmlformats.org/drawingml/2006/main" xmlns:r="http://schemas.openxmlformats.org/officeDocument/2006/relationships" xmlns:p="http://schemas.openxmlformats.org/presentationml/2006/main">
-  <p:cSld>
-    <p:spTree>
-      <p:nvGrpSpPr>
-        <p:cNvPr id="1" name=""/>
-        <p:cNvGrpSpPr/>
-        <p:nvPr/>
-      </p:nvGrpSpPr>
-      <p:grpSpPr>
-        <a:xfrm>
-          <a:off x="0" y="0"/>
-          <a:ext cx="0" cy="0"/>
-          <a:chOff x="0" y="0"/>
-          <a:chExt cx="0" cy="0"/>
-        </a:xfrm>
-      </p:grpSpPr>
-      <p:sp>
-        <p:nvSpPr>
-          <p:cNvPr id="2" name="Title 1">
-            <a:extLst>
-              <a:ext uri="{FF2B5EF4-FFF2-40B4-BE49-F238E27FC236}">
                 <a16:creationId xmlns:a16="http://schemas.microsoft.com/office/drawing/2014/main" id="{A80C109C-9D2D-482A-ADB3-2A68165E8CF5}"/>
               </a:ext>
             </a:extLst>
@@ -4020,12 +4181,7 @@
             <p:ph type="title"/>
           </p:nvPr>
         </p:nvSpPr>
-        <p:spPr>
-          <a:xfrm>
-            <a:off x="838200" y="365125"/>
-            <a:ext cx="10515600" cy="1325563"/>
-          </a:xfrm>
-        </p:spPr>
+        <p:spPr/>
         <p:txBody>
           <a:bodyPr/>
           <a:lstStyle/>
@@ -4133,7 +4289,7 @@
           <p:cNvPr id="2" name="Title 1">
             <a:extLst>
               <a:ext uri="{FF2B5EF4-FFF2-40B4-BE49-F238E27FC236}">
-                <a16:creationId xmlns:a16="http://schemas.microsoft.com/office/drawing/2014/main" id="{882CAE58-046B-45C8-9646-CF5841C4BF8D}"/>
+                <a16:creationId xmlns:a16="http://schemas.microsoft.com/office/drawing/2014/main" id="{613835D5-69E2-4D87-97C5-6A185B0E0850}"/>
               </a:ext>
             </a:extLst>
           </p:cNvPr>
@@ -4161,7 +4317,7 @@
           <p:cNvPr id="3" name="Content Placeholder 2">
             <a:extLst>
               <a:ext uri="{FF2B5EF4-FFF2-40B4-BE49-F238E27FC236}">
-                <a16:creationId xmlns:a16="http://schemas.microsoft.com/office/drawing/2014/main" id="{F99AC049-9C85-4169-8D06-F165BF498F19}"/>
+                <a16:creationId xmlns:a16="http://schemas.microsoft.com/office/drawing/2014/main" id="{00AF2883-D1F8-4BB4-837C-9EEB588A9BAA}"/>
               </a:ext>
             </a:extLst>
           </p:cNvPr>
@@ -4177,14 +4333,32 @@
           <a:bodyPr/>
           <a:lstStyle/>
           <a:p>
-            <a:endParaRPr lang="en-US"/>
+            <a:r>
+              <a:rPr lang="en-US" dirty="0"/>
+              <a:t>Software Engineer </a:t>
+            </a:r>
+          </a:p>
+          <a:p>
+            <a:r>
+              <a:rPr lang="en-US" dirty="0"/>
+              <a:t>Currently working at C.H. Robinson from 9-5</a:t>
+            </a:r>
+          </a:p>
+          <a:p>
+            <a:r>
+              <a:rPr lang="en-US" dirty="0"/>
+              <a:t>I build cool software on the side and mentor aspiring software engineers</a:t>
+            </a:r>
+          </a:p>
+          <a:p>
+            <a:endParaRPr lang="en-US" dirty="0"/>
           </a:p>
         </p:txBody>
       </p:sp>
     </p:spTree>
     <p:extLst>
       <p:ext uri="{BB962C8B-B14F-4D97-AF65-F5344CB8AC3E}">
-        <p14:creationId xmlns:p14="http://schemas.microsoft.com/office/powerpoint/2010/main" val="3012193843"/>
+        <p14:creationId xmlns:p14="http://schemas.microsoft.com/office/powerpoint/2010/main" val="504703730"/>
       </p:ext>
     </p:extLst>
   </p:cSld>
@@ -4216,7 +4390,7 @@
           <p:cNvPr id="2" name="Title 1">
             <a:extLst>
               <a:ext uri="{FF2B5EF4-FFF2-40B4-BE49-F238E27FC236}">
-                <a16:creationId xmlns:a16="http://schemas.microsoft.com/office/drawing/2014/main" id="{613835D5-69E2-4D87-97C5-6A185B0E0850}"/>
+                <a16:creationId xmlns:a16="http://schemas.microsoft.com/office/drawing/2014/main" id="{D8CFACD9-252B-464F-8ECC-0FBD04808441}"/>
               </a:ext>
             </a:extLst>
           </p:cNvPr>
@@ -4234,7 +4408,7 @@
           <a:p>
             <a:r>
               <a:rPr lang="en-US" dirty="0"/>
-              <a:t>Who Am I?</a:t>
+              <a:t>Overview for Today</a:t>
             </a:r>
           </a:p>
         </p:txBody>
@@ -4244,7 +4418,7 @@
           <p:cNvPr id="3" name="Content Placeholder 2">
             <a:extLst>
               <a:ext uri="{FF2B5EF4-FFF2-40B4-BE49-F238E27FC236}">
-                <a16:creationId xmlns:a16="http://schemas.microsoft.com/office/drawing/2014/main" id="{00AF2883-D1F8-4BB4-837C-9EEB588A9BAA}"/>
+                <a16:creationId xmlns:a16="http://schemas.microsoft.com/office/drawing/2014/main" id="{6F116386-D81D-4B46-B7E5-741EC6D29952}"/>
               </a:ext>
             </a:extLst>
           </p:cNvPr>
@@ -4262,22 +4436,51 @@
           <a:p>
             <a:r>
               <a:rPr lang="en-US" dirty="0"/>
-              <a:t>Software Engineer </a:t>
-            </a:r>
-          </a:p>
-          <a:p>
-            <a:r>
-              <a:rPr lang="en-US" dirty="0"/>
-              <a:t>Currently working at C.H. Robinson from 9-5</a:t>
-            </a:r>
-          </a:p>
-          <a:p>
-            <a:r>
-              <a:rPr lang="en-US" dirty="0"/>
-              <a:t>I build cool software on the side and mentor aspiring software engineers</a:t>
-            </a:r>
-          </a:p>
-          <a:p>
+              <a:t>Implementing, Deploying Custom Alexa Skill</a:t>
+            </a:r>
+          </a:p>
+          <a:p>
+            <a:pPr lvl="1"/>
+            <a:r>
+              <a:rPr lang="en-US" dirty="0"/>
+              <a:t>Alexa Skills Kit Command Line Interface (ASK CLI)</a:t>
+            </a:r>
+          </a:p>
+          <a:p>
+            <a:pPr lvl="1"/>
+            <a:r>
+              <a:rPr lang="en-US" dirty="0"/>
+              <a:t>AWS Lambda</a:t>
+            </a:r>
+          </a:p>
+          <a:p>
+            <a:pPr lvl="1"/>
+            <a:r>
+              <a:rPr lang="en-US" dirty="0"/>
+              <a:t>Node.js</a:t>
+            </a:r>
+          </a:p>
+          <a:p>
+            <a:r>
+              <a:rPr lang="en-US" dirty="0"/>
+              <a:t>How to consume a public API</a:t>
+            </a:r>
+          </a:p>
+          <a:p>
+            <a:pPr lvl="1"/>
+            <a:r>
+              <a:rPr lang="en-US" dirty="0"/>
+              <a:t>Stock data from IEX Trading API</a:t>
+            </a:r>
+          </a:p>
+          <a:p>
+            <a:pPr lvl="2"/>
+            <a:r>
+              <a:rPr lang="en-US" dirty="0">
+                <a:hlinkClick r:id="rId2"/>
+              </a:rPr>
+              <a:t>https://iextrading.com/developer/docs/#getting-started</a:t>
+            </a:r>
             <a:endParaRPr lang="en-US" dirty="0"/>
           </a:p>
         </p:txBody>
@@ -4285,7 +4488,7 @@
     </p:spTree>
     <p:extLst>
       <p:ext uri="{BB962C8B-B14F-4D97-AF65-F5344CB8AC3E}">
-        <p14:creationId xmlns:p14="http://schemas.microsoft.com/office/powerpoint/2010/main" val="504703730"/>
+        <p14:creationId xmlns:p14="http://schemas.microsoft.com/office/powerpoint/2010/main" val="3985130253"/>
       </p:ext>
     </p:extLst>
   </p:cSld>
@@ -4317,7 +4520,7 @@
           <p:cNvPr id="2" name="Title 1">
             <a:extLst>
               <a:ext uri="{FF2B5EF4-FFF2-40B4-BE49-F238E27FC236}">
-                <a16:creationId xmlns:a16="http://schemas.microsoft.com/office/drawing/2014/main" id="{D8CFACD9-252B-464F-8ECC-0FBD04808441}"/>
+                <a16:creationId xmlns:a16="http://schemas.microsoft.com/office/drawing/2014/main" id="{AAF68D47-6D31-43EF-A9AA-C275631E2842}"/>
               </a:ext>
             </a:extLst>
           </p:cNvPr>
@@ -4335,7 +4538,7 @@
           <a:p>
             <a:r>
               <a:rPr lang="en-US" dirty="0"/>
-              <a:t>Overview for Today</a:t>
+              <a:t>What Makes a Skill?</a:t>
             </a:r>
           </a:p>
         </p:txBody>
@@ -4345,7 +4548,7 @@
           <p:cNvPr id="3" name="Content Placeholder 2">
             <a:extLst>
               <a:ext uri="{FF2B5EF4-FFF2-40B4-BE49-F238E27FC236}">
-                <a16:creationId xmlns:a16="http://schemas.microsoft.com/office/drawing/2014/main" id="{6F116386-D81D-4B46-B7E5-741EC6D29952}"/>
+                <a16:creationId xmlns:a16="http://schemas.microsoft.com/office/drawing/2014/main" id="{CE4643B2-1E5E-43B1-AB0F-0C754F3AD670}"/>
               </a:ext>
             </a:extLst>
           </p:cNvPr>
@@ -4363,51 +4566,16 @@
           <a:p>
             <a:r>
               <a:rPr lang="en-US" dirty="0"/>
-              <a:t>Implementing, Deploying Custom Alexa Skill</a:t>
-            </a:r>
-          </a:p>
-          <a:p>
-            <a:pPr lvl="1"/>
-            <a:r>
-              <a:rPr lang="en-US" dirty="0"/>
-              <a:t>Alexa Skills Kit Command Line Interface (ASK CLI)</a:t>
-            </a:r>
-          </a:p>
-          <a:p>
-            <a:pPr lvl="1"/>
-            <a:r>
-              <a:rPr lang="en-US" dirty="0"/>
-              <a:t>AWS Lambda</a:t>
-            </a:r>
-          </a:p>
-          <a:p>
-            <a:pPr lvl="1"/>
-            <a:r>
-              <a:rPr lang="en-US" dirty="0"/>
-              <a:t>Node.js</a:t>
-            </a:r>
-          </a:p>
-          <a:p>
-            <a:r>
-              <a:rPr lang="en-US" dirty="0"/>
-              <a:t>How to consume a public API</a:t>
-            </a:r>
-          </a:p>
-          <a:p>
-            <a:pPr lvl="1"/>
-            <a:r>
-              <a:rPr lang="en-US" dirty="0"/>
-              <a:t>Stock data from IEX Trading API</a:t>
-            </a:r>
-          </a:p>
-          <a:p>
-            <a:pPr lvl="2"/>
-            <a:r>
-              <a:rPr lang="en-US" dirty="0">
-                <a:hlinkClick r:id="rId2"/>
-              </a:rPr>
-              <a:t>https://iextrading.com/developer/docs/#getting-started</a:t>
-            </a:r>
+              <a:t>JSON File</a:t>
+            </a:r>
+          </a:p>
+          <a:p>
+            <a:r>
+              <a:rPr lang="en-US" dirty="0"/>
+              <a:t>JavaScript File</a:t>
+            </a:r>
+          </a:p>
+          <a:p>
             <a:endParaRPr lang="en-US" dirty="0"/>
           </a:p>
         </p:txBody>
@@ -4415,7 +4583,7 @@
     </p:spTree>
     <p:extLst>
       <p:ext uri="{BB962C8B-B14F-4D97-AF65-F5344CB8AC3E}">
-        <p14:creationId xmlns:p14="http://schemas.microsoft.com/office/powerpoint/2010/main" val="3985130253"/>
+        <p14:creationId xmlns:p14="http://schemas.microsoft.com/office/powerpoint/2010/main" val="1035418609"/>
       </p:ext>
     </p:extLst>
   </p:cSld>
@@ -4447,7 +4615,7 @@
           <p:cNvPr id="2" name="Title 1">
             <a:extLst>
               <a:ext uri="{FF2B5EF4-FFF2-40B4-BE49-F238E27FC236}">
-                <a16:creationId xmlns:a16="http://schemas.microsoft.com/office/drawing/2014/main" id="{AAF68D47-6D31-43EF-A9AA-C275631E2842}"/>
+                <a16:creationId xmlns:a16="http://schemas.microsoft.com/office/drawing/2014/main" id="{EFC4A874-CCC4-4998-BDAB-E0A6E1783627}"/>
               </a:ext>
             </a:extLst>
           </p:cNvPr>
@@ -4465,7 +4633,7 @@
           <a:p>
             <a:r>
               <a:rPr lang="en-US" dirty="0"/>
-              <a:t>What Makes a Skill?</a:t>
+              <a:t>No, its that simple but there is a bit more…</a:t>
             </a:r>
           </a:p>
         </p:txBody>
@@ -4475,7 +4643,7 @@
           <p:cNvPr id="3" name="Content Placeholder 2">
             <a:extLst>
               <a:ext uri="{FF2B5EF4-FFF2-40B4-BE49-F238E27FC236}">
-                <a16:creationId xmlns:a16="http://schemas.microsoft.com/office/drawing/2014/main" id="{CE4643B2-1E5E-43B1-AB0F-0C754F3AD670}"/>
+                <a16:creationId xmlns:a16="http://schemas.microsoft.com/office/drawing/2014/main" id="{F0A553D2-B111-42C0-9A6A-010365C72DD6}"/>
               </a:ext>
             </a:extLst>
           </p:cNvPr>
@@ -4488,18 +4656,69 @@
         </p:nvSpPr>
         <p:spPr/>
         <p:txBody>
-          <a:bodyPr/>
-          <a:lstStyle/>
-          <a:p>
-            <a:r>
-              <a:rPr lang="en-US" dirty="0"/>
-              <a:t>JSON File</a:t>
-            </a:r>
-          </a:p>
-          <a:p>
-            <a:r>
-              <a:rPr lang="en-US" dirty="0"/>
-              <a:t>JavaScript File</a:t>
+          <a:bodyPr>
+            <a:normAutofit lnSpcReduction="10000"/>
+          </a:bodyPr>
+          <a:lstStyle/>
+          <a:p>
+            <a:r>
+              <a:rPr lang="en-US" dirty="0"/>
+              <a:t>Interaction Model (JSON File)</a:t>
+            </a:r>
+          </a:p>
+          <a:p>
+            <a:pPr lvl="1"/>
+            <a:r>
+              <a:rPr lang="en-US" dirty="0"/>
+              <a:t>Invocation Name</a:t>
+            </a:r>
+          </a:p>
+          <a:p>
+            <a:pPr lvl="1"/>
+            <a:r>
+              <a:rPr lang="en-US" dirty="0"/>
+              <a:t>Intents</a:t>
+            </a:r>
+          </a:p>
+          <a:p>
+            <a:pPr lvl="2"/>
+            <a:r>
+              <a:rPr lang="en-US" dirty="0"/>
+              <a:t>Built-In Intents</a:t>
+            </a:r>
+          </a:p>
+          <a:p>
+            <a:pPr lvl="2"/>
+            <a:r>
+              <a:rPr lang="en-US" dirty="0"/>
+              <a:t>User-defined Intents</a:t>
+            </a:r>
+          </a:p>
+          <a:p>
+            <a:pPr lvl="1"/>
+            <a:r>
+              <a:rPr lang="en-US" dirty="0"/>
+              <a:t>Slot Types</a:t>
+            </a:r>
+          </a:p>
+          <a:p>
+            <a:r>
+              <a:rPr lang="en-US" dirty="0"/>
+              <a:t>Logic (JavaScript File)</a:t>
+            </a:r>
+          </a:p>
+          <a:p>
+            <a:pPr lvl="1"/>
+            <a:r>
+              <a:rPr lang="en-US" dirty="0"/>
+              <a:t>AWS Lambda</a:t>
+            </a:r>
+          </a:p>
+          <a:p>
+            <a:pPr lvl="1"/>
+            <a:r>
+              <a:rPr lang="en-US" dirty="0"/>
+              <a:t>API</a:t>
             </a:r>
           </a:p>
           <a:p>
@@ -4510,7 +4729,7 @@
     </p:spTree>
     <p:extLst>
       <p:ext uri="{BB962C8B-B14F-4D97-AF65-F5344CB8AC3E}">
-        <p14:creationId xmlns:p14="http://schemas.microsoft.com/office/powerpoint/2010/main" val="1035418609"/>
+        <p14:creationId xmlns:p14="http://schemas.microsoft.com/office/powerpoint/2010/main" val="3693376404"/>
       </p:ext>
     </p:extLst>
   </p:cSld>
@@ -4542,7 +4761,7 @@
           <p:cNvPr id="2" name="Title 1">
             <a:extLst>
               <a:ext uri="{FF2B5EF4-FFF2-40B4-BE49-F238E27FC236}">
-                <a16:creationId xmlns:a16="http://schemas.microsoft.com/office/drawing/2014/main" id="{EFC4A874-CCC4-4998-BDAB-E0A6E1783627}"/>
+                <a16:creationId xmlns:a16="http://schemas.microsoft.com/office/drawing/2014/main" id="{69D563AD-3ACB-4C04-A21D-A27B271EA43A}"/>
               </a:ext>
             </a:extLst>
           </p:cNvPr>
@@ -4560,7 +4779,7 @@
           <a:p>
             <a:r>
               <a:rPr lang="en-US" dirty="0"/>
-              <a:t>No, its that simple but there is a bit more…</a:t>
+              <a:t>Invocation Name</a:t>
             </a:r>
           </a:p>
         </p:txBody>
@@ -4570,7 +4789,7 @@
           <p:cNvPr id="3" name="Content Placeholder 2">
             <a:extLst>
               <a:ext uri="{FF2B5EF4-FFF2-40B4-BE49-F238E27FC236}">
-                <a16:creationId xmlns:a16="http://schemas.microsoft.com/office/drawing/2014/main" id="{F0A553D2-B111-42C0-9A6A-010365C72DD6}"/>
+                <a16:creationId xmlns:a16="http://schemas.microsoft.com/office/drawing/2014/main" id="{1D6D181A-2A0D-400E-9329-7797534DE5CB}"/>
               </a:ext>
             </a:extLst>
           </p:cNvPr>
@@ -4588,73 +4807,28 @@
           <a:p>
             <a:r>
               <a:rPr lang="en-US" dirty="0"/>
-              <a:t>Interaction Model (JSON File)</a:t>
+              <a:t>The name that the user will use to start the interaction with your custom skill</a:t>
+            </a:r>
+          </a:p>
+          <a:p>
+            <a:r>
+              <a:rPr lang="en-US" dirty="0"/>
+              <a:t>For example, if the invocation name is “ESPN”, users can say:</a:t>
             </a:r>
           </a:p>
           <a:p>
             <a:pPr lvl="1"/>
             <a:r>
               <a:rPr lang="en-US" dirty="0"/>
-              <a:t>Invocation Name</a:t>
-            </a:r>
-          </a:p>
-          <a:p>
-            <a:pPr lvl="1"/>
-            <a:r>
-              <a:rPr lang="en-US" dirty="0"/>
-              <a:t>Intents</a:t>
-            </a:r>
-          </a:p>
-          <a:p>
-            <a:pPr lvl="2"/>
-            <a:r>
-              <a:rPr lang="en-US" dirty="0"/>
-              <a:t>Built-In Intents</a:t>
-            </a:r>
-          </a:p>
-          <a:p>
-            <a:pPr lvl="2"/>
-            <a:r>
-              <a:rPr lang="en-US" dirty="0"/>
-              <a:t>User-defined Intents</a:t>
-            </a:r>
-          </a:p>
-          <a:p>
-            <a:pPr lvl="1"/>
-            <a:r>
-              <a:rPr lang="en-US" dirty="0"/>
-              <a:t>Slot Types</a:t>
-            </a:r>
-          </a:p>
-          <a:p>
-            <a:r>
-              <a:rPr lang="en-US" dirty="0"/>
-              <a:t>Logic (JavaScript File)</a:t>
-            </a:r>
-          </a:p>
-          <a:p>
-            <a:pPr lvl="1"/>
-            <a:r>
-              <a:rPr lang="en-US" dirty="0"/>
-              <a:t>AWS Lambda</a:t>
-            </a:r>
-          </a:p>
-          <a:p>
-            <a:pPr lvl="1"/>
-            <a:r>
-              <a:rPr lang="en-US" dirty="0"/>
-              <a:t>API</a:t>
-            </a:r>
-          </a:p>
-          <a:p>
-            <a:endParaRPr lang="en-US" dirty="0"/>
+              <a:t>“Alexa, ask ESPN for the score of the Viking game.”</a:t>
+            </a:r>
           </a:p>
         </p:txBody>
       </p:sp>
     </p:spTree>
     <p:extLst>
       <p:ext uri="{BB962C8B-B14F-4D97-AF65-F5344CB8AC3E}">
-        <p14:creationId xmlns:p14="http://schemas.microsoft.com/office/powerpoint/2010/main" val="3693376404"/>
+        <p14:creationId xmlns:p14="http://schemas.microsoft.com/office/powerpoint/2010/main" val="1225673664"/>
       </p:ext>
     </p:extLst>
   </p:cSld>
@@ -4686,7 +4860,7 @@
           <p:cNvPr id="2" name="Title 1">
             <a:extLst>
               <a:ext uri="{FF2B5EF4-FFF2-40B4-BE49-F238E27FC236}">
-                <a16:creationId xmlns:a16="http://schemas.microsoft.com/office/drawing/2014/main" id="{69D563AD-3ACB-4C04-A21D-A27B271EA43A}"/>
+                <a16:creationId xmlns:a16="http://schemas.microsoft.com/office/drawing/2014/main" id="{A1BD2057-6022-4829-87F9-368062B452E3}"/>
               </a:ext>
             </a:extLst>
           </p:cNvPr>
@@ -4704,7 +4878,7 @@
           <a:p>
             <a:r>
               <a:rPr lang="en-US" dirty="0"/>
-              <a:t>Invocation Name</a:t>
+              <a:t>Intents</a:t>
             </a:r>
           </a:p>
         </p:txBody>
@@ -4714,7 +4888,7 @@
           <p:cNvPr id="3" name="Content Placeholder 2">
             <a:extLst>
               <a:ext uri="{FF2B5EF4-FFF2-40B4-BE49-F238E27FC236}">
-                <a16:creationId xmlns:a16="http://schemas.microsoft.com/office/drawing/2014/main" id="{1D6D181A-2A0D-400E-9329-7797534DE5CB}"/>
+                <a16:creationId xmlns:a16="http://schemas.microsoft.com/office/drawing/2014/main" id="{8A626891-DEE4-4575-B99B-D230647CBC80}"/>
               </a:ext>
             </a:extLst>
           </p:cNvPr>
@@ -4727,33 +4901,100 @@
         </p:nvSpPr>
         <p:spPr/>
         <p:txBody>
-          <a:bodyPr/>
-          <a:lstStyle/>
-          <a:p>
-            <a:r>
-              <a:rPr lang="en-US" dirty="0"/>
-              <a:t>The name that the user will use to start the interaction with your custom skill</a:t>
-            </a:r>
-          </a:p>
-          <a:p>
-            <a:r>
-              <a:rPr lang="en-US" dirty="0"/>
-              <a:t>For example, if the invocation name is “ESPN”, users can say:</a:t>
+          <a:bodyPr>
+            <a:normAutofit fontScale="92500" lnSpcReduction="20000"/>
+          </a:bodyPr>
+          <a:lstStyle/>
+          <a:p>
+            <a:r>
+              <a:rPr lang="en-US" dirty="0"/>
+              <a:t>Built-In Intents</a:t>
             </a:r>
           </a:p>
           <a:p>
             <a:pPr lvl="1"/>
             <a:r>
-              <a:rPr lang="en-US" dirty="0"/>
-              <a:t>“Alexa, ask ESPN for the score of the Viking game.”</a:t>
-            </a:r>
+              <a:rPr lang="en-US" dirty="0" err="1"/>
+              <a:t>AMAZON.CancelIntent</a:t>
+            </a:r>
+            <a:endParaRPr lang="en-US" dirty="0"/>
+          </a:p>
+          <a:p>
+            <a:pPr lvl="2"/>
+            <a:r>
+              <a:rPr lang="en-US" dirty="0"/>
+              <a:t>Invoked when user interrupts current intent by saying “Alexa Cancel”</a:t>
+            </a:r>
+          </a:p>
+          <a:p>
+            <a:pPr lvl="1"/>
+            <a:r>
+              <a:rPr lang="en-US" dirty="0" err="1"/>
+              <a:t>AMAZON.HelpIntent</a:t>
+            </a:r>
+            <a:endParaRPr lang="en-US" dirty="0"/>
+          </a:p>
+          <a:p>
+            <a:pPr lvl="2"/>
+            <a:r>
+              <a:rPr lang="en-US" dirty="0"/>
+              <a:t>Invoked when user needs help with what to do within a custom skill</a:t>
+            </a:r>
+          </a:p>
+          <a:p>
+            <a:pPr lvl="2"/>
+            <a:r>
+              <a:rPr lang="en-US" dirty="0"/>
+              <a:t>Provides sample commands</a:t>
+            </a:r>
+          </a:p>
+          <a:p>
+            <a:pPr lvl="1"/>
+            <a:r>
+              <a:rPr lang="en-US" dirty="0" err="1"/>
+              <a:t>AMAZON.FallbackIntent</a:t>
+            </a:r>
+            <a:endParaRPr lang="en-US" dirty="0"/>
+          </a:p>
+          <a:p>
+            <a:pPr lvl="2"/>
+            <a:r>
+              <a:rPr lang="en-US" dirty="0"/>
+              <a:t>Invoked when user’s command does not match any of the other defined intents</a:t>
+            </a:r>
+          </a:p>
+          <a:p>
+            <a:pPr lvl="2"/>
+            <a:r>
+              <a:rPr lang="en-US" dirty="0"/>
+              <a:t>“Sorry I don’t know that one”</a:t>
+            </a:r>
+          </a:p>
+          <a:p>
+            <a:pPr lvl="1"/>
+            <a:r>
+              <a:rPr lang="en-US" dirty="0" err="1"/>
+              <a:t>AMAZON.StopIntent</a:t>
+            </a:r>
+            <a:endParaRPr lang="en-US" dirty="0"/>
+          </a:p>
+          <a:p>
+            <a:pPr lvl="2"/>
+            <a:r>
+              <a:rPr lang="en-US" dirty="0"/>
+              <a:t>Invoked when user wants to stop an open session</a:t>
+            </a:r>
+          </a:p>
+          <a:p>
+            <a:pPr lvl="1"/>
+            <a:endParaRPr lang="en-US" dirty="0"/>
           </a:p>
         </p:txBody>
       </p:sp>
     </p:spTree>
     <p:extLst>
       <p:ext uri="{BB962C8B-B14F-4D97-AF65-F5344CB8AC3E}">
-        <p14:creationId xmlns:p14="http://schemas.microsoft.com/office/powerpoint/2010/main" val="1225673664"/>
+        <p14:creationId xmlns:p14="http://schemas.microsoft.com/office/powerpoint/2010/main" val="2912906413"/>
       </p:ext>
     </p:extLst>
   </p:cSld>
@@ -4785,7 +5026,7 @@
           <p:cNvPr id="2" name="Title 1">
             <a:extLst>
               <a:ext uri="{FF2B5EF4-FFF2-40B4-BE49-F238E27FC236}">
-                <a16:creationId xmlns:a16="http://schemas.microsoft.com/office/drawing/2014/main" id="{A1BD2057-6022-4829-87F9-368062B452E3}"/>
+                <a16:creationId xmlns:a16="http://schemas.microsoft.com/office/drawing/2014/main" id="{B6F7ED87-B603-4555-AFBC-8609F81C5D59}"/>
               </a:ext>
             </a:extLst>
           </p:cNvPr>
@@ -4813,7 +5054,7 @@
           <p:cNvPr id="3" name="Content Placeholder 2">
             <a:extLst>
               <a:ext uri="{FF2B5EF4-FFF2-40B4-BE49-F238E27FC236}">
-                <a16:creationId xmlns:a16="http://schemas.microsoft.com/office/drawing/2014/main" id="{8A626891-DEE4-4575-B99B-D230647CBC80}"/>
+                <a16:creationId xmlns:a16="http://schemas.microsoft.com/office/drawing/2014/main" id="{0E8108C6-4BA9-47EC-8022-66621475A00D}"/>
               </a:ext>
             </a:extLst>
           </p:cNvPr>
@@ -4831,93 +5072,69 @@
           <a:p>
             <a:r>
               <a:rPr lang="en-US" dirty="0"/>
-              <a:t>Built-In Intents</a:t>
+              <a:t>User-defined intents</a:t>
             </a:r>
           </a:p>
           <a:p>
             <a:pPr lvl="1"/>
             <a:r>
-              <a:rPr lang="en-US" dirty="0" err="1"/>
-              <a:t>AMAZON.CancelIntent</a:t>
-            </a:r>
-            <a:endParaRPr lang="en-US" dirty="0"/>
-          </a:p>
-          <a:p>
-            <a:pPr lvl="2"/>
-            <a:r>
-              <a:rPr lang="en-US" dirty="0"/>
-              <a:t>Invoked when user interrupts current intent by saying “Alexa Cancel”</a:t>
+              <a:rPr lang="en-US" dirty="0"/>
+              <a:t>Makes your custom skill unique</a:t>
             </a:r>
           </a:p>
           <a:p>
             <a:pPr lvl="1"/>
             <a:r>
-              <a:rPr lang="en-US" dirty="0" err="1"/>
-              <a:t>AMAZON.HelpIntent</a:t>
-            </a:r>
-            <a:endParaRPr lang="en-US" dirty="0"/>
-          </a:p>
-          <a:p>
-            <a:pPr lvl="2"/>
-            <a:r>
-              <a:rPr lang="en-US" dirty="0"/>
-              <a:t>Invoked when user needs help with what to do within a custom skill</a:t>
-            </a:r>
-          </a:p>
-          <a:p>
-            <a:pPr lvl="2"/>
-            <a:r>
-              <a:rPr lang="en-US" dirty="0"/>
-              <a:t>Provides sample commands</a:t>
+              <a:rPr lang="en-US" dirty="0"/>
+              <a:t>Example </a:t>
+            </a:r>
+            <a:r>
+              <a:rPr lang="en-US" b="1" dirty="0"/>
+              <a:t>Score Intent</a:t>
+            </a:r>
+            <a:r>
+              <a:rPr lang="en-US" dirty="0"/>
+              <a:t>: “Alexa ask ESPN for the score of the Viking game”</a:t>
             </a:r>
           </a:p>
           <a:p>
             <a:pPr lvl="1"/>
             <a:r>
-              <a:rPr lang="en-US" dirty="0" err="1"/>
-              <a:t>AMAZON.FallbackIntent</a:t>
-            </a:r>
-            <a:endParaRPr lang="en-US" dirty="0"/>
-          </a:p>
-          <a:p>
-            <a:pPr lvl="2"/>
-            <a:r>
-              <a:rPr lang="en-US" dirty="0"/>
-              <a:t>Invoked when user’s command does not match any of the other defined intents</a:t>
-            </a:r>
-          </a:p>
-          <a:p>
-            <a:pPr lvl="2"/>
-            <a:r>
-              <a:rPr lang="en-US" dirty="0"/>
-              <a:t>“Sorry I don’t know that one”</a:t>
+              <a:rPr lang="en-US" dirty="0"/>
+              <a:t>Example </a:t>
+            </a:r>
+            <a:r>
+              <a:rPr lang="en-US" b="1" dirty="0"/>
+              <a:t>Top Trend Intent</a:t>
+            </a:r>
+            <a:r>
+              <a:rPr lang="en-US" dirty="0"/>
+              <a:t>: “Alexa ask Google for the top trends”</a:t>
+            </a:r>
+          </a:p>
+          <a:p>
+            <a:r>
+              <a:rPr lang="en-US" dirty="0"/>
+              <a:t>Made up of </a:t>
+            </a:r>
+            <a:r>
+              <a:rPr lang="en-US" b="1" dirty="0"/>
+              <a:t>Utterances</a:t>
             </a:r>
           </a:p>
           <a:p>
             <a:pPr lvl="1"/>
             <a:r>
-              <a:rPr lang="en-US" dirty="0" err="1"/>
-              <a:t>AMAZON.StopIntent</a:t>
-            </a:r>
-            <a:endParaRPr lang="en-US" dirty="0"/>
-          </a:p>
-          <a:p>
-            <a:pPr lvl="2"/>
-            <a:r>
-              <a:rPr lang="en-US" dirty="0"/>
-              <a:t>Invoked when user wants to stop an open session</a:t>
-            </a:r>
-          </a:p>
-          <a:p>
-            <a:pPr lvl="1"/>
-            <a:endParaRPr lang="en-US" dirty="0"/>
+              <a:rPr lang="en-US" dirty="0"/>
+              <a:t>Utterances – phases the user might say</a:t>
+            </a:r>
           </a:p>
         </p:txBody>
       </p:sp>
     </p:spTree>
     <p:extLst>
       <p:ext uri="{BB962C8B-B14F-4D97-AF65-F5344CB8AC3E}">
-        <p14:creationId xmlns:p14="http://schemas.microsoft.com/office/powerpoint/2010/main" val="2912906413"/>
+        <p14:creationId xmlns:p14="http://schemas.microsoft.com/office/powerpoint/2010/main" val="2608405855"/>
       </p:ext>
     </p:extLst>
   </p:cSld>
@@ -4949,7 +5166,7 @@
           <p:cNvPr id="2" name="Title 1">
             <a:extLst>
               <a:ext uri="{FF2B5EF4-FFF2-40B4-BE49-F238E27FC236}">
-                <a16:creationId xmlns:a16="http://schemas.microsoft.com/office/drawing/2014/main" id="{B6F7ED87-B603-4555-AFBC-8609F81C5D59}"/>
+                <a16:creationId xmlns:a16="http://schemas.microsoft.com/office/drawing/2014/main" id="{D23C619C-88CC-4D75-8EEA-13B6B4E0AB85}"/>
               </a:ext>
             </a:extLst>
           </p:cNvPr>
@@ -4967,7 +5184,7 @@
           <a:p>
             <a:r>
               <a:rPr lang="en-US" dirty="0"/>
-              <a:t>Intents</a:t>
+              <a:t>Slot Types</a:t>
             </a:r>
           </a:p>
         </p:txBody>
@@ -4977,7 +5194,7 @@
           <p:cNvPr id="3" name="Content Placeholder 2">
             <a:extLst>
               <a:ext uri="{FF2B5EF4-FFF2-40B4-BE49-F238E27FC236}">
-                <a16:creationId xmlns:a16="http://schemas.microsoft.com/office/drawing/2014/main" id="{0E8108C6-4BA9-47EC-8022-66621475A00D}"/>
+                <a16:creationId xmlns:a16="http://schemas.microsoft.com/office/drawing/2014/main" id="{7F5E6E1A-1276-4DCA-800F-1A049EADC4D7}"/>
               </a:ext>
             </a:extLst>
           </p:cNvPr>
@@ -4990,66 +5207,76 @@
         </p:nvSpPr>
         <p:spPr/>
         <p:txBody>
-          <a:bodyPr/>
-          <a:lstStyle/>
-          <a:p>
-            <a:r>
-              <a:rPr lang="en-US" dirty="0"/>
-              <a:t>User-defined intents</a:t>
+          <a:bodyPr>
+            <a:normAutofit/>
+          </a:bodyPr>
+          <a:lstStyle/>
+          <a:p>
+            <a:r>
+              <a:rPr lang="en-US" dirty="0"/>
+              <a:t>Variables within a utterance</a:t>
+            </a:r>
+          </a:p>
+          <a:p>
+            <a:r>
+              <a:rPr lang="en-US" dirty="0"/>
+              <a:t>Utterances can have multiple slots</a:t>
+            </a:r>
+          </a:p>
+          <a:p>
+            <a:r>
+              <a:rPr lang="en-US" dirty="0"/>
+              <a:t>User: “Alexa ask ESPN what the score of the </a:t>
+            </a:r>
+            <a:r>
+              <a:rPr lang="en-US" b="1" dirty="0"/>
+              <a:t>Minnesota Viking</a:t>
+            </a:r>
+            <a:r>
+              <a:rPr lang="en-US" dirty="0"/>
+              <a:t> </a:t>
+            </a:r>
+            <a:r>
+              <a:rPr lang="en-US" b="1" dirty="0"/>
+              <a:t>football </a:t>
+            </a:r>
+            <a:r>
+              <a:rPr lang="en-US" dirty="0"/>
+              <a:t>game.”</a:t>
+            </a:r>
+          </a:p>
+          <a:p>
+            <a:r>
+              <a:rPr lang="en-US" dirty="0"/>
+              <a:t>User: “Alexa ask ESPN what the score of the {team name} {sport name} game.”</a:t>
             </a:r>
           </a:p>
           <a:p>
             <a:pPr lvl="1"/>
             <a:r>
               <a:rPr lang="en-US" dirty="0"/>
-              <a:t>Makes your custom skill unique</a:t>
+              <a:t>{team name}</a:t>
+            </a:r>
+          </a:p>
+          <a:p>
+            <a:pPr lvl="2"/>
+            <a:r>
+              <a:rPr lang="en-US" dirty="0"/>
+              <a:t>Minnesota Vikings, Green Bay Packers, Minnesota Wild</a:t>
             </a:r>
           </a:p>
           <a:p>
             <a:pPr lvl="1"/>
             <a:r>
               <a:rPr lang="en-US" dirty="0"/>
-              <a:t>Example </a:t>
-            </a:r>
-            <a:r>
-              <a:rPr lang="en-US" b="1" dirty="0"/>
-              <a:t>Score Intent</a:t>
-            </a:r>
-            <a:r>
-              <a:rPr lang="en-US" dirty="0"/>
-              <a:t>: “Alexa ask ESPN for the score of the Viking game”</a:t>
-            </a:r>
-          </a:p>
-          <a:p>
-            <a:pPr lvl="1"/>
-            <a:r>
-              <a:rPr lang="en-US" dirty="0"/>
-              <a:t>Example </a:t>
-            </a:r>
-            <a:r>
-              <a:rPr lang="en-US" b="1" dirty="0"/>
-              <a:t>Top Trend Intent</a:t>
-            </a:r>
-            <a:r>
-              <a:rPr lang="en-US" dirty="0"/>
-              <a:t>: “Alexa ask Google for the top trends”</a:t>
-            </a:r>
-          </a:p>
-          <a:p>
-            <a:r>
-              <a:rPr lang="en-US" dirty="0"/>
-              <a:t>Made up of </a:t>
-            </a:r>
-            <a:r>
-              <a:rPr lang="en-US" b="1" dirty="0"/>
-              <a:t>Utterances</a:t>
-            </a:r>
-          </a:p>
-          <a:p>
-            <a:pPr lvl="1"/>
-            <a:r>
-              <a:rPr lang="en-US" dirty="0"/>
-              <a:t>Utterances – phases the user might say</a:t>
+              <a:t>{sport}</a:t>
+            </a:r>
+          </a:p>
+          <a:p>
+            <a:pPr lvl="2"/>
+            <a:r>
+              <a:rPr lang="en-US" dirty="0"/>
+              <a:t>Football, hockey, baseball</a:t>
             </a:r>
           </a:p>
         </p:txBody>
@@ -5057,7 +5284,7 @@
     </p:spTree>
     <p:extLst>
       <p:ext uri="{BB962C8B-B14F-4D97-AF65-F5344CB8AC3E}">
-        <p14:creationId xmlns:p14="http://schemas.microsoft.com/office/powerpoint/2010/main" val="2608405855"/>
+        <p14:creationId xmlns:p14="http://schemas.microsoft.com/office/powerpoint/2010/main" val="4124802825"/>
       </p:ext>
     </p:extLst>
   </p:cSld>
@@ -5068,9 +5295,9 @@
 </file>
 
 <file path=ppt/theme/theme1.xml><?xml version="1.0" encoding="utf-8"?>
-<a:theme xmlns:a="http://schemas.openxmlformats.org/drawingml/2006/main" name="Office Theme">
+<a:theme xmlns:a="http://schemas.openxmlformats.org/drawingml/2006/main" name="Gallery">
   <a:themeElements>
-    <a:clrScheme name="Office">
+    <a:clrScheme name="Gallery">
       <a:dk1>
         <a:sysClr val="windowText" lastClr="000000"/>
       </a:dk1>
@@ -5078,39 +5305,39 @@
         <a:sysClr val="window" lastClr="FFFFFF"/>
       </a:lt1>
       <a:dk2>
-        <a:srgbClr val="44546A"/>
+        <a:srgbClr val="454545"/>
       </a:dk2>
       <a:lt2>
-        <a:srgbClr val="E7E6E6"/>
+        <a:srgbClr val="DFDBD5"/>
       </a:lt2>
       <a:accent1>
-        <a:srgbClr val="4472C4"/>
+        <a:srgbClr val="B71E42"/>
       </a:accent1>
       <a:accent2>
-        <a:srgbClr val="ED7D31"/>
+        <a:srgbClr val="DE478E"/>
       </a:accent2>
       <a:accent3>
-        <a:srgbClr val="A5A5A5"/>
+        <a:srgbClr val="BC72F0"/>
       </a:accent3>
       <a:accent4>
-        <a:srgbClr val="FFC000"/>
+        <a:srgbClr val="795FAF"/>
       </a:accent4>
       <a:accent5>
-        <a:srgbClr val="5B9BD5"/>
+        <a:srgbClr val="586EA6"/>
       </a:accent5>
       <a:accent6>
-        <a:srgbClr val="70AD47"/>
+        <a:srgbClr val="6892A0"/>
       </a:accent6>
       <a:hlink>
-        <a:srgbClr val="0563C1"/>
+        <a:srgbClr val="FA2B5C"/>
       </a:hlink>
       <a:folHlink>
-        <a:srgbClr val="954F72"/>
+        <a:srgbClr val="BC658E"/>
       </a:folHlink>
     </a:clrScheme>
-    <a:fontScheme name="Office">
+    <a:fontScheme name="Gallery">
       <a:majorFont>
-        <a:latin typeface="Calibri Light" panose="020F0302020204030204"/>
+        <a:latin typeface="Gill Sans MT" panose="020B0502020104020203"/>
         <a:ea typeface=""/>
         <a:cs typeface=""/>
         <a:font script="Jpan" typeface="游ゴシック Light"/>
@@ -5143,26 +5370,9 @@
         <a:font script="Viet" typeface="Times New Roman"/>
         <a:font script="Uigh" typeface="Microsoft Uighur"/>
         <a:font script="Geor" typeface="Sylfaen"/>
-        <a:font script="Armn" typeface="Arial"/>
-        <a:font script="Bugi" typeface="Leelawadee UI"/>
-        <a:font script="Bopo" typeface="Microsoft JhengHei"/>
-        <a:font script="Java" typeface="Javanese Text"/>
-        <a:font script="Lisu" typeface="Segoe UI"/>
-        <a:font script="Mymr" typeface="Myanmar Text"/>
-        <a:font script="Nkoo" typeface="Ebrima"/>
-        <a:font script="Olck" typeface="Nirmala UI"/>
-        <a:font script="Osma" typeface="Ebrima"/>
-        <a:font script="Phag" typeface="Phagspa"/>
-        <a:font script="Syrn" typeface="Estrangelo Edessa"/>
-        <a:font script="Syrj" typeface="Estrangelo Edessa"/>
-        <a:font script="Syre" typeface="Estrangelo Edessa"/>
-        <a:font script="Sora" typeface="Nirmala UI"/>
-        <a:font script="Tale" typeface="Microsoft Tai Le"/>
-        <a:font script="Talu" typeface="Microsoft New Tai Lue"/>
-        <a:font script="Tfng" typeface="Ebrima"/>
       </a:majorFont>
       <a:minorFont>
-        <a:latin typeface="Calibri" panose="020F0502020204030204"/>
+        <a:latin typeface="Gill Sans MT" panose="020B0502020104020203"/>
         <a:ea typeface=""/>
         <a:cs typeface=""/>
         <a:font script="Jpan" typeface="游ゴシック"/>
@@ -5195,26 +5405,9 @@
         <a:font script="Viet" typeface="Arial"/>
         <a:font script="Uigh" typeface="Microsoft Uighur"/>
         <a:font script="Geor" typeface="Sylfaen"/>
-        <a:font script="Armn" typeface="Arial"/>
-        <a:font script="Bugi" typeface="Leelawadee UI"/>
-        <a:font script="Bopo" typeface="Microsoft JhengHei"/>
-        <a:font script="Java" typeface="Javanese Text"/>
-        <a:font script="Lisu" typeface="Segoe UI"/>
-        <a:font script="Mymr" typeface="Myanmar Text"/>
-        <a:font script="Nkoo" typeface="Ebrima"/>
-        <a:font script="Olck" typeface="Nirmala UI"/>
-        <a:font script="Osma" typeface="Ebrima"/>
-        <a:font script="Phag" typeface="Phagspa"/>
-        <a:font script="Syrn" typeface="Estrangelo Edessa"/>
-        <a:font script="Syrj" typeface="Estrangelo Edessa"/>
-        <a:font script="Syre" typeface="Estrangelo Edessa"/>
-        <a:font script="Sora" typeface="Nirmala UI"/>
-        <a:font script="Tale" typeface="Microsoft Tai Le"/>
-        <a:font script="Talu" typeface="Microsoft New Tai Lue"/>
-        <a:font script="Tfng" typeface="Ebrima"/>
       </a:minorFont>
     </a:fontScheme>
-    <a:fmtScheme name="Office">
+    <a:fmtScheme name="Gallery">
       <a:fillStyleLst>
         <a:solidFill>
           <a:schemeClr val="phClr"/>
@@ -5223,23 +5416,18 @@
           <a:gsLst>
             <a:gs pos="0">
               <a:schemeClr val="phClr">
+                <a:tint val="54000"/>
+                <a:alpha val="100000"/>
+                <a:satMod val="105000"/>
                 <a:lumMod val="110000"/>
-                <a:satMod val="105000"/>
-                <a:tint val="67000"/>
-              </a:schemeClr>
-            </a:gs>
-            <a:gs pos="50000">
-              <a:schemeClr val="phClr">
-                <a:lumMod val="105000"/>
-                <a:satMod val="103000"/>
-                <a:tint val="73000"/>
               </a:schemeClr>
             </a:gs>
             <a:gs pos="100000">
               <a:schemeClr val="phClr">
-                <a:lumMod val="105000"/>
+                <a:tint val="78000"/>
+                <a:alpha val="92000"/>
                 <a:satMod val="109000"/>
-                <a:tint val="81000"/>
+                <a:lumMod val="100000"/>
               </a:schemeClr>
             </a:gs>
           </a:gsLst>
@@ -5249,23 +5437,23 @@
           <a:gsLst>
             <a:gs pos="0">
               <a:schemeClr val="phClr">
-                <a:satMod val="103000"/>
-                <a:lumMod val="102000"/>
-                <a:tint val="94000"/>
+                <a:tint val="98000"/>
+                <a:satMod val="110000"/>
+                <a:lumMod val="104000"/>
               </a:schemeClr>
             </a:gs>
-            <a:gs pos="50000">
+            <a:gs pos="69000">
               <a:schemeClr val="phClr">
-                <a:satMod val="110000"/>
-                <a:lumMod val="100000"/>
-                <a:shade val="100000"/>
+                <a:shade val="88000"/>
+                <a:satMod val="130000"/>
+                <a:lumMod val="92000"/>
               </a:schemeClr>
             </a:gs>
             <a:gs pos="100000">
               <a:schemeClr val="phClr">
-                <a:lumMod val="99000"/>
-                <a:satMod val="120000"/>
                 <a:shade val="78000"/>
+                <a:satMod val="130000"/>
+                <a:lumMod val="92000"/>
               </a:schemeClr>
             </a:gs>
           </a:gsLst>
@@ -5273,26 +5461,23 @@
         </a:gradFill>
       </a:fillStyleLst>
       <a:lnStyleLst>
-        <a:ln w="6350" cap="flat" cmpd="sng" algn="ctr">
+        <a:ln w="9525" cap="flat" cmpd="sng" algn="ctr">
           <a:solidFill>
             <a:schemeClr val="phClr"/>
           </a:solidFill>
           <a:prstDash val="solid"/>
-          <a:miter lim="800000"/>
         </a:ln>
-        <a:ln w="12700" cap="flat" cmpd="sng" algn="ctr">
+        <a:ln w="15875" cap="flat" cmpd="sng" algn="ctr">
           <a:solidFill>
             <a:schemeClr val="phClr"/>
           </a:solidFill>
           <a:prstDash val="solid"/>
-          <a:miter lim="800000"/>
         </a:ln>
-        <a:ln w="19050" cap="flat" cmpd="sng" algn="ctr">
+        <a:ln w="22225" cap="flat" cmpd="sng" algn="ctr">
           <a:solidFill>
             <a:schemeClr val="phClr"/>
           </a:solidFill>
           <a:prstDash val="solid"/>
-          <a:miter lim="800000"/>
         </a:ln>
       </a:lnStyleLst>
       <a:effectStyleLst>
@@ -5304,12 +5489,23 @@
         </a:effectStyle>
         <a:effectStyle>
           <a:effectLst>
-            <a:outerShdw blurRad="57150" dist="19050" dir="5400000" algn="ctr" rotWithShape="0">
+            <a:outerShdw blurRad="50800" dist="50800" dir="5400000" sx="96000" sy="96000" rotWithShape="0">
               <a:srgbClr val="000000">
-                <a:alpha val="63000"/>
+                <a:alpha val="48000"/>
               </a:srgbClr>
             </a:outerShdw>
           </a:effectLst>
+          <a:scene3d>
+            <a:camera prst="orthographicFront">
+              <a:rot lat="0" lon="0" rev="0"/>
+            </a:camera>
+            <a:lightRig rig="balanced" dir="t">
+              <a:rot lat="0" lon="0" rev="1080000"/>
+            </a:lightRig>
+          </a:scene3d>
+          <a:sp3d>
+            <a:bevelT w="38100" h="12700" prst="softRound"/>
+          </a:sp3d>
         </a:effectStyle>
       </a:effectStyleLst>
       <a:bgFillStyleLst>
@@ -5317,37 +5513,26 @@
           <a:schemeClr val="phClr"/>
         </a:solidFill>
         <a:solidFill>
-          <a:schemeClr val="phClr">
-            <a:tint val="95000"/>
-            <a:satMod val="170000"/>
-          </a:schemeClr>
+          <a:schemeClr val="phClr"/>
         </a:solidFill>
         <a:gradFill rotWithShape="1">
           <a:gsLst>
             <a:gs pos="0">
               <a:schemeClr val="phClr">
-                <a:tint val="93000"/>
-                <a:satMod val="150000"/>
-                <a:shade val="98000"/>
-                <a:lumMod val="102000"/>
-              </a:schemeClr>
-            </a:gs>
-            <a:gs pos="50000">
-              <a:schemeClr val="phClr">
-                <a:tint val="98000"/>
-                <a:satMod val="130000"/>
-                <a:shade val="90000"/>
-                <a:lumMod val="103000"/>
+                <a:tint val="94000"/>
+                <a:satMod val="80000"/>
+                <a:lumMod val="106000"/>
               </a:schemeClr>
             </a:gs>
             <a:gs pos="100000">
               <a:schemeClr val="phClr">
-                <a:shade val="63000"/>
-                <a:satMod val="120000"/>
+                <a:shade val="80000"/>
               </a:schemeClr>
             </a:gs>
           </a:gsLst>
-          <a:lin ang="5400000" scaled="0"/>
+          <a:path path="circle">
+            <a:fillToRect l="43000" r="43000" b="100000"/>
+          </a:path>
         </a:gradFill>
       </a:bgFillStyleLst>
     </a:fmtScheme>
@@ -5356,7 +5541,7 @@
   <a:extraClrSchemeLst/>
   <a:extLst>
     <a:ext uri="{05A4C25C-085E-4340-85A3-A5531E510DB2}">
-      <thm15:themeFamily xmlns:thm15="http://schemas.microsoft.com/office/thememl/2012/main" name="Office Theme" id="{62F939B6-93AF-4DB8-9C6B-D6C7DFDC589F}" vid="{4A3C46E8-61CC-4603-A589-7422A47A8E4A}"/>
+      <thm15:themeFamily xmlns:thm15="http://schemas.microsoft.com/office/thememl/2012/main" name="Gallery" id="{BBFCD31E-59A1-489D-B089-A3EAD7CAE12E}" vid="{F5E91637-A7B6-4E27-B710-77DA7014EE1E}"/>
     </a:ext>
   </a:extLst>
 </a:theme>
